--- a/misc docs/GZipFilter.pptx
+++ b/misc docs/GZipFilter.pptx
@@ -116,7 +116,7 @@
   </p:defaultTextStyle>
   <p:extLst>
     <p:ext uri="{EFAFB233-063F-42B5-8137-9DF3F51BA10A}">
-      <p15:sldGuideLst xmlns:p15="http://schemas.microsoft.com/office/powerpoint/2012/main" xmlns="">
+      <p15:sldGuideLst xmlns:p15="http://schemas.microsoft.com/office/powerpoint/2012/main">
         <p15:guide id="1" orient="horz" pos="2160">
           <p15:clr>
             <a:srgbClr val="A4A3A4"/>
@@ -160,7 +160,7 @@
           <p:cNvPr id="2" name="Header Placeholder 1">
             <a:extLst>
               <a:ext uri="{FF2B5EF4-FFF2-40B4-BE49-F238E27FC236}">
-                <a16:creationId xmlns:a16="http://schemas.microsoft.com/office/drawing/2014/main" xmlns="" id="{FC7D7BFE-32AF-6C45-85F4-6BF933B444D1}"/>
+                <a16:creationId xmlns:a16="http://schemas.microsoft.com/office/drawing/2014/main" id="{FC7D7BFE-32AF-6C45-85F4-6BF933B444D1}"/>
               </a:ext>
             </a:extLst>
           </p:cNvPr>
@@ -197,7 +197,7 @@
           <p:cNvPr id="3" name="Date Placeholder 2">
             <a:extLst>
               <a:ext uri="{FF2B5EF4-FFF2-40B4-BE49-F238E27FC236}">
-                <a16:creationId xmlns:a16="http://schemas.microsoft.com/office/drawing/2014/main" xmlns="" id="{C36F28F5-CE4A-CF4B-9BDD-AA2947E83911}"/>
+                <a16:creationId xmlns:a16="http://schemas.microsoft.com/office/drawing/2014/main" id="{C36F28F5-CE4A-CF4B-9BDD-AA2947E83911}"/>
               </a:ext>
             </a:extLst>
           </p:cNvPr>
@@ -227,7 +227,7 @@
           <a:p>
             <a:fld id="{2F95E63E-62F3-E344-8F6F-6D97C7E78A00}" type="datetime1">
               <a:rPr lang="en-IN" smtClean="0"/>
-              <a:t>15-08-2019</a:t>
+              <a:t>13-02-2023</a:t>
             </a:fld>
             <a:endParaRPr lang="en-US" dirty="0"/>
           </a:p>
@@ -238,7 +238,7 @@
           <p:cNvPr id="4" name="Footer Placeholder 3">
             <a:extLst>
               <a:ext uri="{FF2B5EF4-FFF2-40B4-BE49-F238E27FC236}">
-                <a16:creationId xmlns:a16="http://schemas.microsoft.com/office/drawing/2014/main" xmlns="" id="{C6FD1EC5-A4B4-6947-8552-1DB395468E25}"/>
+                <a16:creationId xmlns:a16="http://schemas.microsoft.com/office/drawing/2014/main" id="{C6FD1EC5-A4B4-6947-8552-1DB395468E25}"/>
               </a:ext>
             </a:extLst>
           </p:cNvPr>
@@ -275,7 +275,7 @@
           <p:cNvPr id="5" name="Slide Number Placeholder 4">
             <a:extLst>
               <a:ext uri="{FF2B5EF4-FFF2-40B4-BE49-F238E27FC236}">
-                <a16:creationId xmlns:a16="http://schemas.microsoft.com/office/drawing/2014/main" xmlns="" id="{66007E98-9D4F-9C4F-B129-4295F10DF244}"/>
+                <a16:creationId xmlns:a16="http://schemas.microsoft.com/office/drawing/2014/main" id="{66007E98-9D4F-9C4F-B129-4295F10DF244}"/>
               </a:ext>
             </a:extLst>
           </p:cNvPr>
@@ -405,7 +405,7 @@
           <a:p>
             <a:fld id="{91766CEB-553E-A548-99B1-5A5252F6D1C6}" type="datetime1">
               <a:rPr lang="en-IN" smtClean="0"/>
-              <a:t>15-08-2019</a:t>
+              <a:t>13-02-2023</a:t>
             </a:fld>
             <a:endParaRPr lang="en-US" dirty="0"/>
           </a:p>
@@ -718,7 +718,7 @@
           <p:cNvPr id="8" name="Straight Connector 7">
             <a:extLst>
               <a:ext uri="{FF2B5EF4-FFF2-40B4-BE49-F238E27FC236}">
-                <a16:creationId xmlns:a16="http://schemas.microsoft.com/office/drawing/2014/main" xmlns="" id="{F7E2A3B7-AD38-7C4C-8096-91A0D5A8A03C}"/>
+                <a16:creationId xmlns:a16="http://schemas.microsoft.com/office/drawing/2014/main" id="{F7E2A3B7-AD38-7C4C-8096-91A0D5A8A03C}"/>
               </a:ext>
             </a:extLst>
           </p:cNvPr>
@@ -761,7 +761,7 @@
           <p:cNvPr id="9" name="Text Placeholder 17">
             <a:extLst>
               <a:ext uri="{FF2B5EF4-FFF2-40B4-BE49-F238E27FC236}">
-                <a16:creationId xmlns:a16="http://schemas.microsoft.com/office/drawing/2014/main" xmlns="" id="{262DFE54-C01F-1540-9508-1591A8AA3497}"/>
+                <a16:creationId xmlns:a16="http://schemas.microsoft.com/office/drawing/2014/main" id="{262DFE54-C01F-1540-9508-1591A8AA3497}"/>
               </a:ext>
             </a:extLst>
           </p:cNvPr>
@@ -833,7 +833,7 @@
           <p:cNvPr id="10" name="Text Placeholder 17">
             <a:extLst>
               <a:ext uri="{FF2B5EF4-FFF2-40B4-BE49-F238E27FC236}">
-                <a16:creationId xmlns:a16="http://schemas.microsoft.com/office/drawing/2014/main" xmlns="" id="{3761CEC5-C572-DD4B-93B0-4A5EA21A108D}"/>
+                <a16:creationId xmlns:a16="http://schemas.microsoft.com/office/drawing/2014/main" id="{3761CEC5-C572-DD4B-93B0-4A5EA21A108D}"/>
               </a:ext>
             </a:extLst>
           </p:cNvPr>
@@ -908,7 +908,7 @@
           <p:cNvPr id="11" name="Group 10">
             <a:extLst>
               <a:ext uri="{FF2B5EF4-FFF2-40B4-BE49-F238E27FC236}">
-                <a16:creationId xmlns:a16="http://schemas.microsoft.com/office/drawing/2014/main" xmlns="" id="{8FEDF90B-4BEF-6E4D-8F86-F91897E52A8D}"/>
+                <a16:creationId xmlns:a16="http://schemas.microsoft.com/office/drawing/2014/main" id="{8FEDF90B-4BEF-6E4D-8F86-F91897E52A8D}"/>
               </a:ext>
             </a:extLst>
           </p:cNvPr>
@@ -928,7 +928,7 @@
             <p:cNvPr id="12" name="Graphic 11">
               <a:extLst>
                 <a:ext uri="{FF2B5EF4-FFF2-40B4-BE49-F238E27FC236}">
-                  <a16:creationId xmlns:a16="http://schemas.microsoft.com/office/drawing/2014/main" xmlns="" id="{F6B9F9B7-8A97-754F-B83B-6999C541B216}"/>
+                  <a16:creationId xmlns:a16="http://schemas.microsoft.com/office/drawing/2014/main" id="{F6B9F9B7-8A97-754F-B83B-6999C541B216}"/>
                 </a:ext>
               </a:extLst>
             </p:cNvPr>
@@ -944,7 +944,7 @@
                   <a14:useLocalDpi xmlns:a14="http://schemas.microsoft.com/office/drawing/2010/main"/>
                 </a:ext>
                 <a:ext uri="{96DAC541-7B7A-43D3-8B79-37D633B846F1}">
-                  <asvg:svgBlip xmlns:asvg="http://schemas.microsoft.com/office/drawing/2016/SVG/main" xmlns="" r:embed="rId3"/>
+                  <asvg:svgBlip xmlns:asvg="http://schemas.microsoft.com/office/drawing/2016/SVG/main" r:embed="rId3"/>
                 </a:ext>
               </a:extLst>
             </a:blip>
@@ -966,7 +966,7 @@
             <p:cNvPr id="13" name="Graphic 12">
               <a:extLst>
                 <a:ext uri="{FF2B5EF4-FFF2-40B4-BE49-F238E27FC236}">
-                  <a16:creationId xmlns:a16="http://schemas.microsoft.com/office/drawing/2014/main" xmlns="" id="{759B9A1A-AE1F-AE40-9A8B-2AE6DDB4F211}"/>
+                  <a16:creationId xmlns:a16="http://schemas.microsoft.com/office/drawing/2014/main" id="{759B9A1A-AE1F-AE40-9A8B-2AE6DDB4F211}"/>
                 </a:ext>
               </a:extLst>
             </p:cNvPr>
@@ -982,7 +982,7 @@
                   <a14:useLocalDpi xmlns:a14="http://schemas.microsoft.com/office/drawing/2010/main"/>
                 </a:ext>
                 <a:ext uri="{96DAC541-7B7A-43D3-8B79-37D633B846F1}">
-                  <asvg:svgBlip xmlns:asvg="http://schemas.microsoft.com/office/drawing/2016/SVG/main" xmlns="" r:embed="rId5"/>
+                  <asvg:svgBlip xmlns:asvg="http://schemas.microsoft.com/office/drawing/2016/SVG/main" r:embed="rId5"/>
                 </a:ext>
               </a:extLst>
             </a:blip>
@@ -1051,7 +1051,7 @@
           <p:cNvPr id="2" name="Rectangle 1">
             <a:extLst>
               <a:ext uri="{FF2B5EF4-FFF2-40B4-BE49-F238E27FC236}">
-                <a16:creationId xmlns:a16="http://schemas.microsoft.com/office/drawing/2014/main" xmlns="" id="{3D5C9CF1-B64E-5847-B0B1-CFE7D4FD0DDF}"/>
+                <a16:creationId xmlns:a16="http://schemas.microsoft.com/office/drawing/2014/main" id="{3D5C9CF1-B64E-5847-B0B1-CFE7D4FD0DDF}"/>
               </a:ext>
             </a:extLst>
           </p:cNvPr>
@@ -1105,7 +1105,7 @@
           <p:cNvPr id="14" name="Straight Connector 13">
             <a:extLst>
               <a:ext uri="{FF2B5EF4-FFF2-40B4-BE49-F238E27FC236}">
-                <a16:creationId xmlns:a16="http://schemas.microsoft.com/office/drawing/2014/main" xmlns="" id="{520C86F3-C934-1C46-B462-1AC3AFB71657}"/>
+                <a16:creationId xmlns:a16="http://schemas.microsoft.com/office/drawing/2014/main" id="{520C86F3-C934-1C46-B462-1AC3AFB71657}"/>
               </a:ext>
             </a:extLst>
           </p:cNvPr>
@@ -1148,7 +1148,7 @@
           <p:cNvPr id="15" name="Text Placeholder 17">
             <a:extLst>
               <a:ext uri="{FF2B5EF4-FFF2-40B4-BE49-F238E27FC236}">
-                <a16:creationId xmlns:a16="http://schemas.microsoft.com/office/drawing/2014/main" xmlns="" id="{F2B5A616-5214-A34E-AD35-F1F5977DE7DC}"/>
+                <a16:creationId xmlns:a16="http://schemas.microsoft.com/office/drawing/2014/main" id="{F2B5A616-5214-A34E-AD35-F1F5977DE7DC}"/>
               </a:ext>
             </a:extLst>
           </p:cNvPr>
@@ -1220,7 +1220,7 @@
           <p:cNvPr id="16" name="Text Placeholder 17">
             <a:extLst>
               <a:ext uri="{FF2B5EF4-FFF2-40B4-BE49-F238E27FC236}">
-                <a16:creationId xmlns:a16="http://schemas.microsoft.com/office/drawing/2014/main" xmlns="" id="{DE86F8F9-A5B2-2047-8E88-2DA2CA1A0D09}"/>
+                <a16:creationId xmlns:a16="http://schemas.microsoft.com/office/drawing/2014/main" id="{DE86F8F9-A5B2-2047-8E88-2DA2CA1A0D09}"/>
               </a:ext>
             </a:extLst>
           </p:cNvPr>
@@ -1294,7 +1294,7 @@
           <p:cNvPr id="17" name="Group 16">
             <a:extLst>
               <a:ext uri="{FF2B5EF4-FFF2-40B4-BE49-F238E27FC236}">
-                <a16:creationId xmlns:a16="http://schemas.microsoft.com/office/drawing/2014/main" xmlns="" id="{1E18F26B-CF82-4641-864B-5FCD2E99CE9F}"/>
+                <a16:creationId xmlns:a16="http://schemas.microsoft.com/office/drawing/2014/main" id="{1E18F26B-CF82-4641-864B-5FCD2E99CE9F}"/>
               </a:ext>
             </a:extLst>
           </p:cNvPr>
@@ -1314,7 +1314,7 @@
             <p:cNvPr id="20" name="Graphic 19">
               <a:extLst>
                 <a:ext uri="{FF2B5EF4-FFF2-40B4-BE49-F238E27FC236}">
-                  <a16:creationId xmlns:a16="http://schemas.microsoft.com/office/drawing/2014/main" xmlns="" id="{0C1A7196-1EAE-0442-8F06-B3550FA8F517}"/>
+                  <a16:creationId xmlns:a16="http://schemas.microsoft.com/office/drawing/2014/main" id="{0C1A7196-1EAE-0442-8F06-B3550FA8F517}"/>
                 </a:ext>
               </a:extLst>
             </p:cNvPr>
@@ -1330,7 +1330,7 @@
                   <a14:useLocalDpi xmlns:a14="http://schemas.microsoft.com/office/drawing/2010/main"/>
                 </a:ext>
                 <a:ext uri="{96DAC541-7B7A-43D3-8B79-37D633B846F1}">
-                  <asvg:svgBlip xmlns:asvg="http://schemas.microsoft.com/office/drawing/2016/SVG/main" xmlns="" r:embed="rId3"/>
+                  <asvg:svgBlip xmlns:asvg="http://schemas.microsoft.com/office/drawing/2016/SVG/main" r:embed="rId3"/>
                 </a:ext>
               </a:extLst>
             </a:blip>
@@ -1352,7 +1352,7 @@
             <p:cNvPr id="21" name="Graphic 20">
               <a:extLst>
                 <a:ext uri="{FF2B5EF4-FFF2-40B4-BE49-F238E27FC236}">
-                  <a16:creationId xmlns:a16="http://schemas.microsoft.com/office/drawing/2014/main" xmlns="" id="{E88C35A9-E315-3D4A-ACFD-5887701A4BBF}"/>
+                  <a16:creationId xmlns:a16="http://schemas.microsoft.com/office/drawing/2014/main" id="{E88C35A9-E315-3D4A-ACFD-5887701A4BBF}"/>
                 </a:ext>
               </a:extLst>
             </p:cNvPr>
@@ -1368,7 +1368,7 @@
                   <a14:useLocalDpi xmlns:a14="http://schemas.microsoft.com/office/drawing/2010/main"/>
                 </a:ext>
                 <a:ext uri="{96DAC541-7B7A-43D3-8B79-37D633B846F1}">
-                  <asvg:svgBlip xmlns:asvg="http://schemas.microsoft.com/office/drawing/2016/SVG/main" xmlns="" r:embed="rId5"/>
+                  <asvg:svgBlip xmlns:asvg="http://schemas.microsoft.com/office/drawing/2016/SVG/main" r:embed="rId5"/>
                 </a:ext>
               </a:extLst>
             </a:blip>
@@ -1437,7 +1437,7 @@
           <p:cNvPr id="7" name="Straight Connector 6">
             <a:extLst>
               <a:ext uri="{FF2B5EF4-FFF2-40B4-BE49-F238E27FC236}">
-                <a16:creationId xmlns:a16="http://schemas.microsoft.com/office/drawing/2014/main" xmlns="" id="{67247D62-C072-5445-A22C-3FE620CF06B8}"/>
+                <a16:creationId xmlns:a16="http://schemas.microsoft.com/office/drawing/2014/main" id="{67247D62-C072-5445-A22C-3FE620CF06B8}"/>
               </a:ext>
             </a:extLst>
           </p:cNvPr>
@@ -1480,7 +1480,7 @@
           <p:cNvPr id="8" name="Text Placeholder 17">
             <a:extLst>
               <a:ext uri="{FF2B5EF4-FFF2-40B4-BE49-F238E27FC236}">
-                <a16:creationId xmlns:a16="http://schemas.microsoft.com/office/drawing/2014/main" xmlns="" id="{4D4FD06C-5B53-0B4D-8142-26E4EA1C0E31}"/>
+                <a16:creationId xmlns:a16="http://schemas.microsoft.com/office/drawing/2014/main" id="{4D4FD06C-5B53-0B4D-8142-26E4EA1C0E31}"/>
               </a:ext>
             </a:extLst>
           </p:cNvPr>
@@ -1554,7 +1554,7 @@
           <p:cNvPr id="9" name="Text Placeholder 17">
             <a:extLst>
               <a:ext uri="{FF2B5EF4-FFF2-40B4-BE49-F238E27FC236}">
-                <a16:creationId xmlns:a16="http://schemas.microsoft.com/office/drawing/2014/main" xmlns="" id="{6A212E31-8890-6247-A94F-7AC3EC6DD0DE}"/>
+                <a16:creationId xmlns:a16="http://schemas.microsoft.com/office/drawing/2014/main" id="{6A212E31-8890-6247-A94F-7AC3EC6DD0DE}"/>
               </a:ext>
             </a:extLst>
           </p:cNvPr>
@@ -1630,7 +1630,7 @@
           <p:cNvPr id="11" name="Straight Connector 10">
             <a:extLst>
               <a:ext uri="{FF2B5EF4-FFF2-40B4-BE49-F238E27FC236}">
-                <a16:creationId xmlns:a16="http://schemas.microsoft.com/office/drawing/2014/main" xmlns="" id="{D56E4938-3E36-0A45-B7DC-34D590BA9920}"/>
+                <a16:creationId xmlns:a16="http://schemas.microsoft.com/office/drawing/2014/main" id="{D56E4938-3E36-0A45-B7DC-34D590BA9920}"/>
               </a:ext>
             </a:extLst>
           </p:cNvPr>
@@ -1673,7 +1673,7 @@
           <p:cNvPr id="12" name="Picture Placeholder 8">
             <a:extLst>
               <a:ext uri="{FF2B5EF4-FFF2-40B4-BE49-F238E27FC236}">
-                <a16:creationId xmlns:a16="http://schemas.microsoft.com/office/drawing/2014/main" xmlns="" id="{FE1431C8-DC1B-F940-95BC-74FB76E772D4}"/>
+                <a16:creationId xmlns:a16="http://schemas.microsoft.com/office/drawing/2014/main" id="{FE1431C8-DC1B-F940-95BC-74FB76E772D4}"/>
               </a:ext>
             </a:extLst>
           </p:cNvPr>
@@ -1752,7 +1752,7 @@
           <p:cNvPr id="15" name="Group 14">
             <a:extLst>
               <a:ext uri="{FF2B5EF4-FFF2-40B4-BE49-F238E27FC236}">
-                <a16:creationId xmlns:a16="http://schemas.microsoft.com/office/drawing/2014/main" xmlns="" id="{5EC77D1A-392B-DD49-96BD-A5CECB786AD8}"/>
+                <a16:creationId xmlns:a16="http://schemas.microsoft.com/office/drawing/2014/main" id="{5EC77D1A-392B-DD49-96BD-A5CECB786AD8}"/>
               </a:ext>
             </a:extLst>
           </p:cNvPr>
@@ -1772,7 +1772,7 @@
             <p:cNvPr id="16" name="Graphic 15">
               <a:extLst>
                 <a:ext uri="{FF2B5EF4-FFF2-40B4-BE49-F238E27FC236}">
-                  <a16:creationId xmlns:a16="http://schemas.microsoft.com/office/drawing/2014/main" xmlns="" id="{5D7884B9-FAFC-8542-B8A7-5685C8E9CB24}"/>
+                  <a16:creationId xmlns:a16="http://schemas.microsoft.com/office/drawing/2014/main" id="{5D7884B9-FAFC-8542-B8A7-5685C8E9CB24}"/>
                 </a:ext>
               </a:extLst>
             </p:cNvPr>
@@ -1788,7 +1788,7 @@
                   <a14:useLocalDpi xmlns:a14="http://schemas.microsoft.com/office/drawing/2010/main"/>
                 </a:ext>
                 <a:ext uri="{96DAC541-7B7A-43D3-8B79-37D633B846F1}">
-                  <asvg:svgBlip xmlns:asvg="http://schemas.microsoft.com/office/drawing/2016/SVG/main" xmlns="" r:embed="rId3"/>
+                  <asvg:svgBlip xmlns:asvg="http://schemas.microsoft.com/office/drawing/2016/SVG/main" r:embed="rId3"/>
                 </a:ext>
               </a:extLst>
             </a:blip>
@@ -1810,7 +1810,7 @@
             <p:cNvPr id="17" name="Graphic 16">
               <a:extLst>
                 <a:ext uri="{FF2B5EF4-FFF2-40B4-BE49-F238E27FC236}">
-                  <a16:creationId xmlns:a16="http://schemas.microsoft.com/office/drawing/2014/main" xmlns="" id="{FFC2EA8E-C782-154B-B2AC-5D1214886FFD}"/>
+                  <a16:creationId xmlns:a16="http://schemas.microsoft.com/office/drawing/2014/main" id="{FFC2EA8E-C782-154B-B2AC-5D1214886FFD}"/>
                 </a:ext>
               </a:extLst>
             </p:cNvPr>
@@ -1826,7 +1826,7 @@
                   <a14:useLocalDpi xmlns:a14="http://schemas.microsoft.com/office/drawing/2010/main"/>
                 </a:ext>
                 <a:ext uri="{96DAC541-7B7A-43D3-8B79-37D633B846F1}">
-                  <asvg:svgBlip xmlns:asvg="http://schemas.microsoft.com/office/drawing/2016/SVG/main" xmlns="" r:embed="rId5"/>
+                  <asvg:svgBlip xmlns:asvg="http://schemas.microsoft.com/office/drawing/2016/SVG/main" r:embed="rId5"/>
                 </a:ext>
               </a:extLst>
             </a:blip>
@@ -1879,7 +1879,7 @@
           <p:cNvPr id="2" name="Title 1">
             <a:extLst>
               <a:ext uri="{FF2B5EF4-FFF2-40B4-BE49-F238E27FC236}">
-                <a16:creationId xmlns:a16="http://schemas.microsoft.com/office/drawing/2014/main" xmlns="" id="{970DC997-9FB6-D045-9852-6C2F156B7477}"/>
+                <a16:creationId xmlns:a16="http://schemas.microsoft.com/office/drawing/2014/main" id="{970DC997-9FB6-D045-9852-6C2F156B7477}"/>
               </a:ext>
             </a:extLst>
           </p:cNvPr>
@@ -1939,9 +1939,7 @@
       </p:sp>
       <p:sp>
         <p:nvSpPr>
-          <p:cNvPr id="6" name="Date Placeholder 14">
-            <a:extLst/>
-          </p:cNvPr>
+          <p:cNvPr id="6" name="Date Placeholder 14"/>
           <p:cNvSpPr>
             <a:spLocks noGrp="1"/>
           </p:cNvSpPr>
@@ -1972,7 +1970,7 @@
           <a:p>
             <a:fld id="{F0C99D87-AFAD-4B11-8D22-9469FA50E3E6}" type="datetime1">
               <a:rPr lang="en-US" smtClean="0"/>
-              <a:t>8/15/2019</a:t>
+              <a:t>2/13/2023</a:t>
             </a:fld>
             <a:endParaRPr lang="en-US" dirty="0"/>
           </a:p>
@@ -1980,9 +1978,7 @@
       </p:sp>
       <p:sp>
         <p:nvSpPr>
-          <p:cNvPr id="7" name="Slide Number Placeholder 6">
-            <a:extLst/>
-          </p:cNvPr>
+          <p:cNvPr id="7" name="Slide Number Placeholder 6"/>
           <p:cNvSpPr>
             <a:spLocks noGrp="1"/>
           </p:cNvSpPr>
@@ -2067,7 +2063,7 @@
           <p:cNvPr id="5" name="Rounded Rectangle 4">
             <a:extLst>
               <a:ext uri="{FF2B5EF4-FFF2-40B4-BE49-F238E27FC236}">
-                <a16:creationId xmlns:a16="http://schemas.microsoft.com/office/drawing/2014/main" xmlns="" id="{350E031F-9589-5C49-8FBE-A95C0F863718}"/>
+                <a16:creationId xmlns:a16="http://schemas.microsoft.com/office/drawing/2014/main" id="{350E031F-9589-5C49-8FBE-A95C0F863718}"/>
               </a:ext>
             </a:extLst>
           </p:cNvPr>
@@ -2123,7 +2119,7 @@
           <p:cNvPr id="6" name="Rounded Rectangle 5">
             <a:extLst>
               <a:ext uri="{FF2B5EF4-FFF2-40B4-BE49-F238E27FC236}">
-                <a16:creationId xmlns:a16="http://schemas.microsoft.com/office/drawing/2014/main" xmlns="" id="{9649B85B-8EA8-5543-A14F-C6ED61CE8BEF}"/>
+                <a16:creationId xmlns:a16="http://schemas.microsoft.com/office/drawing/2014/main" id="{9649B85B-8EA8-5543-A14F-C6ED61CE8BEF}"/>
               </a:ext>
             </a:extLst>
           </p:cNvPr>
@@ -2171,7 +2167,7 @@
           <p:cNvPr id="7" name="Rounded Rectangle 6">
             <a:extLst>
               <a:ext uri="{FF2B5EF4-FFF2-40B4-BE49-F238E27FC236}">
-                <a16:creationId xmlns:a16="http://schemas.microsoft.com/office/drawing/2014/main" xmlns="" id="{B70233E0-8644-4842-A5DB-39A82AD1577F}"/>
+                <a16:creationId xmlns:a16="http://schemas.microsoft.com/office/drawing/2014/main" id="{B70233E0-8644-4842-A5DB-39A82AD1577F}"/>
               </a:ext>
             </a:extLst>
           </p:cNvPr>
@@ -2227,7 +2223,7 @@
           <p:cNvPr id="29" name="Title 1">
             <a:extLst>
               <a:ext uri="{FF2B5EF4-FFF2-40B4-BE49-F238E27FC236}">
-                <a16:creationId xmlns:a16="http://schemas.microsoft.com/office/drawing/2014/main" xmlns="" id="{624D84FE-9F10-3E4F-A3EE-08F2DC268A10}"/>
+                <a16:creationId xmlns:a16="http://schemas.microsoft.com/office/drawing/2014/main" id="{624D84FE-9F10-3E4F-A3EE-08F2DC268A10}"/>
               </a:ext>
             </a:extLst>
           </p:cNvPr>
@@ -2270,7 +2266,7 @@
           <p:cNvPr id="30" name="Straight Connector 29">
             <a:extLst>
               <a:ext uri="{FF2B5EF4-FFF2-40B4-BE49-F238E27FC236}">
-                <a16:creationId xmlns:a16="http://schemas.microsoft.com/office/drawing/2014/main" xmlns="" id="{8A8765D7-8C9E-1C4B-A2A5-4DE708E9FD45}"/>
+                <a16:creationId xmlns:a16="http://schemas.microsoft.com/office/drawing/2014/main" id="{8A8765D7-8C9E-1C4B-A2A5-4DE708E9FD45}"/>
               </a:ext>
             </a:extLst>
           </p:cNvPr>
@@ -2310,9 +2306,7 @@
       </p:cxnSp>
       <p:sp>
         <p:nvSpPr>
-          <p:cNvPr id="48" name="Rounded Rectangle 4">
-            <a:extLst/>
-          </p:cNvPr>
+          <p:cNvPr id="48" name="Rounded Rectangle 4"/>
           <p:cNvSpPr/>
           <p:nvPr userDrawn="1"/>
         </p:nvSpPr>
@@ -2431,9 +2425,7 @@
       </p:sp>
       <p:sp>
         <p:nvSpPr>
-          <p:cNvPr id="56" name="Rounded Rectangle 4">
-            <a:extLst/>
-          </p:cNvPr>
+          <p:cNvPr id="56" name="Rounded Rectangle 4"/>
           <p:cNvSpPr/>
           <p:nvPr userDrawn="1"/>
         </p:nvSpPr>
@@ -2483,9 +2475,7 @@
       </p:sp>
       <p:sp>
         <p:nvSpPr>
-          <p:cNvPr id="57" name="Rounded Rectangle 5">
-            <a:extLst/>
-          </p:cNvPr>
+          <p:cNvPr id="57" name="Rounded Rectangle 5"/>
           <p:cNvSpPr/>
           <p:nvPr userDrawn="1"/>
         </p:nvSpPr>
@@ -2527,9 +2517,7 @@
       </p:sp>
       <p:sp>
         <p:nvSpPr>
-          <p:cNvPr id="58" name="Rounded Rectangle 6">
-            <a:extLst/>
-          </p:cNvPr>
+          <p:cNvPr id="58" name="Rounded Rectangle 6"/>
           <p:cNvSpPr/>
           <p:nvPr userDrawn="1"/>
         </p:nvSpPr>
@@ -2565,9 +2553,7 @@
       </p:sp>
       <p:sp>
         <p:nvSpPr>
-          <p:cNvPr id="59" name="Rounded Rectangle 4">
-            <a:extLst/>
-          </p:cNvPr>
+          <p:cNvPr id="59" name="Rounded Rectangle 4"/>
           <p:cNvSpPr/>
           <p:nvPr userDrawn="1"/>
         </p:nvSpPr>
@@ -2679,9 +2665,7 @@
       </p:sp>
       <p:sp>
         <p:nvSpPr>
-          <p:cNvPr id="64" name="Rounded Rectangle 4">
-            <a:extLst/>
-          </p:cNvPr>
+          <p:cNvPr id="64" name="Rounded Rectangle 4"/>
           <p:cNvSpPr/>
           <p:nvPr userDrawn="1"/>
         </p:nvSpPr>
@@ -2731,9 +2715,7 @@
       </p:sp>
       <p:sp>
         <p:nvSpPr>
-          <p:cNvPr id="19" name="Date Placeholder 14">
-            <a:extLst/>
-          </p:cNvPr>
+          <p:cNvPr id="19" name="Date Placeholder 14"/>
           <p:cNvSpPr>
             <a:spLocks noGrp="1"/>
           </p:cNvSpPr>
@@ -2764,7 +2746,7 @@
           <a:p>
             <a:fld id="{F0C99D87-AFAD-4B11-8D22-9469FA50E3E6}" type="datetime1">
               <a:rPr lang="en-US" smtClean="0"/>
-              <a:t>8/15/2019</a:t>
+              <a:t>2/13/2023</a:t>
             </a:fld>
             <a:endParaRPr lang="en-US" dirty="0"/>
           </a:p>
@@ -2772,9 +2754,7 @@
       </p:sp>
       <p:sp>
         <p:nvSpPr>
-          <p:cNvPr id="20" name="Slide Number Placeholder 6">
-            <a:extLst/>
-          </p:cNvPr>
+          <p:cNvPr id="20" name="Slide Number Placeholder 6"/>
           <p:cNvSpPr>
             <a:spLocks noGrp="1"/>
           </p:cNvSpPr>
@@ -3638,7 +3618,7 @@
           <p:cNvPr id="5" name="Title 1">
             <a:extLst>
               <a:ext uri="{FF2B5EF4-FFF2-40B4-BE49-F238E27FC236}">
-                <a16:creationId xmlns:a16="http://schemas.microsoft.com/office/drawing/2014/main" xmlns="" id="{BC32A823-2E32-FE4A-8912-5D4220A5E809}"/>
+                <a16:creationId xmlns:a16="http://schemas.microsoft.com/office/drawing/2014/main" id="{BC32A823-2E32-FE4A-8912-5D4220A5E809}"/>
               </a:ext>
             </a:extLst>
           </p:cNvPr>
@@ -3682,7 +3662,7 @@
           <p:cNvPr id="6" name="Straight Connector 5">
             <a:extLst>
               <a:ext uri="{FF2B5EF4-FFF2-40B4-BE49-F238E27FC236}">
-                <a16:creationId xmlns:a16="http://schemas.microsoft.com/office/drawing/2014/main" xmlns="" id="{7B9991CA-9693-DA47-A120-B5F05901E155}"/>
+                <a16:creationId xmlns:a16="http://schemas.microsoft.com/office/drawing/2014/main" id="{7B9991CA-9693-DA47-A120-B5F05901E155}"/>
               </a:ext>
             </a:extLst>
           </p:cNvPr>
@@ -3725,7 +3705,7 @@
           <p:cNvPr id="7" name="Text Placeholder 623">
             <a:extLst>
               <a:ext uri="{FF2B5EF4-FFF2-40B4-BE49-F238E27FC236}">
-                <a16:creationId xmlns:a16="http://schemas.microsoft.com/office/drawing/2014/main" xmlns="" id="{45F66B7E-6685-2741-8D81-759E92CD74F0}"/>
+                <a16:creationId xmlns:a16="http://schemas.microsoft.com/office/drawing/2014/main" id="{45F66B7E-6685-2741-8D81-759E92CD74F0}"/>
               </a:ext>
             </a:extLst>
           </p:cNvPr>
@@ -3771,9 +3751,7 @@
       </p:sp>
       <p:sp>
         <p:nvSpPr>
-          <p:cNvPr id="10" name="Date Placeholder 14">
-            <a:extLst/>
-          </p:cNvPr>
+          <p:cNvPr id="10" name="Date Placeholder 14"/>
           <p:cNvSpPr>
             <a:spLocks noGrp="1"/>
           </p:cNvSpPr>
@@ -3804,7 +3782,7 @@
           <a:p>
             <a:fld id="{F0C99D87-AFAD-4B11-8D22-9469FA50E3E6}" type="datetime1">
               <a:rPr lang="en-US" smtClean="0"/>
-              <a:t>8/15/2019</a:t>
+              <a:t>2/13/2023</a:t>
             </a:fld>
             <a:endParaRPr lang="en-US" dirty="0"/>
           </a:p>
@@ -3812,9 +3790,7 @@
       </p:sp>
       <p:sp>
         <p:nvSpPr>
-          <p:cNvPr id="11" name="Slide Number Placeholder 6">
-            <a:extLst/>
-          </p:cNvPr>
+          <p:cNvPr id="11" name="Slide Number Placeholder 6"/>
           <p:cNvSpPr>
             <a:spLocks noGrp="1"/>
           </p:cNvSpPr>
@@ -3897,7 +3873,7 @@
           <p:cNvPr id="10" name="Straight Connector 9">
             <a:extLst>
               <a:ext uri="{FF2B5EF4-FFF2-40B4-BE49-F238E27FC236}">
-                <a16:creationId xmlns:a16="http://schemas.microsoft.com/office/drawing/2014/main" xmlns="" id="{C99F0783-036D-944D-9BDE-BE26AA5B6C0A}"/>
+                <a16:creationId xmlns:a16="http://schemas.microsoft.com/office/drawing/2014/main" id="{C99F0783-036D-944D-9BDE-BE26AA5B6C0A}"/>
               </a:ext>
             </a:extLst>
           </p:cNvPr>
@@ -3946,7 +3922,7 @@
           <p:cNvPr id="12" name="Content Placeholder 4">
             <a:extLst>
               <a:ext uri="{FF2B5EF4-FFF2-40B4-BE49-F238E27FC236}">
-                <a16:creationId xmlns:a16="http://schemas.microsoft.com/office/drawing/2014/main" xmlns="" id="{1FDAFCB2-B2EB-B442-A106-65F4F9E022A4}"/>
+                <a16:creationId xmlns:a16="http://schemas.microsoft.com/office/drawing/2014/main" id="{1FDAFCB2-B2EB-B442-A106-65F4F9E022A4}"/>
               </a:ext>
             </a:extLst>
           </p:cNvPr>
@@ -4025,7 +4001,7 @@
           <p:cNvPr id="16" name="Content Placeholder 3">
             <a:extLst>
               <a:ext uri="{FF2B5EF4-FFF2-40B4-BE49-F238E27FC236}">
-                <a16:creationId xmlns:a16="http://schemas.microsoft.com/office/drawing/2014/main" xmlns="" id="{04055F18-C494-BA40-9345-4E81EA0A72C1}"/>
+                <a16:creationId xmlns:a16="http://schemas.microsoft.com/office/drawing/2014/main" id="{04055F18-C494-BA40-9345-4E81EA0A72C1}"/>
               </a:ext>
             </a:extLst>
           </p:cNvPr>
@@ -4211,7 +4187,7 @@
           <p:cNvPr id="3" name="Title 2">
             <a:extLst>
               <a:ext uri="{FF2B5EF4-FFF2-40B4-BE49-F238E27FC236}">
-                <a16:creationId xmlns:a16="http://schemas.microsoft.com/office/drawing/2014/main" xmlns="" id="{94E81F3C-A3F0-5C45-AC5C-5E3E76E2BA06}"/>
+                <a16:creationId xmlns:a16="http://schemas.microsoft.com/office/drawing/2014/main" id="{94E81F3C-A3F0-5C45-AC5C-5E3E76E2BA06}"/>
               </a:ext>
             </a:extLst>
           </p:cNvPr>
@@ -4245,7 +4221,7 @@
           <p:cNvPr id="9" name="Straight Connector 8">
             <a:extLst>
               <a:ext uri="{FF2B5EF4-FFF2-40B4-BE49-F238E27FC236}">
-                <a16:creationId xmlns:a16="http://schemas.microsoft.com/office/drawing/2014/main" xmlns="" id="{2A8999C6-1BB4-6840-82C6-4B0EA3C27C99}"/>
+                <a16:creationId xmlns:a16="http://schemas.microsoft.com/office/drawing/2014/main" id="{2A8999C6-1BB4-6840-82C6-4B0EA3C27C99}"/>
               </a:ext>
             </a:extLst>
           </p:cNvPr>
@@ -4288,7 +4264,7 @@
           <p:cNvPr id="4" name="Text Placeholder 3">
             <a:extLst>
               <a:ext uri="{FF2B5EF4-FFF2-40B4-BE49-F238E27FC236}">
-                <a16:creationId xmlns:a16="http://schemas.microsoft.com/office/drawing/2014/main" xmlns="" id="{92615417-DE54-7A46-A92C-1B28F9EFEF0F}"/>
+                <a16:creationId xmlns:a16="http://schemas.microsoft.com/office/drawing/2014/main" id="{92615417-DE54-7A46-A92C-1B28F9EFEF0F}"/>
               </a:ext>
             </a:extLst>
           </p:cNvPr>
@@ -4447,9 +4423,7 @@
       </p:sp>
       <p:sp>
         <p:nvSpPr>
-          <p:cNvPr id="7" name="Date Placeholder 14">
-            <a:extLst/>
-          </p:cNvPr>
+          <p:cNvPr id="7" name="Date Placeholder 14"/>
           <p:cNvSpPr>
             <a:spLocks noGrp="1"/>
           </p:cNvSpPr>
@@ -4480,7 +4454,7 @@
           <a:p>
             <a:fld id="{F0C99D87-AFAD-4B11-8D22-9469FA50E3E6}" type="datetime1">
               <a:rPr lang="en-US" smtClean="0"/>
-              <a:t>8/15/2019</a:t>
+              <a:t>2/13/2023</a:t>
             </a:fld>
             <a:endParaRPr lang="en-US" dirty="0"/>
           </a:p>
@@ -4488,9 +4462,7 @@
       </p:sp>
       <p:sp>
         <p:nvSpPr>
-          <p:cNvPr id="8" name="Slide Number Placeholder 6">
-            <a:extLst/>
-          </p:cNvPr>
+          <p:cNvPr id="8" name="Slide Number Placeholder 6"/>
           <p:cNvSpPr>
             <a:spLocks noGrp="1"/>
           </p:cNvSpPr>
@@ -4563,7 +4535,7 @@
           <p:cNvPr id="22" name="Straight Connector 21">
             <a:extLst>
               <a:ext uri="{FF2B5EF4-FFF2-40B4-BE49-F238E27FC236}">
-                <a16:creationId xmlns:a16="http://schemas.microsoft.com/office/drawing/2014/main" xmlns="" id="{CE3B927A-65C9-2246-99F7-D23790240C58}"/>
+                <a16:creationId xmlns:a16="http://schemas.microsoft.com/office/drawing/2014/main" id="{CE3B927A-65C9-2246-99F7-D23790240C58}"/>
               </a:ext>
             </a:extLst>
           </p:cNvPr>
@@ -4606,7 +4578,7 @@
           <p:cNvPr id="7" name="Picture Placeholder 6">
             <a:extLst>
               <a:ext uri="{FF2B5EF4-FFF2-40B4-BE49-F238E27FC236}">
-                <a16:creationId xmlns:a16="http://schemas.microsoft.com/office/drawing/2014/main" xmlns="" id="{A0774E77-E043-504C-ACE6-24B71FA45949}"/>
+                <a16:creationId xmlns:a16="http://schemas.microsoft.com/office/drawing/2014/main" id="{A0774E77-E043-504C-ACE6-24B71FA45949}"/>
               </a:ext>
             </a:extLst>
           </p:cNvPr>
@@ -4653,7 +4625,7 @@
           <p:cNvPr id="9" name="Content Placeholder 8">
             <a:extLst>
               <a:ext uri="{FF2B5EF4-FFF2-40B4-BE49-F238E27FC236}">
-                <a16:creationId xmlns:a16="http://schemas.microsoft.com/office/drawing/2014/main" xmlns="" id="{4E4385F9-7DF9-C747-9140-1CB14CA20DFC}"/>
+                <a16:creationId xmlns:a16="http://schemas.microsoft.com/office/drawing/2014/main" id="{4E4385F9-7DF9-C747-9140-1CB14CA20DFC}"/>
               </a:ext>
             </a:extLst>
           </p:cNvPr>
@@ -4739,7 +4711,7 @@
           <p:cNvPr id="32" name="Content Placeholder 8">
             <a:extLst>
               <a:ext uri="{FF2B5EF4-FFF2-40B4-BE49-F238E27FC236}">
-                <a16:creationId xmlns:a16="http://schemas.microsoft.com/office/drawing/2014/main" xmlns="" id="{CE2A1EDC-2C75-9740-9ED9-6482C8F4D9DC}"/>
+                <a16:creationId xmlns:a16="http://schemas.microsoft.com/office/drawing/2014/main" id="{CE2A1EDC-2C75-9740-9ED9-6482C8F4D9DC}"/>
               </a:ext>
             </a:extLst>
           </p:cNvPr>
@@ -4867,7 +4839,7 @@
           <p:cNvPr id="33" name="Picture Placeholder 6">
             <a:extLst>
               <a:ext uri="{FF2B5EF4-FFF2-40B4-BE49-F238E27FC236}">
-                <a16:creationId xmlns:a16="http://schemas.microsoft.com/office/drawing/2014/main" xmlns="" id="{B29C05CD-147F-4443-A557-CFB1A4135534}"/>
+                <a16:creationId xmlns:a16="http://schemas.microsoft.com/office/drawing/2014/main" id="{B29C05CD-147F-4443-A557-CFB1A4135534}"/>
               </a:ext>
             </a:extLst>
           </p:cNvPr>
@@ -4914,7 +4886,7 @@
           <p:cNvPr id="34" name="Content Placeholder 8">
             <a:extLst>
               <a:ext uri="{FF2B5EF4-FFF2-40B4-BE49-F238E27FC236}">
-                <a16:creationId xmlns:a16="http://schemas.microsoft.com/office/drawing/2014/main" xmlns="" id="{37C7FAA8-41F2-F54C-87F9-17FE72DD537C}"/>
+                <a16:creationId xmlns:a16="http://schemas.microsoft.com/office/drawing/2014/main" id="{37C7FAA8-41F2-F54C-87F9-17FE72DD537C}"/>
               </a:ext>
             </a:extLst>
           </p:cNvPr>
@@ -5000,7 +4972,7 @@
           <p:cNvPr id="35" name="Content Placeholder 8">
             <a:extLst>
               <a:ext uri="{FF2B5EF4-FFF2-40B4-BE49-F238E27FC236}">
-                <a16:creationId xmlns:a16="http://schemas.microsoft.com/office/drawing/2014/main" xmlns="" id="{F8445A30-D024-C04D-9119-56C71802227A}"/>
+                <a16:creationId xmlns:a16="http://schemas.microsoft.com/office/drawing/2014/main" id="{F8445A30-D024-C04D-9119-56C71802227A}"/>
               </a:ext>
             </a:extLst>
           </p:cNvPr>
@@ -5128,7 +5100,7 @@
           <p:cNvPr id="36" name="Picture Placeholder 6">
             <a:extLst>
               <a:ext uri="{FF2B5EF4-FFF2-40B4-BE49-F238E27FC236}">
-                <a16:creationId xmlns:a16="http://schemas.microsoft.com/office/drawing/2014/main" xmlns="" id="{21F6F720-5328-4144-A463-C367FB601D41}"/>
+                <a16:creationId xmlns:a16="http://schemas.microsoft.com/office/drawing/2014/main" id="{21F6F720-5328-4144-A463-C367FB601D41}"/>
               </a:ext>
             </a:extLst>
           </p:cNvPr>
@@ -5175,7 +5147,7 @@
           <p:cNvPr id="37" name="Content Placeholder 8">
             <a:extLst>
               <a:ext uri="{FF2B5EF4-FFF2-40B4-BE49-F238E27FC236}">
-                <a16:creationId xmlns:a16="http://schemas.microsoft.com/office/drawing/2014/main" xmlns="" id="{F7B4EC80-8192-DC43-B1DD-B0739E9B4C60}"/>
+                <a16:creationId xmlns:a16="http://schemas.microsoft.com/office/drawing/2014/main" id="{F7B4EC80-8192-DC43-B1DD-B0739E9B4C60}"/>
               </a:ext>
             </a:extLst>
           </p:cNvPr>
@@ -5261,7 +5233,7 @@
           <p:cNvPr id="38" name="Content Placeholder 8">
             <a:extLst>
               <a:ext uri="{FF2B5EF4-FFF2-40B4-BE49-F238E27FC236}">
-                <a16:creationId xmlns:a16="http://schemas.microsoft.com/office/drawing/2014/main" xmlns="" id="{ED8A264A-E1CE-D24C-BC62-C29EFE0AF580}"/>
+                <a16:creationId xmlns:a16="http://schemas.microsoft.com/office/drawing/2014/main" id="{ED8A264A-E1CE-D24C-BC62-C29EFE0AF580}"/>
               </a:ext>
             </a:extLst>
           </p:cNvPr>
@@ -5389,7 +5361,7 @@
           <p:cNvPr id="39" name="Picture Placeholder 6">
             <a:extLst>
               <a:ext uri="{FF2B5EF4-FFF2-40B4-BE49-F238E27FC236}">
-                <a16:creationId xmlns:a16="http://schemas.microsoft.com/office/drawing/2014/main" xmlns="" id="{69D91425-B53D-AA4A-925C-F492B4DA64F4}"/>
+                <a16:creationId xmlns:a16="http://schemas.microsoft.com/office/drawing/2014/main" id="{69D91425-B53D-AA4A-925C-F492B4DA64F4}"/>
               </a:ext>
             </a:extLst>
           </p:cNvPr>
@@ -5436,7 +5408,7 @@
           <p:cNvPr id="40" name="Content Placeholder 8">
             <a:extLst>
               <a:ext uri="{FF2B5EF4-FFF2-40B4-BE49-F238E27FC236}">
-                <a16:creationId xmlns:a16="http://schemas.microsoft.com/office/drawing/2014/main" xmlns="" id="{A250792F-E381-5C45-8472-FC5038DB3C2D}"/>
+                <a16:creationId xmlns:a16="http://schemas.microsoft.com/office/drawing/2014/main" id="{A250792F-E381-5C45-8472-FC5038DB3C2D}"/>
               </a:ext>
             </a:extLst>
           </p:cNvPr>
@@ -5522,7 +5494,7 @@
           <p:cNvPr id="41" name="Content Placeholder 8">
             <a:extLst>
               <a:ext uri="{FF2B5EF4-FFF2-40B4-BE49-F238E27FC236}">
-                <a16:creationId xmlns:a16="http://schemas.microsoft.com/office/drawing/2014/main" xmlns="" id="{97F6E0BA-F36F-A049-BEB6-B0041C17E05D}"/>
+                <a16:creationId xmlns:a16="http://schemas.microsoft.com/office/drawing/2014/main" id="{97F6E0BA-F36F-A049-BEB6-B0041C17E05D}"/>
               </a:ext>
             </a:extLst>
           </p:cNvPr>
@@ -5650,7 +5622,7 @@
           <p:cNvPr id="42" name="Picture Placeholder 6">
             <a:extLst>
               <a:ext uri="{FF2B5EF4-FFF2-40B4-BE49-F238E27FC236}">
-                <a16:creationId xmlns:a16="http://schemas.microsoft.com/office/drawing/2014/main" xmlns="" id="{279C246A-59B6-4841-8FBA-0053C5323BC1}"/>
+                <a16:creationId xmlns:a16="http://schemas.microsoft.com/office/drawing/2014/main" id="{279C246A-59B6-4841-8FBA-0053C5323BC1}"/>
               </a:ext>
             </a:extLst>
           </p:cNvPr>
@@ -5697,7 +5669,7 @@
           <p:cNvPr id="43" name="Content Placeholder 8">
             <a:extLst>
               <a:ext uri="{FF2B5EF4-FFF2-40B4-BE49-F238E27FC236}">
-                <a16:creationId xmlns:a16="http://schemas.microsoft.com/office/drawing/2014/main" xmlns="" id="{CC845706-6037-0249-9F58-FB4E9D33DD00}"/>
+                <a16:creationId xmlns:a16="http://schemas.microsoft.com/office/drawing/2014/main" id="{CC845706-6037-0249-9F58-FB4E9D33DD00}"/>
               </a:ext>
             </a:extLst>
           </p:cNvPr>
@@ -5783,7 +5755,7 @@
           <p:cNvPr id="44" name="Content Placeholder 8">
             <a:extLst>
               <a:ext uri="{FF2B5EF4-FFF2-40B4-BE49-F238E27FC236}">
-                <a16:creationId xmlns:a16="http://schemas.microsoft.com/office/drawing/2014/main" xmlns="" id="{C52A1D35-9FE4-6140-9517-CE7FBEFD664C}"/>
+                <a16:creationId xmlns:a16="http://schemas.microsoft.com/office/drawing/2014/main" id="{C52A1D35-9FE4-6140-9517-CE7FBEFD664C}"/>
               </a:ext>
             </a:extLst>
           </p:cNvPr>
@@ -5911,7 +5883,7 @@
           <p:cNvPr id="45" name="Picture Placeholder 6">
             <a:extLst>
               <a:ext uri="{FF2B5EF4-FFF2-40B4-BE49-F238E27FC236}">
-                <a16:creationId xmlns:a16="http://schemas.microsoft.com/office/drawing/2014/main" xmlns="" id="{7F8A2272-AB36-D947-859E-DF5469905385}"/>
+                <a16:creationId xmlns:a16="http://schemas.microsoft.com/office/drawing/2014/main" id="{7F8A2272-AB36-D947-859E-DF5469905385}"/>
               </a:ext>
             </a:extLst>
           </p:cNvPr>
@@ -5958,7 +5930,7 @@
           <p:cNvPr id="46" name="Content Placeholder 8">
             <a:extLst>
               <a:ext uri="{FF2B5EF4-FFF2-40B4-BE49-F238E27FC236}">
-                <a16:creationId xmlns:a16="http://schemas.microsoft.com/office/drawing/2014/main" xmlns="" id="{3F6ACA93-999A-7E46-B07F-5B2DCC1D692C}"/>
+                <a16:creationId xmlns:a16="http://schemas.microsoft.com/office/drawing/2014/main" id="{3F6ACA93-999A-7E46-B07F-5B2DCC1D692C}"/>
               </a:ext>
             </a:extLst>
           </p:cNvPr>
@@ -6044,7 +6016,7 @@
           <p:cNvPr id="47" name="Content Placeholder 8">
             <a:extLst>
               <a:ext uri="{FF2B5EF4-FFF2-40B4-BE49-F238E27FC236}">
-                <a16:creationId xmlns:a16="http://schemas.microsoft.com/office/drawing/2014/main" xmlns="" id="{E1F25B93-8052-3845-86BE-DA6566FB0CA2}"/>
+                <a16:creationId xmlns:a16="http://schemas.microsoft.com/office/drawing/2014/main" id="{E1F25B93-8052-3845-86BE-DA6566FB0CA2}"/>
               </a:ext>
             </a:extLst>
           </p:cNvPr>
@@ -6169,9 +6141,7 @@
       </p:sp>
       <p:sp>
         <p:nvSpPr>
-          <p:cNvPr id="25" name="Title 2">
-            <a:extLst/>
-          </p:cNvPr>
+          <p:cNvPr id="25" name="Title 2"/>
           <p:cNvSpPr>
             <a:spLocks noGrp="1"/>
           </p:cNvSpPr>
@@ -6204,9 +6174,7 @@
       </p:sp>
       <p:sp>
         <p:nvSpPr>
-          <p:cNvPr id="24" name="Date Placeholder 14">
-            <a:extLst/>
-          </p:cNvPr>
+          <p:cNvPr id="24" name="Date Placeholder 14"/>
           <p:cNvSpPr>
             <a:spLocks noGrp="1"/>
           </p:cNvSpPr>
@@ -6237,7 +6205,7 @@
           <a:p>
             <a:fld id="{F0C99D87-AFAD-4B11-8D22-9469FA50E3E6}" type="datetime1">
               <a:rPr lang="en-US" smtClean="0"/>
-              <a:t>8/15/2019</a:t>
+              <a:t>2/13/2023</a:t>
             </a:fld>
             <a:endParaRPr lang="en-US" dirty="0"/>
           </a:p>
@@ -6245,9 +6213,7 @@
       </p:sp>
       <p:sp>
         <p:nvSpPr>
-          <p:cNvPr id="26" name="Slide Number Placeholder 6">
-            <a:extLst/>
-          </p:cNvPr>
+          <p:cNvPr id="26" name="Slide Number Placeholder 6"/>
           <p:cNvSpPr>
             <a:spLocks noGrp="1"/>
           </p:cNvSpPr>
@@ -6332,7 +6298,7 @@
           <p:cNvPr id="2" name="Title 1">
             <a:extLst>
               <a:ext uri="{FF2B5EF4-FFF2-40B4-BE49-F238E27FC236}">
-                <a16:creationId xmlns:a16="http://schemas.microsoft.com/office/drawing/2014/main" xmlns="" id="{970DC997-9FB6-D045-9852-6C2F156B7477}"/>
+                <a16:creationId xmlns:a16="http://schemas.microsoft.com/office/drawing/2014/main" id="{970DC997-9FB6-D045-9852-6C2F156B7477}"/>
               </a:ext>
             </a:extLst>
           </p:cNvPr>
@@ -6370,7 +6336,7 @@
           <p:cNvPr id="22" name="Straight Connector 21">
             <a:extLst>
               <a:ext uri="{FF2B5EF4-FFF2-40B4-BE49-F238E27FC236}">
-                <a16:creationId xmlns:a16="http://schemas.microsoft.com/office/drawing/2014/main" xmlns="" id="{CE3B927A-65C9-2246-99F7-D23790240C58}"/>
+                <a16:creationId xmlns:a16="http://schemas.microsoft.com/office/drawing/2014/main" id="{CE3B927A-65C9-2246-99F7-D23790240C58}"/>
               </a:ext>
             </a:extLst>
           </p:cNvPr>
@@ -6413,7 +6379,7 @@
           <p:cNvPr id="624" name="Text Placeholder 623">
             <a:extLst>
               <a:ext uri="{FF2B5EF4-FFF2-40B4-BE49-F238E27FC236}">
-                <a16:creationId xmlns:a16="http://schemas.microsoft.com/office/drawing/2014/main" xmlns="" id="{F13131B2-6C30-0A42-9D55-5B7CC94F4040}"/>
+                <a16:creationId xmlns:a16="http://schemas.microsoft.com/office/drawing/2014/main" id="{F13131B2-6C30-0A42-9D55-5B7CC94F4040}"/>
               </a:ext>
             </a:extLst>
           </p:cNvPr>
@@ -6461,7 +6427,7 @@
           <p:cNvPr id="8" name="Rectangle 7">
             <a:extLst>
               <a:ext uri="{FF2B5EF4-FFF2-40B4-BE49-F238E27FC236}">
-                <a16:creationId xmlns:a16="http://schemas.microsoft.com/office/drawing/2014/main" xmlns="" id="{2738D98C-CC92-9444-8D21-3E66E8C747EC}"/>
+                <a16:creationId xmlns:a16="http://schemas.microsoft.com/office/drawing/2014/main" id="{2738D98C-CC92-9444-8D21-3E66E8C747EC}"/>
               </a:ext>
             </a:extLst>
           </p:cNvPr>
@@ -6515,7 +6481,7 @@
           <p:cNvPr id="31" name="Rectangle 30">
             <a:extLst>
               <a:ext uri="{FF2B5EF4-FFF2-40B4-BE49-F238E27FC236}">
-                <a16:creationId xmlns:a16="http://schemas.microsoft.com/office/drawing/2014/main" xmlns="" id="{2DD5F79D-DDF6-5443-BD9D-C45650A29A72}"/>
+                <a16:creationId xmlns:a16="http://schemas.microsoft.com/office/drawing/2014/main" id="{2DD5F79D-DDF6-5443-BD9D-C45650A29A72}"/>
               </a:ext>
             </a:extLst>
           </p:cNvPr>
@@ -6569,7 +6535,7 @@
           <p:cNvPr id="32" name="Rectangle 31">
             <a:extLst>
               <a:ext uri="{FF2B5EF4-FFF2-40B4-BE49-F238E27FC236}">
-                <a16:creationId xmlns:a16="http://schemas.microsoft.com/office/drawing/2014/main" xmlns="" id="{B25E3315-D25C-2845-B512-76E55298C31F}"/>
+                <a16:creationId xmlns:a16="http://schemas.microsoft.com/office/drawing/2014/main" id="{B25E3315-D25C-2845-B512-76E55298C31F}"/>
               </a:ext>
             </a:extLst>
           </p:cNvPr>
@@ -6623,7 +6589,7 @@
           <p:cNvPr id="33" name="Text Placeholder 18">
             <a:extLst>
               <a:ext uri="{FF2B5EF4-FFF2-40B4-BE49-F238E27FC236}">
-                <a16:creationId xmlns:a16="http://schemas.microsoft.com/office/drawing/2014/main" xmlns="" id="{AECF946E-527F-EE4F-99FB-A72D0602184D}"/>
+                <a16:creationId xmlns:a16="http://schemas.microsoft.com/office/drawing/2014/main" id="{AECF946E-527F-EE4F-99FB-A72D0602184D}"/>
               </a:ext>
             </a:extLst>
           </p:cNvPr>
@@ -6705,7 +6671,7 @@
           <p:cNvPr id="34" name="Text Placeholder 18">
             <a:extLst>
               <a:ext uri="{FF2B5EF4-FFF2-40B4-BE49-F238E27FC236}">
-                <a16:creationId xmlns:a16="http://schemas.microsoft.com/office/drawing/2014/main" xmlns="" id="{0DE19446-6892-4F45-BBD8-39528DEB50D0}"/>
+                <a16:creationId xmlns:a16="http://schemas.microsoft.com/office/drawing/2014/main" id="{0DE19446-6892-4F45-BBD8-39528DEB50D0}"/>
               </a:ext>
             </a:extLst>
           </p:cNvPr>
@@ -6822,7 +6788,7 @@
           <p:cNvPr id="35" name="Text Placeholder 18">
             <a:extLst>
               <a:ext uri="{FF2B5EF4-FFF2-40B4-BE49-F238E27FC236}">
-                <a16:creationId xmlns:a16="http://schemas.microsoft.com/office/drawing/2014/main" xmlns="" id="{14D67D08-4BC2-8A41-A285-F59C411D3EB4}"/>
+                <a16:creationId xmlns:a16="http://schemas.microsoft.com/office/drawing/2014/main" id="{14D67D08-4BC2-8A41-A285-F59C411D3EB4}"/>
               </a:ext>
             </a:extLst>
           </p:cNvPr>
@@ -6904,7 +6870,7 @@
           <p:cNvPr id="36" name="Text Placeholder 18">
             <a:extLst>
               <a:ext uri="{FF2B5EF4-FFF2-40B4-BE49-F238E27FC236}">
-                <a16:creationId xmlns:a16="http://schemas.microsoft.com/office/drawing/2014/main" xmlns="" id="{30A9CC9B-BCFD-1C48-9E3B-FAFE7A445215}"/>
+                <a16:creationId xmlns:a16="http://schemas.microsoft.com/office/drawing/2014/main" id="{30A9CC9B-BCFD-1C48-9E3B-FAFE7A445215}"/>
               </a:ext>
             </a:extLst>
           </p:cNvPr>
@@ -7039,7 +7005,7 @@
           <p:cNvPr id="37" name="Text Placeholder 18">
             <a:extLst>
               <a:ext uri="{FF2B5EF4-FFF2-40B4-BE49-F238E27FC236}">
-                <a16:creationId xmlns:a16="http://schemas.microsoft.com/office/drawing/2014/main" xmlns="" id="{245E9C70-408B-D743-A43B-A83DD6AF8C9B}"/>
+                <a16:creationId xmlns:a16="http://schemas.microsoft.com/office/drawing/2014/main" id="{245E9C70-408B-D743-A43B-A83DD6AF8C9B}"/>
               </a:ext>
             </a:extLst>
           </p:cNvPr>
@@ -7121,7 +7087,7 @@
           <p:cNvPr id="38" name="Text Placeholder 18">
             <a:extLst>
               <a:ext uri="{FF2B5EF4-FFF2-40B4-BE49-F238E27FC236}">
-                <a16:creationId xmlns:a16="http://schemas.microsoft.com/office/drawing/2014/main" xmlns="" id="{F6C64DA1-9B80-A34D-983C-D4BB0DCF3A62}"/>
+                <a16:creationId xmlns:a16="http://schemas.microsoft.com/office/drawing/2014/main" id="{F6C64DA1-9B80-A34D-983C-D4BB0DCF3A62}"/>
               </a:ext>
             </a:extLst>
           </p:cNvPr>
@@ -7256,7 +7222,7 @@
           <p:cNvPr id="39" name="Rectangle 38">
             <a:extLst>
               <a:ext uri="{FF2B5EF4-FFF2-40B4-BE49-F238E27FC236}">
-                <a16:creationId xmlns:a16="http://schemas.microsoft.com/office/drawing/2014/main" xmlns="" id="{D4D8573A-27FF-0D49-B1F4-D131B7211CBC}"/>
+                <a16:creationId xmlns:a16="http://schemas.microsoft.com/office/drawing/2014/main" id="{D4D8573A-27FF-0D49-B1F4-D131B7211CBC}"/>
               </a:ext>
             </a:extLst>
           </p:cNvPr>
@@ -7310,7 +7276,7 @@
           <p:cNvPr id="40" name="Rectangle 39">
             <a:extLst>
               <a:ext uri="{FF2B5EF4-FFF2-40B4-BE49-F238E27FC236}">
-                <a16:creationId xmlns:a16="http://schemas.microsoft.com/office/drawing/2014/main" xmlns="" id="{A0D3707C-6789-194D-AE7C-4576306CAF57}"/>
+                <a16:creationId xmlns:a16="http://schemas.microsoft.com/office/drawing/2014/main" id="{A0D3707C-6789-194D-AE7C-4576306CAF57}"/>
               </a:ext>
             </a:extLst>
           </p:cNvPr>
@@ -7364,7 +7330,7 @@
           <p:cNvPr id="41" name="Rectangle 40">
             <a:extLst>
               <a:ext uri="{FF2B5EF4-FFF2-40B4-BE49-F238E27FC236}">
-                <a16:creationId xmlns:a16="http://schemas.microsoft.com/office/drawing/2014/main" xmlns="" id="{B4159AB7-562C-EF4F-A038-B2F28EB86407}"/>
+                <a16:creationId xmlns:a16="http://schemas.microsoft.com/office/drawing/2014/main" id="{B4159AB7-562C-EF4F-A038-B2F28EB86407}"/>
               </a:ext>
             </a:extLst>
           </p:cNvPr>
@@ -7418,7 +7384,7 @@
           <p:cNvPr id="42" name="Text Placeholder 18">
             <a:extLst>
               <a:ext uri="{FF2B5EF4-FFF2-40B4-BE49-F238E27FC236}">
-                <a16:creationId xmlns:a16="http://schemas.microsoft.com/office/drawing/2014/main" xmlns="" id="{88D0E5D3-8CD6-D64F-A31A-004E932DE7F9}"/>
+                <a16:creationId xmlns:a16="http://schemas.microsoft.com/office/drawing/2014/main" id="{88D0E5D3-8CD6-D64F-A31A-004E932DE7F9}"/>
               </a:ext>
             </a:extLst>
           </p:cNvPr>
@@ -7500,7 +7466,7 @@
           <p:cNvPr id="43" name="Text Placeholder 18">
             <a:extLst>
               <a:ext uri="{FF2B5EF4-FFF2-40B4-BE49-F238E27FC236}">
-                <a16:creationId xmlns:a16="http://schemas.microsoft.com/office/drawing/2014/main" xmlns="" id="{FDD28E3F-B55B-974B-A6CD-313EC1137ED4}"/>
+                <a16:creationId xmlns:a16="http://schemas.microsoft.com/office/drawing/2014/main" id="{FDD28E3F-B55B-974B-A6CD-313EC1137ED4}"/>
               </a:ext>
             </a:extLst>
           </p:cNvPr>
@@ -7635,7 +7601,7 @@
           <p:cNvPr id="44" name="Text Placeholder 18">
             <a:extLst>
               <a:ext uri="{FF2B5EF4-FFF2-40B4-BE49-F238E27FC236}">
-                <a16:creationId xmlns:a16="http://schemas.microsoft.com/office/drawing/2014/main" xmlns="" id="{276AFB49-1DAB-0A45-A380-6E556384230D}"/>
+                <a16:creationId xmlns:a16="http://schemas.microsoft.com/office/drawing/2014/main" id="{276AFB49-1DAB-0A45-A380-6E556384230D}"/>
               </a:ext>
             </a:extLst>
           </p:cNvPr>
@@ -7717,7 +7683,7 @@
           <p:cNvPr id="45" name="Text Placeholder 18">
             <a:extLst>
               <a:ext uri="{FF2B5EF4-FFF2-40B4-BE49-F238E27FC236}">
-                <a16:creationId xmlns:a16="http://schemas.microsoft.com/office/drawing/2014/main" xmlns="" id="{BC71BA58-1C4A-5C4B-854A-DE7E6DAB9396}"/>
+                <a16:creationId xmlns:a16="http://schemas.microsoft.com/office/drawing/2014/main" id="{BC71BA58-1C4A-5C4B-854A-DE7E6DAB9396}"/>
               </a:ext>
             </a:extLst>
           </p:cNvPr>
@@ -7852,7 +7818,7 @@
           <p:cNvPr id="46" name="Text Placeholder 18">
             <a:extLst>
               <a:ext uri="{FF2B5EF4-FFF2-40B4-BE49-F238E27FC236}">
-                <a16:creationId xmlns:a16="http://schemas.microsoft.com/office/drawing/2014/main" xmlns="" id="{80CC180B-8AAD-9147-816F-D9C8A74CC687}"/>
+                <a16:creationId xmlns:a16="http://schemas.microsoft.com/office/drawing/2014/main" id="{80CC180B-8AAD-9147-816F-D9C8A74CC687}"/>
               </a:ext>
             </a:extLst>
           </p:cNvPr>
@@ -7934,7 +7900,7 @@
           <p:cNvPr id="47" name="Text Placeholder 18">
             <a:extLst>
               <a:ext uri="{FF2B5EF4-FFF2-40B4-BE49-F238E27FC236}">
-                <a16:creationId xmlns:a16="http://schemas.microsoft.com/office/drawing/2014/main" xmlns="" id="{78F293EA-B788-D54B-B4FB-0C4C2C4F7993}"/>
+                <a16:creationId xmlns:a16="http://schemas.microsoft.com/office/drawing/2014/main" id="{78F293EA-B788-D54B-B4FB-0C4C2C4F7993}"/>
               </a:ext>
             </a:extLst>
           </p:cNvPr>
@@ -8066,9 +8032,7 @@
       </p:sp>
       <p:sp>
         <p:nvSpPr>
-          <p:cNvPr id="25" name="Date Placeholder 14">
-            <a:extLst/>
-          </p:cNvPr>
+          <p:cNvPr id="25" name="Date Placeholder 14"/>
           <p:cNvSpPr>
             <a:spLocks noGrp="1"/>
           </p:cNvSpPr>
@@ -8099,7 +8063,7 @@
           <a:p>
             <a:fld id="{F0C99D87-AFAD-4B11-8D22-9469FA50E3E6}" type="datetime1">
               <a:rPr lang="en-US" smtClean="0"/>
-              <a:t>8/15/2019</a:t>
+              <a:t>2/13/2023</a:t>
             </a:fld>
             <a:endParaRPr lang="en-US" dirty="0"/>
           </a:p>
@@ -8107,9 +8071,7 @@
       </p:sp>
       <p:sp>
         <p:nvSpPr>
-          <p:cNvPr id="26" name="Slide Number Placeholder 6">
-            <a:extLst/>
-          </p:cNvPr>
+          <p:cNvPr id="26" name="Slide Number Placeholder 6"/>
           <p:cNvSpPr>
             <a:spLocks noGrp="1"/>
           </p:cNvSpPr>
@@ -8194,7 +8156,7 @@
           <p:cNvPr id="2" name="Title 1">
             <a:extLst>
               <a:ext uri="{FF2B5EF4-FFF2-40B4-BE49-F238E27FC236}">
-                <a16:creationId xmlns:a16="http://schemas.microsoft.com/office/drawing/2014/main" xmlns="" id="{970DC997-9FB6-D045-9852-6C2F156B7477}"/>
+                <a16:creationId xmlns:a16="http://schemas.microsoft.com/office/drawing/2014/main" id="{970DC997-9FB6-D045-9852-6C2F156B7477}"/>
               </a:ext>
             </a:extLst>
           </p:cNvPr>
@@ -8232,7 +8194,7 @@
           <p:cNvPr id="22" name="Straight Connector 21">
             <a:extLst>
               <a:ext uri="{FF2B5EF4-FFF2-40B4-BE49-F238E27FC236}">
-                <a16:creationId xmlns:a16="http://schemas.microsoft.com/office/drawing/2014/main" xmlns="" id="{CE3B927A-65C9-2246-99F7-D23790240C58}"/>
+                <a16:creationId xmlns:a16="http://schemas.microsoft.com/office/drawing/2014/main" id="{CE3B927A-65C9-2246-99F7-D23790240C58}"/>
               </a:ext>
             </a:extLst>
           </p:cNvPr>
@@ -8275,7 +8237,7 @@
           <p:cNvPr id="624" name="Text Placeholder 623">
             <a:extLst>
               <a:ext uri="{FF2B5EF4-FFF2-40B4-BE49-F238E27FC236}">
-                <a16:creationId xmlns:a16="http://schemas.microsoft.com/office/drawing/2014/main" xmlns="" id="{F13131B2-6C30-0A42-9D55-5B7CC94F4040}"/>
+                <a16:creationId xmlns:a16="http://schemas.microsoft.com/office/drawing/2014/main" id="{F13131B2-6C30-0A42-9D55-5B7CC94F4040}"/>
               </a:ext>
             </a:extLst>
           </p:cNvPr>
@@ -8323,7 +8285,7 @@
           <p:cNvPr id="8" name="Rectangle 7">
             <a:extLst>
               <a:ext uri="{FF2B5EF4-FFF2-40B4-BE49-F238E27FC236}">
-                <a16:creationId xmlns:a16="http://schemas.microsoft.com/office/drawing/2014/main" xmlns="" id="{2738D98C-CC92-9444-8D21-3E66E8C747EC}"/>
+                <a16:creationId xmlns:a16="http://schemas.microsoft.com/office/drawing/2014/main" id="{2738D98C-CC92-9444-8D21-3E66E8C747EC}"/>
               </a:ext>
             </a:extLst>
           </p:cNvPr>
@@ -8377,7 +8339,7 @@
           <p:cNvPr id="32" name="Rectangle 31">
             <a:extLst>
               <a:ext uri="{FF2B5EF4-FFF2-40B4-BE49-F238E27FC236}">
-                <a16:creationId xmlns:a16="http://schemas.microsoft.com/office/drawing/2014/main" xmlns="" id="{B25E3315-D25C-2845-B512-76E55298C31F}"/>
+                <a16:creationId xmlns:a16="http://schemas.microsoft.com/office/drawing/2014/main" id="{B25E3315-D25C-2845-B512-76E55298C31F}"/>
               </a:ext>
             </a:extLst>
           </p:cNvPr>
@@ -8431,7 +8393,7 @@
           <p:cNvPr id="33" name="Text Placeholder 18">
             <a:extLst>
               <a:ext uri="{FF2B5EF4-FFF2-40B4-BE49-F238E27FC236}">
-                <a16:creationId xmlns:a16="http://schemas.microsoft.com/office/drawing/2014/main" xmlns="" id="{AECF946E-527F-EE4F-99FB-A72D0602184D}"/>
+                <a16:creationId xmlns:a16="http://schemas.microsoft.com/office/drawing/2014/main" id="{AECF946E-527F-EE4F-99FB-A72D0602184D}"/>
               </a:ext>
             </a:extLst>
           </p:cNvPr>
@@ -8513,7 +8475,7 @@
           <p:cNvPr id="35" name="Text Placeholder 18">
             <a:extLst>
               <a:ext uri="{FF2B5EF4-FFF2-40B4-BE49-F238E27FC236}">
-                <a16:creationId xmlns:a16="http://schemas.microsoft.com/office/drawing/2014/main" xmlns="" id="{14D67D08-4BC2-8A41-A285-F59C411D3EB4}"/>
+                <a16:creationId xmlns:a16="http://schemas.microsoft.com/office/drawing/2014/main" id="{14D67D08-4BC2-8A41-A285-F59C411D3EB4}"/>
               </a:ext>
             </a:extLst>
           </p:cNvPr>
@@ -8597,7 +8559,7 @@
           <p:cNvPr id="37" name="Text Placeholder 18">
             <a:extLst>
               <a:ext uri="{FF2B5EF4-FFF2-40B4-BE49-F238E27FC236}">
-                <a16:creationId xmlns:a16="http://schemas.microsoft.com/office/drawing/2014/main" xmlns="" id="{245E9C70-408B-D743-A43B-A83DD6AF8C9B}"/>
+                <a16:creationId xmlns:a16="http://schemas.microsoft.com/office/drawing/2014/main" id="{245E9C70-408B-D743-A43B-A83DD6AF8C9B}"/>
               </a:ext>
             </a:extLst>
           </p:cNvPr>
@@ -8679,7 +8641,7 @@
           <p:cNvPr id="40" name="Rectangle 39">
             <a:extLst>
               <a:ext uri="{FF2B5EF4-FFF2-40B4-BE49-F238E27FC236}">
-                <a16:creationId xmlns:a16="http://schemas.microsoft.com/office/drawing/2014/main" xmlns="" id="{A0D3707C-6789-194D-AE7C-4576306CAF57}"/>
+                <a16:creationId xmlns:a16="http://schemas.microsoft.com/office/drawing/2014/main" id="{A0D3707C-6789-194D-AE7C-4576306CAF57}"/>
               </a:ext>
             </a:extLst>
           </p:cNvPr>
@@ -8733,7 +8695,7 @@
           <p:cNvPr id="42" name="Text Placeholder 18">
             <a:extLst>
               <a:ext uri="{FF2B5EF4-FFF2-40B4-BE49-F238E27FC236}">
-                <a16:creationId xmlns:a16="http://schemas.microsoft.com/office/drawing/2014/main" xmlns="" id="{88D0E5D3-8CD6-D64F-A31A-004E932DE7F9}"/>
+                <a16:creationId xmlns:a16="http://schemas.microsoft.com/office/drawing/2014/main" id="{88D0E5D3-8CD6-D64F-A31A-004E932DE7F9}"/>
               </a:ext>
             </a:extLst>
           </p:cNvPr>
@@ -8817,7 +8779,7 @@
           <p:cNvPr id="44" name="Text Placeholder 18">
             <a:extLst>
               <a:ext uri="{FF2B5EF4-FFF2-40B4-BE49-F238E27FC236}">
-                <a16:creationId xmlns:a16="http://schemas.microsoft.com/office/drawing/2014/main" xmlns="" id="{276AFB49-1DAB-0A45-A380-6E556384230D}"/>
+                <a16:creationId xmlns:a16="http://schemas.microsoft.com/office/drawing/2014/main" id="{276AFB49-1DAB-0A45-A380-6E556384230D}"/>
               </a:ext>
             </a:extLst>
           </p:cNvPr>
@@ -8899,7 +8861,7 @@
           <p:cNvPr id="46" name="Text Placeholder 18">
             <a:extLst>
               <a:ext uri="{FF2B5EF4-FFF2-40B4-BE49-F238E27FC236}">
-                <a16:creationId xmlns:a16="http://schemas.microsoft.com/office/drawing/2014/main" xmlns="" id="{80CC180B-8AAD-9147-816F-D9C8A74CC687}"/>
+                <a16:creationId xmlns:a16="http://schemas.microsoft.com/office/drawing/2014/main" id="{80CC180B-8AAD-9147-816F-D9C8A74CC687}"/>
               </a:ext>
             </a:extLst>
           </p:cNvPr>
@@ -8983,7 +8945,7 @@
           <p:cNvPr id="23" name="Text Placeholder 18">
             <a:extLst>
               <a:ext uri="{FF2B5EF4-FFF2-40B4-BE49-F238E27FC236}">
-                <a16:creationId xmlns:a16="http://schemas.microsoft.com/office/drawing/2014/main" xmlns="" id="{A1F92122-B658-DD4B-BB97-A9939E833D20}"/>
+                <a16:creationId xmlns:a16="http://schemas.microsoft.com/office/drawing/2014/main" id="{A1F92122-B658-DD4B-BB97-A9939E833D20}"/>
               </a:ext>
             </a:extLst>
           </p:cNvPr>
@@ -9100,7 +9062,7 @@
           <p:cNvPr id="24" name="Text Placeholder 18">
             <a:extLst>
               <a:ext uri="{FF2B5EF4-FFF2-40B4-BE49-F238E27FC236}">
-                <a16:creationId xmlns:a16="http://schemas.microsoft.com/office/drawing/2014/main" xmlns="" id="{D2CB635D-AF7C-8349-87A8-88CD14B5C2DF}"/>
+                <a16:creationId xmlns:a16="http://schemas.microsoft.com/office/drawing/2014/main" id="{D2CB635D-AF7C-8349-87A8-88CD14B5C2DF}"/>
               </a:ext>
             </a:extLst>
           </p:cNvPr>
@@ -9235,7 +9197,7 @@
           <p:cNvPr id="25" name="Text Placeholder 18">
             <a:extLst>
               <a:ext uri="{FF2B5EF4-FFF2-40B4-BE49-F238E27FC236}">
-                <a16:creationId xmlns:a16="http://schemas.microsoft.com/office/drawing/2014/main" xmlns="" id="{2BC722E3-F2A4-344C-A525-05AF28CF5E90}"/>
+                <a16:creationId xmlns:a16="http://schemas.microsoft.com/office/drawing/2014/main" id="{2BC722E3-F2A4-344C-A525-05AF28CF5E90}"/>
               </a:ext>
             </a:extLst>
           </p:cNvPr>
@@ -9370,7 +9332,7 @@
           <p:cNvPr id="26" name="Text Placeholder 18">
             <a:extLst>
               <a:ext uri="{FF2B5EF4-FFF2-40B4-BE49-F238E27FC236}">
-                <a16:creationId xmlns:a16="http://schemas.microsoft.com/office/drawing/2014/main" xmlns="" id="{4C114B16-95F3-A445-8C7A-0EBC414BEC9F}"/>
+                <a16:creationId xmlns:a16="http://schemas.microsoft.com/office/drawing/2014/main" id="{4C114B16-95F3-A445-8C7A-0EBC414BEC9F}"/>
               </a:ext>
             </a:extLst>
           </p:cNvPr>
@@ -9505,7 +9467,7 @@
           <p:cNvPr id="27" name="Text Placeholder 18">
             <a:extLst>
               <a:ext uri="{FF2B5EF4-FFF2-40B4-BE49-F238E27FC236}">
-                <a16:creationId xmlns:a16="http://schemas.microsoft.com/office/drawing/2014/main" xmlns="" id="{89CAA18E-C293-2E4E-BAF1-B89EC15772D8}"/>
+                <a16:creationId xmlns:a16="http://schemas.microsoft.com/office/drawing/2014/main" id="{89CAA18E-C293-2E4E-BAF1-B89EC15772D8}"/>
               </a:ext>
             </a:extLst>
           </p:cNvPr>
@@ -9640,7 +9602,7 @@
           <p:cNvPr id="28" name="Text Placeholder 18">
             <a:extLst>
               <a:ext uri="{FF2B5EF4-FFF2-40B4-BE49-F238E27FC236}">
-                <a16:creationId xmlns:a16="http://schemas.microsoft.com/office/drawing/2014/main" xmlns="" id="{DE75EE04-92F5-D842-8DA3-CD32E9DE04D1}"/>
+                <a16:creationId xmlns:a16="http://schemas.microsoft.com/office/drawing/2014/main" id="{DE75EE04-92F5-D842-8DA3-CD32E9DE04D1}"/>
               </a:ext>
             </a:extLst>
           </p:cNvPr>
@@ -9772,9 +9734,7 @@
       </p:sp>
       <p:sp>
         <p:nvSpPr>
-          <p:cNvPr id="29" name="Date Placeholder 14">
-            <a:extLst/>
-          </p:cNvPr>
+          <p:cNvPr id="29" name="Date Placeholder 14"/>
           <p:cNvSpPr>
             <a:spLocks noGrp="1"/>
           </p:cNvSpPr>
@@ -9805,7 +9765,7 @@
           <a:p>
             <a:fld id="{F0C99D87-AFAD-4B11-8D22-9469FA50E3E6}" type="datetime1">
               <a:rPr lang="en-US" smtClean="0"/>
-              <a:t>8/15/2019</a:t>
+              <a:t>2/13/2023</a:t>
             </a:fld>
             <a:endParaRPr lang="en-US" dirty="0"/>
           </a:p>
@@ -9813,9 +9773,7 @@
       </p:sp>
       <p:sp>
         <p:nvSpPr>
-          <p:cNvPr id="30" name="Slide Number Placeholder 6">
-            <a:extLst/>
-          </p:cNvPr>
+          <p:cNvPr id="30" name="Slide Number Placeholder 6"/>
           <p:cNvSpPr>
             <a:spLocks noGrp="1"/>
           </p:cNvSpPr>
@@ -9916,7 +9874,7 @@
           <p:cNvPr id="16" name="Straight Connector 15">
             <a:extLst>
               <a:ext uri="{FF2B5EF4-FFF2-40B4-BE49-F238E27FC236}">
-                <a16:creationId xmlns:a16="http://schemas.microsoft.com/office/drawing/2014/main" xmlns="" id="{864FE4DC-4CF2-F043-9053-C1567889C2B3}"/>
+                <a16:creationId xmlns:a16="http://schemas.microsoft.com/office/drawing/2014/main" id="{864FE4DC-4CF2-F043-9053-C1567889C2B3}"/>
               </a:ext>
             </a:extLst>
           </p:cNvPr>
@@ -9959,7 +9917,7 @@
           <p:cNvPr id="17" name="Text Placeholder 17">
             <a:extLst>
               <a:ext uri="{FF2B5EF4-FFF2-40B4-BE49-F238E27FC236}">
-                <a16:creationId xmlns:a16="http://schemas.microsoft.com/office/drawing/2014/main" xmlns="" id="{FAD9E369-D6D4-E440-A1DD-85E0115A3673}"/>
+                <a16:creationId xmlns:a16="http://schemas.microsoft.com/office/drawing/2014/main" id="{FAD9E369-D6D4-E440-A1DD-85E0115A3673}"/>
               </a:ext>
             </a:extLst>
           </p:cNvPr>
@@ -10031,7 +9989,7 @@
           <p:cNvPr id="18" name="Text Placeholder 17">
             <a:extLst>
               <a:ext uri="{FF2B5EF4-FFF2-40B4-BE49-F238E27FC236}">
-                <a16:creationId xmlns:a16="http://schemas.microsoft.com/office/drawing/2014/main" xmlns="" id="{7E3A75B8-7C67-E64B-8BF0-EC6015AF0B06}"/>
+                <a16:creationId xmlns:a16="http://schemas.microsoft.com/office/drawing/2014/main" id="{7E3A75B8-7C67-E64B-8BF0-EC6015AF0B06}"/>
               </a:ext>
             </a:extLst>
           </p:cNvPr>
@@ -10106,7 +10064,7 @@
           <p:cNvPr id="19" name="Group 18">
             <a:extLst>
               <a:ext uri="{FF2B5EF4-FFF2-40B4-BE49-F238E27FC236}">
-                <a16:creationId xmlns:a16="http://schemas.microsoft.com/office/drawing/2014/main" xmlns="" id="{F2A954B6-85F9-4749-B434-69B12A194CC7}"/>
+                <a16:creationId xmlns:a16="http://schemas.microsoft.com/office/drawing/2014/main" id="{F2A954B6-85F9-4749-B434-69B12A194CC7}"/>
               </a:ext>
             </a:extLst>
           </p:cNvPr>
@@ -10126,7 +10084,7 @@
             <p:cNvPr id="20" name="Graphic 19">
               <a:extLst>
                 <a:ext uri="{FF2B5EF4-FFF2-40B4-BE49-F238E27FC236}">
-                  <a16:creationId xmlns:a16="http://schemas.microsoft.com/office/drawing/2014/main" xmlns="" id="{A2CC4BA3-4B14-3D4E-933B-DF31ADAB3F36}"/>
+                  <a16:creationId xmlns:a16="http://schemas.microsoft.com/office/drawing/2014/main" id="{A2CC4BA3-4B14-3D4E-933B-DF31ADAB3F36}"/>
                 </a:ext>
               </a:extLst>
             </p:cNvPr>
@@ -10142,7 +10100,7 @@
                   <a14:useLocalDpi xmlns:a14="http://schemas.microsoft.com/office/drawing/2010/main"/>
                 </a:ext>
                 <a:ext uri="{96DAC541-7B7A-43D3-8B79-37D633B846F1}">
-                  <asvg:svgBlip xmlns:asvg="http://schemas.microsoft.com/office/drawing/2016/SVG/main" xmlns="" r:embed="rId3"/>
+                  <asvg:svgBlip xmlns:asvg="http://schemas.microsoft.com/office/drawing/2016/SVG/main" r:embed="rId3"/>
                 </a:ext>
               </a:extLst>
             </a:blip>
@@ -10164,7 +10122,7 @@
             <p:cNvPr id="21" name="Graphic 20">
               <a:extLst>
                 <a:ext uri="{FF2B5EF4-FFF2-40B4-BE49-F238E27FC236}">
-                  <a16:creationId xmlns:a16="http://schemas.microsoft.com/office/drawing/2014/main" xmlns="" id="{A2CAD290-0BA5-FB4E-B8E1-7972E11C3F20}"/>
+                  <a16:creationId xmlns:a16="http://schemas.microsoft.com/office/drawing/2014/main" id="{A2CAD290-0BA5-FB4E-B8E1-7972E11C3F20}"/>
                 </a:ext>
               </a:extLst>
             </p:cNvPr>
@@ -10180,7 +10138,7 @@
                   <a14:useLocalDpi xmlns:a14="http://schemas.microsoft.com/office/drawing/2010/main"/>
                 </a:ext>
                 <a:ext uri="{96DAC541-7B7A-43D3-8B79-37D633B846F1}">
-                  <asvg:svgBlip xmlns:asvg="http://schemas.microsoft.com/office/drawing/2016/SVG/main" xmlns="" r:embed="rId5"/>
+                  <asvg:svgBlip xmlns:asvg="http://schemas.microsoft.com/office/drawing/2016/SVG/main" r:embed="rId5"/>
                 </a:ext>
               </a:extLst>
             </a:blip>
@@ -10233,7 +10191,7 @@
           <p:cNvPr id="18" name="Content Placeholder 6">
             <a:extLst>
               <a:ext uri="{FF2B5EF4-FFF2-40B4-BE49-F238E27FC236}">
-                <a16:creationId xmlns:a16="http://schemas.microsoft.com/office/drawing/2014/main" xmlns="" id="{FC6ADE07-46A1-0542-BAA8-59D063769FDD}"/>
+                <a16:creationId xmlns:a16="http://schemas.microsoft.com/office/drawing/2014/main" id="{FC6ADE07-46A1-0542-BAA8-59D063769FDD}"/>
               </a:ext>
             </a:extLst>
           </p:cNvPr>
@@ -10294,7 +10252,7 @@
           <p:cNvPr id="29" name="Title 1">
             <a:extLst>
               <a:ext uri="{FF2B5EF4-FFF2-40B4-BE49-F238E27FC236}">
-                <a16:creationId xmlns:a16="http://schemas.microsoft.com/office/drawing/2014/main" xmlns="" id="{624D84FE-9F10-3E4F-A3EE-08F2DC268A10}"/>
+                <a16:creationId xmlns:a16="http://schemas.microsoft.com/office/drawing/2014/main" id="{624D84FE-9F10-3E4F-A3EE-08F2DC268A10}"/>
               </a:ext>
             </a:extLst>
           </p:cNvPr>
@@ -10337,7 +10295,7 @@
           <p:cNvPr id="30" name="Straight Connector 29">
             <a:extLst>
               <a:ext uri="{FF2B5EF4-FFF2-40B4-BE49-F238E27FC236}">
-                <a16:creationId xmlns:a16="http://schemas.microsoft.com/office/drawing/2014/main" xmlns="" id="{8A8765D7-8C9E-1C4B-A2A5-4DE708E9FD45}"/>
+                <a16:creationId xmlns:a16="http://schemas.microsoft.com/office/drawing/2014/main" id="{8A8765D7-8C9E-1C4B-A2A5-4DE708E9FD45}"/>
               </a:ext>
             </a:extLst>
           </p:cNvPr>
@@ -10380,7 +10338,7 @@
           <p:cNvPr id="32" name="Content Placeholder 6">
             <a:extLst>
               <a:ext uri="{FF2B5EF4-FFF2-40B4-BE49-F238E27FC236}">
-                <a16:creationId xmlns:a16="http://schemas.microsoft.com/office/drawing/2014/main" xmlns="" id="{79E64612-691E-8B4C-A5A2-69AA4E6E46D8}"/>
+                <a16:creationId xmlns:a16="http://schemas.microsoft.com/office/drawing/2014/main" id="{79E64612-691E-8B4C-A5A2-69AA4E6E46D8}"/>
               </a:ext>
             </a:extLst>
           </p:cNvPr>
@@ -10441,7 +10399,7 @@
           <p:cNvPr id="36" name="Content Placeholder 6">
             <a:extLst>
               <a:ext uri="{FF2B5EF4-FFF2-40B4-BE49-F238E27FC236}">
-                <a16:creationId xmlns:a16="http://schemas.microsoft.com/office/drawing/2014/main" xmlns="" id="{D5511090-BE15-874F-A34F-3A094A293842}"/>
+                <a16:creationId xmlns:a16="http://schemas.microsoft.com/office/drawing/2014/main" id="{D5511090-BE15-874F-A34F-3A094A293842}"/>
               </a:ext>
             </a:extLst>
           </p:cNvPr>
@@ -10502,7 +10460,7 @@
           <p:cNvPr id="37" name="Content Placeholder 6">
             <a:extLst>
               <a:ext uri="{FF2B5EF4-FFF2-40B4-BE49-F238E27FC236}">
-                <a16:creationId xmlns:a16="http://schemas.microsoft.com/office/drawing/2014/main" xmlns="" id="{A393D8D3-6C36-994E-9699-1B7369AAE58F}"/>
+                <a16:creationId xmlns:a16="http://schemas.microsoft.com/office/drawing/2014/main" id="{A393D8D3-6C36-994E-9699-1B7369AAE58F}"/>
               </a:ext>
             </a:extLst>
           </p:cNvPr>
@@ -10565,7 +10523,7 @@
           <p:cNvPr id="40" name="Content Placeholder 6">
             <a:extLst>
               <a:ext uri="{FF2B5EF4-FFF2-40B4-BE49-F238E27FC236}">
-                <a16:creationId xmlns:a16="http://schemas.microsoft.com/office/drawing/2014/main" xmlns="" id="{CA186673-35D5-5D41-AEFB-CA5989E40034}"/>
+                <a16:creationId xmlns:a16="http://schemas.microsoft.com/office/drawing/2014/main" id="{CA186673-35D5-5D41-AEFB-CA5989E40034}"/>
               </a:ext>
             </a:extLst>
           </p:cNvPr>
@@ -10626,7 +10584,7 @@
           <p:cNvPr id="41" name="Content Placeholder 6">
             <a:extLst>
               <a:ext uri="{FF2B5EF4-FFF2-40B4-BE49-F238E27FC236}">
-                <a16:creationId xmlns:a16="http://schemas.microsoft.com/office/drawing/2014/main" xmlns="" id="{EA7E4A05-86A4-2541-8C1E-2AAFF72634DC}"/>
+                <a16:creationId xmlns:a16="http://schemas.microsoft.com/office/drawing/2014/main" id="{EA7E4A05-86A4-2541-8C1E-2AAFF72634DC}"/>
               </a:ext>
             </a:extLst>
           </p:cNvPr>
@@ -10687,7 +10645,7 @@
           <p:cNvPr id="31" name="Rectangle 30">
             <a:extLst>
               <a:ext uri="{FF2B5EF4-FFF2-40B4-BE49-F238E27FC236}">
-                <a16:creationId xmlns:a16="http://schemas.microsoft.com/office/drawing/2014/main" xmlns="" id="{2A8A6C66-02C4-8E4D-AE92-4B679AD1FA35}"/>
+                <a16:creationId xmlns:a16="http://schemas.microsoft.com/office/drawing/2014/main" id="{2A8A6C66-02C4-8E4D-AE92-4B679AD1FA35}"/>
               </a:ext>
             </a:extLst>
           </p:cNvPr>
@@ -10732,7 +10690,7 @@
           <p:cNvPr id="33" name="Rectangle 5">
             <a:extLst>
               <a:ext uri="{FF2B5EF4-FFF2-40B4-BE49-F238E27FC236}">
-                <a16:creationId xmlns:a16="http://schemas.microsoft.com/office/drawing/2014/main" xmlns="" id="{112C20E7-BB02-6F41-A72E-005E76A5753F}"/>
+                <a16:creationId xmlns:a16="http://schemas.microsoft.com/office/drawing/2014/main" id="{112C20E7-BB02-6F41-A72E-005E76A5753F}"/>
               </a:ext>
             </a:extLst>
           </p:cNvPr>
@@ -10777,7 +10735,7 @@
           <p:cNvPr id="44" name="Rectangle 5">
             <a:extLst>
               <a:ext uri="{FF2B5EF4-FFF2-40B4-BE49-F238E27FC236}">
-                <a16:creationId xmlns:a16="http://schemas.microsoft.com/office/drawing/2014/main" xmlns="" id="{EB6BB1FA-DC7D-FE4A-B0B7-19F2D29CCC7F}"/>
+                <a16:creationId xmlns:a16="http://schemas.microsoft.com/office/drawing/2014/main" id="{EB6BB1FA-DC7D-FE4A-B0B7-19F2D29CCC7F}"/>
               </a:ext>
             </a:extLst>
           </p:cNvPr>
@@ -10821,7 +10779,7 @@
           <p:cNvPr id="45" name="Rectangle 5">
             <a:extLst>
               <a:ext uri="{FF2B5EF4-FFF2-40B4-BE49-F238E27FC236}">
-                <a16:creationId xmlns:a16="http://schemas.microsoft.com/office/drawing/2014/main" xmlns="" id="{691541A0-18A4-4F4D-8525-53FDAC03C238}"/>
+                <a16:creationId xmlns:a16="http://schemas.microsoft.com/office/drawing/2014/main" id="{691541A0-18A4-4F4D-8525-53FDAC03C238}"/>
               </a:ext>
             </a:extLst>
           </p:cNvPr>
@@ -10867,7 +10825,7 @@
           <p:cNvPr id="46" name="Rectangle 5">
             <a:extLst>
               <a:ext uri="{FF2B5EF4-FFF2-40B4-BE49-F238E27FC236}">
-                <a16:creationId xmlns:a16="http://schemas.microsoft.com/office/drawing/2014/main" xmlns="" id="{897A47C5-163B-DE43-8D0B-C6E1903E504B}"/>
+                <a16:creationId xmlns:a16="http://schemas.microsoft.com/office/drawing/2014/main" id="{897A47C5-163B-DE43-8D0B-C6E1903E504B}"/>
               </a:ext>
             </a:extLst>
           </p:cNvPr>
@@ -10911,7 +10869,7 @@
           <p:cNvPr id="52" name="Content Placeholder 6">
             <a:extLst>
               <a:ext uri="{FF2B5EF4-FFF2-40B4-BE49-F238E27FC236}">
-                <a16:creationId xmlns:a16="http://schemas.microsoft.com/office/drawing/2014/main" xmlns="" id="{4E0987FC-9403-5F4F-B2C5-D7DE18DD7ABE}"/>
+                <a16:creationId xmlns:a16="http://schemas.microsoft.com/office/drawing/2014/main" id="{4E0987FC-9403-5F4F-B2C5-D7DE18DD7ABE}"/>
               </a:ext>
             </a:extLst>
           </p:cNvPr>
@@ -10972,7 +10930,7 @@
           <p:cNvPr id="53" name="Content Placeholder 6">
             <a:extLst>
               <a:ext uri="{FF2B5EF4-FFF2-40B4-BE49-F238E27FC236}">
-                <a16:creationId xmlns:a16="http://schemas.microsoft.com/office/drawing/2014/main" xmlns="" id="{DF92003B-52E6-9A42-BB4D-46394A0D0000}"/>
+                <a16:creationId xmlns:a16="http://schemas.microsoft.com/office/drawing/2014/main" id="{DF92003B-52E6-9A42-BB4D-46394A0D0000}"/>
               </a:ext>
             </a:extLst>
           </p:cNvPr>
@@ -11033,7 +10991,7 @@
           <p:cNvPr id="54" name="Content Placeholder 6">
             <a:extLst>
               <a:ext uri="{FF2B5EF4-FFF2-40B4-BE49-F238E27FC236}">
-                <a16:creationId xmlns:a16="http://schemas.microsoft.com/office/drawing/2014/main" xmlns="" id="{5396C44C-70DB-4D42-8269-556ABFB2033C}"/>
+                <a16:creationId xmlns:a16="http://schemas.microsoft.com/office/drawing/2014/main" id="{5396C44C-70DB-4D42-8269-556ABFB2033C}"/>
               </a:ext>
             </a:extLst>
           </p:cNvPr>
@@ -11094,7 +11052,7 @@
           <p:cNvPr id="55" name="Content Placeholder 6">
             <a:extLst>
               <a:ext uri="{FF2B5EF4-FFF2-40B4-BE49-F238E27FC236}">
-                <a16:creationId xmlns:a16="http://schemas.microsoft.com/office/drawing/2014/main" xmlns="" id="{7332D94B-510C-FE4D-8C63-80CCDE730AF0}"/>
+                <a16:creationId xmlns:a16="http://schemas.microsoft.com/office/drawing/2014/main" id="{7332D94B-510C-FE4D-8C63-80CCDE730AF0}"/>
               </a:ext>
             </a:extLst>
           </p:cNvPr>
@@ -11155,7 +11113,7 @@
           <p:cNvPr id="5" name="Picture Placeholder 4">
             <a:extLst>
               <a:ext uri="{FF2B5EF4-FFF2-40B4-BE49-F238E27FC236}">
-                <a16:creationId xmlns:a16="http://schemas.microsoft.com/office/drawing/2014/main" xmlns="" id="{F669D749-B16C-4C41-AE15-409F88611D49}"/>
+                <a16:creationId xmlns:a16="http://schemas.microsoft.com/office/drawing/2014/main" id="{F669D749-B16C-4C41-AE15-409F88611D49}"/>
               </a:ext>
             </a:extLst>
           </p:cNvPr>
@@ -11212,7 +11170,7 @@
           <p:cNvPr id="28" name="Picture Placeholder 4">
             <a:extLst>
               <a:ext uri="{FF2B5EF4-FFF2-40B4-BE49-F238E27FC236}">
-                <a16:creationId xmlns:a16="http://schemas.microsoft.com/office/drawing/2014/main" xmlns="" id="{CF201FBA-7AA8-8F49-B2AD-90B0913CCABB}"/>
+                <a16:creationId xmlns:a16="http://schemas.microsoft.com/office/drawing/2014/main" id="{CF201FBA-7AA8-8F49-B2AD-90B0913CCABB}"/>
               </a:ext>
             </a:extLst>
           </p:cNvPr>
@@ -11269,7 +11227,7 @@
           <p:cNvPr id="34" name="Picture Placeholder 4">
             <a:extLst>
               <a:ext uri="{FF2B5EF4-FFF2-40B4-BE49-F238E27FC236}">
-                <a16:creationId xmlns:a16="http://schemas.microsoft.com/office/drawing/2014/main" xmlns="" id="{07EEC54F-8B17-3942-B95C-FD6569A0AFA9}"/>
+                <a16:creationId xmlns:a16="http://schemas.microsoft.com/office/drawing/2014/main" id="{07EEC54F-8B17-3942-B95C-FD6569A0AFA9}"/>
               </a:ext>
             </a:extLst>
           </p:cNvPr>
@@ -11326,7 +11284,7 @@
           <p:cNvPr id="35" name="Picture Placeholder 4">
             <a:extLst>
               <a:ext uri="{FF2B5EF4-FFF2-40B4-BE49-F238E27FC236}">
-                <a16:creationId xmlns:a16="http://schemas.microsoft.com/office/drawing/2014/main" xmlns="" id="{5C871C9D-3FBC-3049-BA69-97CBF95C8842}"/>
+                <a16:creationId xmlns:a16="http://schemas.microsoft.com/office/drawing/2014/main" id="{5C871C9D-3FBC-3049-BA69-97CBF95C8842}"/>
               </a:ext>
             </a:extLst>
           </p:cNvPr>
@@ -11383,7 +11341,7 @@
           <p:cNvPr id="38" name="Picture Placeholder 4">
             <a:extLst>
               <a:ext uri="{FF2B5EF4-FFF2-40B4-BE49-F238E27FC236}">
-                <a16:creationId xmlns:a16="http://schemas.microsoft.com/office/drawing/2014/main" xmlns="" id="{2BDC92E0-3042-A34E-A596-2E18D46F7D90}"/>
+                <a16:creationId xmlns:a16="http://schemas.microsoft.com/office/drawing/2014/main" id="{2BDC92E0-3042-A34E-A596-2E18D46F7D90}"/>
               </a:ext>
             </a:extLst>
           </p:cNvPr>
@@ -11437,9 +11395,7 @@
       </p:sp>
       <p:sp>
         <p:nvSpPr>
-          <p:cNvPr id="26" name="Date Placeholder 14">
-            <a:extLst/>
-          </p:cNvPr>
+          <p:cNvPr id="26" name="Date Placeholder 14"/>
           <p:cNvSpPr>
             <a:spLocks noGrp="1"/>
           </p:cNvSpPr>
@@ -11470,7 +11426,7 @@
           <a:p>
             <a:fld id="{F0C99D87-AFAD-4B11-8D22-9469FA50E3E6}" type="datetime1">
               <a:rPr lang="en-US" smtClean="0"/>
-              <a:t>8/15/2019</a:t>
+              <a:t>2/13/2023</a:t>
             </a:fld>
             <a:endParaRPr lang="en-US" dirty="0"/>
           </a:p>
@@ -11478,9 +11434,7 @@
       </p:sp>
       <p:sp>
         <p:nvSpPr>
-          <p:cNvPr id="27" name="Slide Number Placeholder 6">
-            <a:extLst/>
-          </p:cNvPr>
+          <p:cNvPr id="27" name="Slide Number Placeholder 6"/>
           <p:cNvSpPr>
             <a:spLocks noGrp="1"/>
           </p:cNvSpPr>
@@ -12016,7 +11970,7 @@
           <p:cNvPr id="26" name="Title 1">
             <a:extLst>
               <a:ext uri="{FF2B5EF4-FFF2-40B4-BE49-F238E27FC236}">
-                <a16:creationId xmlns:a16="http://schemas.microsoft.com/office/drawing/2014/main" xmlns="" id="{A8FD1FD4-3816-FB44-915F-85344A42071F}"/>
+                <a16:creationId xmlns:a16="http://schemas.microsoft.com/office/drawing/2014/main" id="{A8FD1FD4-3816-FB44-915F-85344A42071F}"/>
               </a:ext>
             </a:extLst>
           </p:cNvPr>
@@ -12059,7 +12013,7 @@
           <p:cNvPr id="27" name="Straight Connector 26">
             <a:extLst>
               <a:ext uri="{FF2B5EF4-FFF2-40B4-BE49-F238E27FC236}">
-                <a16:creationId xmlns:a16="http://schemas.microsoft.com/office/drawing/2014/main" xmlns="" id="{2D62095F-6BF0-AF4E-B506-8FDA68C91727}"/>
+                <a16:creationId xmlns:a16="http://schemas.microsoft.com/office/drawing/2014/main" id="{2D62095F-6BF0-AF4E-B506-8FDA68C91727}"/>
               </a:ext>
             </a:extLst>
           </p:cNvPr>
@@ -12102,7 +12056,7 @@
           <p:cNvPr id="28" name="Text Placeholder 623">
             <a:extLst>
               <a:ext uri="{FF2B5EF4-FFF2-40B4-BE49-F238E27FC236}">
-                <a16:creationId xmlns:a16="http://schemas.microsoft.com/office/drawing/2014/main" xmlns="" id="{767786F1-D9C9-4440-A47E-98F55FD996EC}"/>
+                <a16:creationId xmlns:a16="http://schemas.microsoft.com/office/drawing/2014/main" id="{767786F1-D9C9-4440-A47E-98F55FD996EC}"/>
               </a:ext>
             </a:extLst>
           </p:cNvPr>
@@ -12150,7 +12104,7 @@
           <p:cNvPr id="34" name="Oval 33">
             <a:extLst>
               <a:ext uri="{FF2B5EF4-FFF2-40B4-BE49-F238E27FC236}">
-                <a16:creationId xmlns:a16="http://schemas.microsoft.com/office/drawing/2014/main" xmlns="" id="{E780AE5F-5283-A94A-89BB-578B2EF44842}"/>
+                <a16:creationId xmlns:a16="http://schemas.microsoft.com/office/drawing/2014/main" id="{E780AE5F-5283-A94A-89BB-578B2EF44842}"/>
               </a:ext>
             </a:extLst>
           </p:cNvPr>
@@ -12203,7 +12157,7 @@
           <p:cNvPr id="35" name="Oval 34">
             <a:extLst>
               <a:ext uri="{FF2B5EF4-FFF2-40B4-BE49-F238E27FC236}">
-                <a16:creationId xmlns:a16="http://schemas.microsoft.com/office/drawing/2014/main" xmlns="" id="{64BB168D-24A5-4B4C-BD9C-92D9C5EF0F9C}"/>
+                <a16:creationId xmlns:a16="http://schemas.microsoft.com/office/drawing/2014/main" id="{64BB168D-24A5-4B4C-BD9C-92D9C5EF0F9C}"/>
               </a:ext>
             </a:extLst>
           </p:cNvPr>
@@ -12256,7 +12210,7 @@
           <p:cNvPr id="38" name="Oval 37">
             <a:extLst>
               <a:ext uri="{FF2B5EF4-FFF2-40B4-BE49-F238E27FC236}">
-                <a16:creationId xmlns:a16="http://schemas.microsoft.com/office/drawing/2014/main" xmlns="" id="{AA61C86D-51BA-2344-8C34-41A534F0EDAA}"/>
+                <a16:creationId xmlns:a16="http://schemas.microsoft.com/office/drawing/2014/main" id="{AA61C86D-51BA-2344-8C34-41A534F0EDAA}"/>
               </a:ext>
             </a:extLst>
           </p:cNvPr>
@@ -12309,7 +12263,7 @@
           <p:cNvPr id="39" name="Oval 38">
             <a:extLst>
               <a:ext uri="{FF2B5EF4-FFF2-40B4-BE49-F238E27FC236}">
-                <a16:creationId xmlns:a16="http://schemas.microsoft.com/office/drawing/2014/main" xmlns="" id="{EE57D211-A085-E743-9F95-EAC71A50311B}"/>
+                <a16:creationId xmlns:a16="http://schemas.microsoft.com/office/drawing/2014/main" id="{EE57D211-A085-E743-9F95-EAC71A50311B}"/>
               </a:ext>
             </a:extLst>
           </p:cNvPr>
@@ -12362,7 +12316,7 @@
           <p:cNvPr id="74" name="Content Placeholder 6">
             <a:extLst>
               <a:ext uri="{FF2B5EF4-FFF2-40B4-BE49-F238E27FC236}">
-                <a16:creationId xmlns:a16="http://schemas.microsoft.com/office/drawing/2014/main" xmlns="" id="{A5025F4D-93F4-1146-945B-9BABB74A8148}"/>
+                <a16:creationId xmlns:a16="http://schemas.microsoft.com/office/drawing/2014/main" id="{A5025F4D-93F4-1146-945B-9BABB74A8148}"/>
               </a:ext>
             </a:extLst>
           </p:cNvPr>
@@ -12423,7 +12377,7 @@
           <p:cNvPr id="75" name="Content Placeholder 6">
             <a:extLst>
               <a:ext uri="{FF2B5EF4-FFF2-40B4-BE49-F238E27FC236}">
-                <a16:creationId xmlns:a16="http://schemas.microsoft.com/office/drawing/2014/main" xmlns="" id="{F084681A-8996-0646-91F6-8B3B2640ED79}"/>
+                <a16:creationId xmlns:a16="http://schemas.microsoft.com/office/drawing/2014/main" id="{F084681A-8996-0646-91F6-8B3B2640ED79}"/>
               </a:ext>
             </a:extLst>
           </p:cNvPr>
@@ -12486,7 +12440,7 @@
           <p:cNvPr id="76" name="Content Placeholder 6">
             <a:extLst>
               <a:ext uri="{FF2B5EF4-FFF2-40B4-BE49-F238E27FC236}">
-                <a16:creationId xmlns:a16="http://schemas.microsoft.com/office/drawing/2014/main" xmlns="" id="{4F74BFB3-22F1-FA44-B137-A24F5DCA082B}"/>
+                <a16:creationId xmlns:a16="http://schemas.microsoft.com/office/drawing/2014/main" id="{4F74BFB3-22F1-FA44-B137-A24F5DCA082B}"/>
               </a:ext>
             </a:extLst>
           </p:cNvPr>
@@ -12549,7 +12503,7 @@
           <p:cNvPr id="77" name="Content Placeholder 6">
             <a:extLst>
               <a:ext uri="{FF2B5EF4-FFF2-40B4-BE49-F238E27FC236}">
-                <a16:creationId xmlns:a16="http://schemas.microsoft.com/office/drawing/2014/main" xmlns="" id="{DB57F645-8EEB-A74E-B54E-7292F6B14404}"/>
+                <a16:creationId xmlns:a16="http://schemas.microsoft.com/office/drawing/2014/main" id="{DB57F645-8EEB-A74E-B54E-7292F6B14404}"/>
               </a:ext>
             </a:extLst>
           </p:cNvPr>
@@ -12610,7 +12564,7 @@
           <p:cNvPr id="78" name="Content Placeholder 6">
             <a:extLst>
               <a:ext uri="{FF2B5EF4-FFF2-40B4-BE49-F238E27FC236}">
-                <a16:creationId xmlns:a16="http://schemas.microsoft.com/office/drawing/2014/main" xmlns="" id="{D80FAC28-DF0F-4F44-933C-B48206F46A3B}"/>
+                <a16:creationId xmlns:a16="http://schemas.microsoft.com/office/drawing/2014/main" id="{D80FAC28-DF0F-4F44-933C-B48206F46A3B}"/>
               </a:ext>
             </a:extLst>
           </p:cNvPr>
@@ -12673,7 +12627,7 @@
           <p:cNvPr id="79" name="Content Placeholder 6">
             <a:extLst>
               <a:ext uri="{FF2B5EF4-FFF2-40B4-BE49-F238E27FC236}">
-                <a16:creationId xmlns:a16="http://schemas.microsoft.com/office/drawing/2014/main" xmlns="" id="{4410A345-EA02-FB4C-BC25-80A8B6F08924}"/>
+                <a16:creationId xmlns:a16="http://schemas.microsoft.com/office/drawing/2014/main" id="{4410A345-EA02-FB4C-BC25-80A8B6F08924}"/>
               </a:ext>
             </a:extLst>
           </p:cNvPr>
@@ -12736,7 +12690,7 @@
           <p:cNvPr id="80" name="Content Placeholder 6">
             <a:extLst>
               <a:ext uri="{FF2B5EF4-FFF2-40B4-BE49-F238E27FC236}">
-                <a16:creationId xmlns:a16="http://schemas.microsoft.com/office/drawing/2014/main" xmlns="" id="{EAC0C461-8649-B145-8540-5A8CAD4606F3}"/>
+                <a16:creationId xmlns:a16="http://schemas.microsoft.com/office/drawing/2014/main" id="{EAC0C461-8649-B145-8540-5A8CAD4606F3}"/>
               </a:ext>
             </a:extLst>
           </p:cNvPr>
@@ -12797,7 +12751,7 @@
           <p:cNvPr id="81" name="Content Placeholder 6">
             <a:extLst>
               <a:ext uri="{FF2B5EF4-FFF2-40B4-BE49-F238E27FC236}">
-                <a16:creationId xmlns:a16="http://schemas.microsoft.com/office/drawing/2014/main" xmlns="" id="{F2491D6F-68AD-184F-A24B-2CB52E23FF48}"/>
+                <a16:creationId xmlns:a16="http://schemas.microsoft.com/office/drawing/2014/main" id="{F2491D6F-68AD-184F-A24B-2CB52E23FF48}"/>
               </a:ext>
             </a:extLst>
           </p:cNvPr>
@@ -12860,7 +12814,7 @@
           <p:cNvPr id="82" name="Content Placeholder 6">
             <a:extLst>
               <a:ext uri="{FF2B5EF4-FFF2-40B4-BE49-F238E27FC236}">
-                <a16:creationId xmlns:a16="http://schemas.microsoft.com/office/drawing/2014/main" xmlns="" id="{9D068DF7-FC5E-934A-89F6-53BB53FB4764}"/>
+                <a16:creationId xmlns:a16="http://schemas.microsoft.com/office/drawing/2014/main" id="{9D068DF7-FC5E-934A-89F6-53BB53FB4764}"/>
               </a:ext>
             </a:extLst>
           </p:cNvPr>
@@ -12923,7 +12877,7 @@
           <p:cNvPr id="83" name="Content Placeholder 6">
             <a:extLst>
               <a:ext uri="{FF2B5EF4-FFF2-40B4-BE49-F238E27FC236}">
-                <a16:creationId xmlns:a16="http://schemas.microsoft.com/office/drawing/2014/main" xmlns="" id="{0DBE7B52-D9D0-9A46-AD69-0143DD12F0E8}"/>
+                <a16:creationId xmlns:a16="http://schemas.microsoft.com/office/drawing/2014/main" id="{0DBE7B52-D9D0-9A46-AD69-0143DD12F0E8}"/>
               </a:ext>
             </a:extLst>
           </p:cNvPr>
@@ -12984,7 +12938,7 @@
           <p:cNvPr id="84" name="Content Placeholder 6">
             <a:extLst>
               <a:ext uri="{FF2B5EF4-FFF2-40B4-BE49-F238E27FC236}">
-                <a16:creationId xmlns:a16="http://schemas.microsoft.com/office/drawing/2014/main" xmlns="" id="{8DCA0E97-7C45-5C48-A6E0-33F74FD41D73}"/>
+                <a16:creationId xmlns:a16="http://schemas.microsoft.com/office/drawing/2014/main" id="{8DCA0E97-7C45-5C48-A6E0-33F74FD41D73}"/>
               </a:ext>
             </a:extLst>
           </p:cNvPr>
@@ -13047,7 +13001,7 @@
           <p:cNvPr id="85" name="Content Placeholder 6">
             <a:extLst>
               <a:ext uri="{FF2B5EF4-FFF2-40B4-BE49-F238E27FC236}">
-                <a16:creationId xmlns:a16="http://schemas.microsoft.com/office/drawing/2014/main" xmlns="" id="{B7673E71-C51A-DA4F-8AEE-3F9CEA05FF3B}"/>
+                <a16:creationId xmlns:a16="http://schemas.microsoft.com/office/drawing/2014/main" id="{B7673E71-C51A-DA4F-8AEE-3F9CEA05FF3B}"/>
               </a:ext>
             </a:extLst>
           </p:cNvPr>
@@ -13110,7 +13064,7 @@
           <p:cNvPr id="5" name="Picture Placeholder 4">
             <a:extLst>
               <a:ext uri="{FF2B5EF4-FFF2-40B4-BE49-F238E27FC236}">
-                <a16:creationId xmlns:a16="http://schemas.microsoft.com/office/drawing/2014/main" xmlns="" id="{855EFE35-0DA1-524E-8947-FB741B39DAEC}"/>
+                <a16:creationId xmlns:a16="http://schemas.microsoft.com/office/drawing/2014/main" id="{855EFE35-0DA1-524E-8947-FB741B39DAEC}"/>
               </a:ext>
             </a:extLst>
           </p:cNvPr>
@@ -13155,7 +13109,7 @@
           <p:cNvPr id="29" name="Picture Placeholder 4">
             <a:extLst>
               <a:ext uri="{FF2B5EF4-FFF2-40B4-BE49-F238E27FC236}">
-                <a16:creationId xmlns:a16="http://schemas.microsoft.com/office/drawing/2014/main" xmlns="" id="{5817DFA7-15E9-4D4D-8C46-F3C1D0EFC050}"/>
+                <a16:creationId xmlns:a16="http://schemas.microsoft.com/office/drawing/2014/main" id="{5817DFA7-15E9-4D4D-8C46-F3C1D0EFC050}"/>
               </a:ext>
             </a:extLst>
           </p:cNvPr>
@@ -13200,7 +13154,7 @@
           <p:cNvPr id="30" name="Picture Placeholder 4">
             <a:extLst>
               <a:ext uri="{FF2B5EF4-FFF2-40B4-BE49-F238E27FC236}">
-                <a16:creationId xmlns:a16="http://schemas.microsoft.com/office/drawing/2014/main" xmlns="" id="{D3B12BCB-7D94-FB4C-9F74-BA28C4390187}"/>
+                <a16:creationId xmlns:a16="http://schemas.microsoft.com/office/drawing/2014/main" id="{D3B12BCB-7D94-FB4C-9F74-BA28C4390187}"/>
               </a:ext>
             </a:extLst>
           </p:cNvPr>
@@ -13245,7 +13199,7 @@
           <p:cNvPr id="31" name="Picture Placeholder 4">
             <a:extLst>
               <a:ext uri="{FF2B5EF4-FFF2-40B4-BE49-F238E27FC236}">
-                <a16:creationId xmlns:a16="http://schemas.microsoft.com/office/drawing/2014/main" xmlns="" id="{DE56175F-D501-C64E-B0BD-C8689ACDDD3C}"/>
+                <a16:creationId xmlns:a16="http://schemas.microsoft.com/office/drawing/2014/main" id="{DE56175F-D501-C64E-B0BD-C8689ACDDD3C}"/>
               </a:ext>
             </a:extLst>
           </p:cNvPr>
@@ -13287,9 +13241,7 @@
       </p:sp>
       <p:sp>
         <p:nvSpPr>
-          <p:cNvPr id="32" name="Date Placeholder 14">
-            <a:extLst/>
-          </p:cNvPr>
+          <p:cNvPr id="32" name="Date Placeholder 14"/>
           <p:cNvSpPr>
             <a:spLocks noGrp="1"/>
           </p:cNvSpPr>
@@ -13320,7 +13272,7 @@
           <a:p>
             <a:fld id="{F0C99D87-AFAD-4B11-8D22-9469FA50E3E6}" type="datetime1">
               <a:rPr lang="en-US" smtClean="0"/>
-              <a:t>8/15/2019</a:t>
+              <a:t>2/13/2023</a:t>
             </a:fld>
             <a:endParaRPr lang="en-US" dirty="0"/>
           </a:p>
@@ -13328,9 +13280,7 @@
       </p:sp>
       <p:sp>
         <p:nvSpPr>
-          <p:cNvPr id="33" name="Slide Number Placeholder 6">
-            <a:extLst/>
-          </p:cNvPr>
+          <p:cNvPr id="33" name="Slide Number Placeholder 6"/>
           <p:cNvSpPr>
             <a:spLocks noGrp="1"/>
           </p:cNvSpPr>
@@ -13784,7 +13734,7 @@
           <p:cNvPr id="2" name="Title 1">
             <a:extLst>
               <a:ext uri="{FF2B5EF4-FFF2-40B4-BE49-F238E27FC236}">
-                <a16:creationId xmlns:a16="http://schemas.microsoft.com/office/drawing/2014/main" xmlns="" id="{970DC997-9FB6-D045-9852-6C2F156B7477}"/>
+                <a16:creationId xmlns:a16="http://schemas.microsoft.com/office/drawing/2014/main" id="{970DC997-9FB6-D045-9852-6C2F156B7477}"/>
               </a:ext>
             </a:extLst>
           </p:cNvPr>
@@ -13827,7 +13777,7 @@
           <p:cNvPr id="22" name="Straight Connector 21">
             <a:extLst>
               <a:ext uri="{FF2B5EF4-FFF2-40B4-BE49-F238E27FC236}">
-                <a16:creationId xmlns:a16="http://schemas.microsoft.com/office/drawing/2014/main" xmlns="" id="{CE3B927A-65C9-2246-99F7-D23790240C58}"/>
+                <a16:creationId xmlns:a16="http://schemas.microsoft.com/office/drawing/2014/main" id="{CE3B927A-65C9-2246-99F7-D23790240C58}"/>
               </a:ext>
             </a:extLst>
           </p:cNvPr>
@@ -13870,7 +13820,7 @@
           <p:cNvPr id="36" name="Text Placeholder 18">
             <a:extLst>
               <a:ext uri="{FF2B5EF4-FFF2-40B4-BE49-F238E27FC236}">
-                <a16:creationId xmlns:a16="http://schemas.microsoft.com/office/drawing/2014/main" xmlns="" id="{24E837B3-2950-FE4F-B37C-F7363B55F319}"/>
+                <a16:creationId xmlns:a16="http://schemas.microsoft.com/office/drawing/2014/main" id="{24E837B3-2950-FE4F-B37C-F7363B55F319}"/>
               </a:ext>
             </a:extLst>
           </p:cNvPr>
@@ -13952,7 +13902,7 @@
           <p:cNvPr id="6" name="Picture Placeholder 5">
             <a:extLst>
               <a:ext uri="{FF2B5EF4-FFF2-40B4-BE49-F238E27FC236}">
-                <a16:creationId xmlns:a16="http://schemas.microsoft.com/office/drawing/2014/main" xmlns="" id="{E4545BD0-124C-D44E-B714-99C0362C906F}"/>
+                <a16:creationId xmlns:a16="http://schemas.microsoft.com/office/drawing/2014/main" id="{E4545BD0-124C-D44E-B714-99C0362C906F}"/>
               </a:ext>
             </a:extLst>
           </p:cNvPr>
@@ -13996,7 +13946,7 @@
           <p:cNvPr id="9" name="Straight Connector 8">
             <a:extLst>
               <a:ext uri="{FF2B5EF4-FFF2-40B4-BE49-F238E27FC236}">
-                <a16:creationId xmlns:a16="http://schemas.microsoft.com/office/drawing/2014/main" xmlns="" id="{81DCF655-0CE1-184A-90C3-25230ADC2370}"/>
+                <a16:creationId xmlns:a16="http://schemas.microsoft.com/office/drawing/2014/main" id="{81DCF655-0CE1-184A-90C3-25230ADC2370}"/>
               </a:ext>
             </a:extLst>
           </p:cNvPr>
@@ -14039,7 +13989,7 @@
           <p:cNvPr id="11" name="Text Placeholder 10">
             <a:extLst>
               <a:ext uri="{FF2B5EF4-FFF2-40B4-BE49-F238E27FC236}">
-                <a16:creationId xmlns:a16="http://schemas.microsoft.com/office/drawing/2014/main" xmlns="" id="{82C5C3FE-A531-3546-B9D5-85245FBB8EFA}"/>
+                <a16:creationId xmlns:a16="http://schemas.microsoft.com/office/drawing/2014/main" id="{82C5C3FE-A531-3546-B9D5-85245FBB8EFA}"/>
               </a:ext>
             </a:extLst>
           </p:cNvPr>
@@ -14109,7 +14059,7 @@
           <p:cNvPr id="51" name="Text Placeholder 18">
             <a:extLst>
               <a:ext uri="{FF2B5EF4-FFF2-40B4-BE49-F238E27FC236}">
-                <a16:creationId xmlns:a16="http://schemas.microsoft.com/office/drawing/2014/main" xmlns="" id="{9D8B393F-AD0A-C84B-B162-1A257AE6FC16}"/>
+                <a16:creationId xmlns:a16="http://schemas.microsoft.com/office/drawing/2014/main" id="{9D8B393F-AD0A-C84B-B162-1A257AE6FC16}"/>
               </a:ext>
             </a:extLst>
           </p:cNvPr>
@@ -14191,7 +14141,7 @@
           <p:cNvPr id="52" name="Picture Placeholder 5">
             <a:extLst>
               <a:ext uri="{FF2B5EF4-FFF2-40B4-BE49-F238E27FC236}">
-                <a16:creationId xmlns:a16="http://schemas.microsoft.com/office/drawing/2014/main" xmlns="" id="{53319284-B93C-F64A-9D9D-5C21FCBE4773}"/>
+                <a16:creationId xmlns:a16="http://schemas.microsoft.com/office/drawing/2014/main" id="{53319284-B93C-F64A-9D9D-5C21FCBE4773}"/>
               </a:ext>
             </a:extLst>
           </p:cNvPr>
@@ -14235,7 +14185,7 @@
           <p:cNvPr id="53" name="Straight Connector 52">
             <a:extLst>
               <a:ext uri="{FF2B5EF4-FFF2-40B4-BE49-F238E27FC236}">
-                <a16:creationId xmlns:a16="http://schemas.microsoft.com/office/drawing/2014/main" xmlns="" id="{92A42968-D4F5-5849-B783-DE3CFB9BFF9F}"/>
+                <a16:creationId xmlns:a16="http://schemas.microsoft.com/office/drawing/2014/main" id="{92A42968-D4F5-5849-B783-DE3CFB9BFF9F}"/>
               </a:ext>
             </a:extLst>
           </p:cNvPr>
@@ -14278,7 +14228,7 @@
           <p:cNvPr id="54" name="Text Placeholder 10">
             <a:extLst>
               <a:ext uri="{FF2B5EF4-FFF2-40B4-BE49-F238E27FC236}">
-                <a16:creationId xmlns:a16="http://schemas.microsoft.com/office/drawing/2014/main" xmlns="" id="{DC245200-9052-0244-A354-AFA317F0CEB8}"/>
+                <a16:creationId xmlns:a16="http://schemas.microsoft.com/office/drawing/2014/main" id="{DC245200-9052-0244-A354-AFA317F0CEB8}"/>
               </a:ext>
             </a:extLst>
           </p:cNvPr>
@@ -14348,7 +14298,7 @@
           <p:cNvPr id="55" name="Text Placeholder 18">
             <a:extLst>
               <a:ext uri="{FF2B5EF4-FFF2-40B4-BE49-F238E27FC236}">
-                <a16:creationId xmlns:a16="http://schemas.microsoft.com/office/drawing/2014/main" xmlns="" id="{7866ABFE-6B83-7E49-883E-9CE09B07D84C}"/>
+                <a16:creationId xmlns:a16="http://schemas.microsoft.com/office/drawing/2014/main" id="{7866ABFE-6B83-7E49-883E-9CE09B07D84C}"/>
               </a:ext>
             </a:extLst>
           </p:cNvPr>
@@ -14430,7 +14380,7 @@
           <p:cNvPr id="56" name="Picture Placeholder 5">
             <a:extLst>
               <a:ext uri="{FF2B5EF4-FFF2-40B4-BE49-F238E27FC236}">
-                <a16:creationId xmlns:a16="http://schemas.microsoft.com/office/drawing/2014/main" xmlns="" id="{D85372D0-7E2D-474C-AA6B-BD05BCA984C1}"/>
+                <a16:creationId xmlns:a16="http://schemas.microsoft.com/office/drawing/2014/main" id="{D85372D0-7E2D-474C-AA6B-BD05BCA984C1}"/>
               </a:ext>
             </a:extLst>
           </p:cNvPr>
@@ -14474,7 +14424,7 @@
           <p:cNvPr id="57" name="Straight Connector 56">
             <a:extLst>
               <a:ext uri="{FF2B5EF4-FFF2-40B4-BE49-F238E27FC236}">
-                <a16:creationId xmlns:a16="http://schemas.microsoft.com/office/drawing/2014/main" xmlns="" id="{88D5CA7C-143B-944D-960D-87041F8C0813}"/>
+                <a16:creationId xmlns:a16="http://schemas.microsoft.com/office/drawing/2014/main" id="{88D5CA7C-143B-944D-960D-87041F8C0813}"/>
               </a:ext>
             </a:extLst>
           </p:cNvPr>
@@ -14517,7 +14467,7 @@
           <p:cNvPr id="58" name="Text Placeholder 10">
             <a:extLst>
               <a:ext uri="{FF2B5EF4-FFF2-40B4-BE49-F238E27FC236}">
-                <a16:creationId xmlns:a16="http://schemas.microsoft.com/office/drawing/2014/main" xmlns="" id="{80F88DC2-86AB-BC4A-9390-39A80D39CBF2}"/>
+                <a16:creationId xmlns:a16="http://schemas.microsoft.com/office/drawing/2014/main" id="{80F88DC2-86AB-BC4A-9390-39A80D39CBF2}"/>
               </a:ext>
             </a:extLst>
           </p:cNvPr>
@@ -14584,9 +14534,7 @@
       </p:sp>
       <p:sp>
         <p:nvSpPr>
-          <p:cNvPr id="18" name="Date Placeholder 14">
-            <a:extLst/>
-          </p:cNvPr>
+          <p:cNvPr id="18" name="Date Placeholder 14"/>
           <p:cNvSpPr>
             <a:spLocks noGrp="1"/>
           </p:cNvSpPr>
@@ -14617,7 +14565,7 @@
           <a:p>
             <a:fld id="{F0C99D87-AFAD-4B11-8D22-9469FA50E3E6}" type="datetime1">
               <a:rPr lang="en-US" smtClean="0"/>
-              <a:t>8/15/2019</a:t>
+              <a:t>2/13/2023</a:t>
             </a:fld>
             <a:endParaRPr lang="en-US" dirty="0"/>
           </a:p>
@@ -14625,9 +14573,7 @@
       </p:sp>
       <p:sp>
         <p:nvSpPr>
-          <p:cNvPr id="19" name="Slide Number Placeholder 6">
-            <a:extLst/>
-          </p:cNvPr>
+          <p:cNvPr id="19" name="Slide Number Placeholder 6"/>
           <p:cNvSpPr>
             <a:spLocks noGrp="1"/>
           </p:cNvSpPr>
@@ -14712,7 +14658,7 @@
           <p:cNvPr id="6" name="AutoShape 3">
             <a:extLst>
               <a:ext uri="{FF2B5EF4-FFF2-40B4-BE49-F238E27FC236}">
-                <a16:creationId xmlns:a16="http://schemas.microsoft.com/office/drawing/2014/main" xmlns="" id="{0C24F774-9509-EF40-82B7-D9C7A291A507}"/>
+                <a16:creationId xmlns:a16="http://schemas.microsoft.com/office/drawing/2014/main" id="{0C24F774-9509-EF40-82B7-D9C7A291A507}"/>
               </a:ext>
             </a:extLst>
           </p:cNvPr>
@@ -14775,7 +14721,7 @@
           <p:cNvPr id="7" name="Freeform 5">
             <a:extLst>
               <a:ext uri="{FF2B5EF4-FFF2-40B4-BE49-F238E27FC236}">
-                <a16:creationId xmlns:a16="http://schemas.microsoft.com/office/drawing/2014/main" xmlns="" id="{68CAE442-1A0A-AE4B-815F-D0DA437ED94C}"/>
+                <a16:creationId xmlns:a16="http://schemas.microsoft.com/office/drawing/2014/main" id="{68CAE442-1A0A-AE4B-815F-D0DA437ED94C}"/>
               </a:ext>
             </a:extLst>
           </p:cNvPr>
@@ -14932,7 +14878,7 @@
           <p:cNvPr id="8" name="Freeform 5">
             <a:extLst>
               <a:ext uri="{FF2B5EF4-FFF2-40B4-BE49-F238E27FC236}">
-                <a16:creationId xmlns:a16="http://schemas.microsoft.com/office/drawing/2014/main" xmlns="" id="{1DB86A00-7B9A-AE49-8DAD-931B827488D5}"/>
+                <a16:creationId xmlns:a16="http://schemas.microsoft.com/office/drawing/2014/main" id="{1DB86A00-7B9A-AE49-8DAD-931B827488D5}"/>
               </a:ext>
             </a:extLst>
           </p:cNvPr>
@@ -15089,7 +15035,7 @@
           <p:cNvPr id="9" name="Freeform 5">
             <a:extLst>
               <a:ext uri="{FF2B5EF4-FFF2-40B4-BE49-F238E27FC236}">
-                <a16:creationId xmlns:a16="http://schemas.microsoft.com/office/drawing/2014/main" xmlns="" id="{61F26DCE-14C8-4D4F-92F5-26FBF0D1ABAE}"/>
+                <a16:creationId xmlns:a16="http://schemas.microsoft.com/office/drawing/2014/main" id="{61F26DCE-14C8-4D4F-92F5-26FBF0D1ABAE}"/>
               </a:ext>
             </a:extLst>
           </p:cNvPr>
@@ -15246,7 +15192,7 @@
           <p:cNvPr id="10" name="Freeform 5">
             <a:extLst>
               <a:ext uri="{FF2B5EF4-FFF2-40B4-BE49-F238E27FC236}">
-                <a16:creationId xmlns:a16="http://schemas.microsoft.com/office/drawing/2014/main" xmlns="" id="{67D96130-C5FE-7340-B1C3-22308FBCA9AF}"/>
+                <a16:creationId xmlns:a16="http://schemas.microsoft.com/office/drawing/2014/main" id="{67D96130-C5FE-7340-B1C3-22308FBCA9AF}"/>
               </a:ext>
             </a:extLst>
           </p:cNvPr>
@@ -15403,7 +15349,7 @@
           <p:cNvPr id="11" name="Freeform 5">
             <a:extLst>
               <a:ext uri="{FF2B5EF4-FFF2-40B4-BE49-F238E27FC236}">
-                <a16:creationId xmlns:a16="http://schemas.microsoft.com/office/drawing/2014/main" xmlns="" id="{AA1B6B1C-F35E-084C-8674-A66C6E94B5CC}"/>
+                <a16:creationId xmlns:a16="http://schemas.microsoft.com/office/drawing/2014/main" id="{AA1B6B1C-F35E-084C-8674-A66C6E94B5CC}"/>
               </a:ext>
             </a:extLst>
           </p:cNvPr>
@@ -15560,7 +15506,7 @@
           <p:cNvPr id="12" name="Oval 11">
             <a:extLst>
               <a:ext uri="{FF2B5EF4-FFF2-40B4-BE49-F238E27FC236}">
-                <a16:creationId xmlns:a16="http://schemas.microsoft.com/office/drawing/2014/main" xmlns="" id="{6D2857D3-E2A3-4F46-8330-C84BAD441AAF}"/>
+                <a16:creationId xmlns:a16="http://schemas.microsoft.com/office/drawing/2014/main" id="{6D2857D3-E2A3-4F46-8330-C84BAD441AAF}"/>
               </a:ext>
             </a:extLst>
           </p:cNvPr>
@@ -15617,7 +15563,7 @@
           <p:cNvPr id="13" name="Oval 12">
             <a:extLst>
               <a:ext uri="{FF2B5EF4-FFF2-40B4-BE49-F238E27FC236}">
-                <a16:creationId xmlns:a16="http://schemas.microsoft.com/office/drawing/2014/main" xmlns="" id="{B3513434-2EE7-AB43-B1C9-6285A6800432}"/>
+                <a16:creationId xmlns:a16="http://schemas.microsoft.com/office/drawing/2014/main" id="{B3513434-2EE7-AB43-B1C9-6285A6800432}"/>
               </a:ext>
             </a:extLst>
           </p:cNvPr>
@@ -15674,7 +15620,7 @@
           <p:cNvPr id="14" name="Oval 13">
             <a:extLst>
               <a:ext uri="{FF2B5EF4-FFF2-40B4-BE49-F238E27FC236}">
-                <a16:creationId xmlns:a16="http://schemas.microsoft.com/office/drawing/2014/main" xmlns="" id="{EEDA1FF3-5A6A-7C45-ABD3-6C6CEF8EF8AA}"/>
+                <a16:creationId xmlns:a16="http://schemas.microsoft.com/office/drawing/2014/main" id="{EEDA1FF3-5A6A-7C45-ABD3-6C6CEF8EF8AA}"/>
               </a:ext>
             </a:extLst>
           </p:cNvPr>
@@ -15731,7 +15677,7 @@
           <p:cNvPr id="15" name="Oval 14">
             <a:extLst>
               <a:ext uri="{FF2B5EF4-FFF2-40B4-BE49-F238E27FC236}">
-                <a16:creationId xmlns:a16="http://schemas.microsoft.com/office/drawing/2014/main" xmlns="" id="{D90C05BF-6BB9-EB44-BD01-C9B37A6FF859}"/>
+                <a16:creationId xmlns:a16="http://schemas.microsoft.com/office/drawing/2014/main" id="{D90C05BF-6BB9-EB44-BD01-C9B37A6FF859}"/>
               </a:ext>
             </a:extLst>
           </p:cNvPr>
@@ -15788,7 +15734,7 @@
           <p:cNvPr id="16" name="Oval 15">
             <a:extLst>
               <a:ext uri="{FF2B5EF4-FFF2-40B4-BE49-F238E27FC236}">
-                <a16:creationId xmlns:a16="http://schemas.microsoft.com/office/drawing/2014/main" xmlns="" id="{787C0A0B-1737-F440-BF1A-131AA5D8CEF0}"/>
+                <a16:creationId xmlns:a16="http://schemas.microsoft.com/office/drawing/2014/main" id="{787C0A0B-1737-F440-BF1A-131AA5D8CEF0}"/>
               </a:ext>
             </a:extLst>
           </p:cNvPr>
@@ -15845,7 +15791,7 @@
           <p:cNvPr id="27" name="Rectangle 26">
             <a:extLst>
               <a:ext uri="{FF2B5EF4-FFF2-40B4-BE49-F238E27FC236}">
-                <a16:creationId xmlns:a16="http://schemas.microsoft.com/office/drawing/2014/main" xmlns="" id="{0D3DE283-EC18-0F43-9034-534622839484}"/>
+                <a16:creationId xmlns:a16="http://schemas.microsoft.com/office/drawing/2014/main" id="{0D3DE283-EC18-0F43-9034-534622839484}"/>
               </a:ext>
             </a:extLst>
           </p:cNvPr>
@@ -15902,7 +15848,7 @@
           <p:cNvPr id="33" name="Title 1">
             <a:extLst>
               <a:ext uri="{FF2B5EF4-FFF2-40B4-BE49-F238E27FC236}">
-                <a16:creationId xmlns:a16="http://schemas.microsoft.com/office/drawing/2014/main" xmlns="" id="{E518D045-80CB-AA40-8564-4A75ACAD09A9}"/>
+                <a16:creationId xmlns:a16="http://schemas.microsoft.com/office/drawing/2014/main" id="{E518D045-80CB-AA40-8564-4A75ACAD09A9}"/>
               </a:ext>
             </a:extLst>
           </p:cNvPr>
@@ -15945,7 +15891,7 @@
           <p:cNvPr id="34" name="Straight Connector 33">
             <a:extLst>
               <a:ext uri="{FF2B5EF4-FFF2-40B4-BE49-F238E27FC236}">
-                <a16:creationId xmlns:a16="http://schemas.microsoft.com/office/drawing/2014/main" xmlns="" id="{00B418FA-A720-0B47-84CB-45475AE6480F}"/>
+                <a16:creationId xmlns:a16="http://schemas.microsoft.com/office/drawing/2014/main" id="{00B418FA-A720-0B47-84CB-45475AE6480F}"/>
               </a:ext>
             </a:extLst>
           </p:cNvPr>
@@ -15988,7 +15934,7 @@
           <p:cNvPr id="35" name="Text Placeholder 6">
             <a:extLst>
               <a:ext uri="{FF2B5EF4-FFF2-40B4-BE49-F238E27FC236}">
-                <a16:creationId xmlns:a16="http://schemas.microsoft.com/office/drawing/2014/main" xmlns="" id="{4D1739C8-E61E-F246-B5EF-FE5C54BAC74E}"/>
+                <a16:creationId xmlns:a16="http://schemas.microsoft.com/office/drawing/2014/main" id="{4D1739C8-E61E-F246-B5EF-FE5C54BAC74E}"/>
               </a:ext>
             </a:extLst>
           </p:cNvPr>
@@ -16052,7 +15998,7 @@
           <p:cNvPr id="36" name="Text Placeholder 6">
             <a:extLst>
               <a:ext uri="{FF2B5EF4-FFF2-40B4-BE49-F238E27FC236}">
-                <a16:creationId xmlns:a16="http://schemas.microsoft.com/office/drawing/2014/main" xmlns="" id="{9B8B3811-9C0D-7C49-82B0-8F573564F28D}"/>
+                <a16:creationId xmlns:a16="http://schemas.microsoft.com/office/drawing/2014/main" id="{9B8B3811-9C0D-7C49-82B0-8F573564F28D}"/>
               </a:ext>
             </a:extLst>
           </p:cNvPr>
@@ -16179,7 +16125,7 @@
           <p:cNvPr id="37" name="Text Placeholder 6">
             <a:extLst>
               <a:ext uri="{FF2B5EF4-FFF2-40B4-BE49-F238E27FC236}">
-                <a16:creationId xmlns:a16="http://schemas.microsoft.com/office/drawing/2014/main" xmlns="" id="{4FFBCA0A-45E6-7147-BE24-AD403DCFB3D5}"/>
+                <a16:creationId xmlns:a16="http://schemas.microsoft.com/office/drawing/2014/main" id="{4FFBCA0A-45E6-7147-BE24-AD403DCFB3D5}"/>
               </a:ext>
             </a:extLst>
           </p:cNvPr>
@@ -16243,7 +16189,7 @@
           <p:cNvPr id="38" name="Text Placeholder 6">
             <a:extLst>
               <a:ext uri="{FF2B5EF4-FFF2-40B4-BE49-F238E27FC236}">
-                <a16:creationId xmlns:a16="http://schemas.microsoft.com/office/drawing/2014/main" xmlns="" id="{5002CC26-6ACB-864C-BF7F-B97D802F2992}"/>
+                <a16:creationId xmlns:a16="http://schemas.microsoft.com/office/drawing/2014/main" id="{5002CC26-6ACB-864C-BF7F-B97D802F2992}"/>
               </a:ext>
             </a:extLst>
           </p:cNvPr>
@@ -16370,7 +16316,7 @@
           <p:cNvPr id="39" name="Text Placeholder 6">
             <a:extLst>
               <a:ext uri="{FF2B5EF4-FFF2-40B4-BE49-F238E27FC236}">
-                <a16:creationId xmlns:a16="http://schemas.microsoft.com/office/drawing/2014/main" xmlns="" id="{38CDB619-C2DC-924C-BBE0-F9515C4967A9}"/>
+                <a16:creationId xmlns:a16="http://schemas.microsoft.com/office/drawing/2014/main" id="{38CDB619-C2DC-924C-BBE0-F9515C4967A9}"/>
               </a:ext>
             </a:extLst>
           </p:cNvPr>
@@ -16434,7 +16380,7 @@
           <p:cNvPr id="40" name="Text Placeholder 6">
             <a:extLst>
               <a:ext uri="{FF2B5EF4-FFF2-40B4-BE49-F238E27FC236}">
-                <a16:creationId xmlns:a16="http://schemas.microsoft.com/office/drawing/2014/main" xmlns="" id="{ED332DD6-690A-4A4A-B279-EF7ED1A98E94}"/>
+                <a16:creationId xmlns:a16="http://schemas.microsoft.com/office/drawing/2014/main" id="{ED332DD6-690A-4A4A-B279-EF7ED1A98E94}"/>
               </a:ext>
             </a:extLst>
           </p:cNvPr>
@@ -16561,7 +16507,7 @@
           <p:cNvPr id="41" name="Text Placeholder 6">
             <a:extLst>
               <a:ext uri="{FF2B5EF4-FFF2-40B4-BE49-F238E27FC236}">
-                <a16:creationId xmlns:a16="http://schemas.microsoft.com/office/drawing/2014/main" xmlns="" id="{D1FD405E-560F-1145-8168-C8AE240DE6E6}"/>
+                <a16:creationId xmlns:a16="http://schemas.microsoft.com/office/drawing/2014/main" id="{D1FD405E-560F-1145-8168-C8AE240DE6E6}"/>
               </a:ext>
             </a:extLst>
           </p:cNvPr>
@@ -16625,7 +16571,7 @@
           <p:cNvPr id="42" name="Text Placeholder 6">
             <a:extLst>
               <a:ext uri="{FF2B5EF4-FFF2-40B4-BE49-F238E27FC236}">
-                <a16:creationId xmlns:a16="http://schemas.microsoft.com/office/drawing/2014/main" xmlns="" id="{AA5262B6-D761-F24D-8FAA-868EE345FCE7}"/>
+                <a16:creationId xmlns:a16="http://schemas.microsoft.com/office/drawing/2014/main" id="{AA5262B6-D761-F24D-8FAA-868EE345FCE7}"/>
               </a:ext>
             </a:extLst>
           </p:cNvPr>
@@ -16752,7 +16698,7 @@
           <p:cNvPr id="43" name="Text Placeholder 6">
             <a:extLst>
               <a:ext uri="{FF2B5EF4-FFF2-40B4-BE49-F238E27FC236}">
-                <a16:creationId xmlns:a16="http://schemas.microsoft.com/office/drawing/2014/main" xmlns="" id="{CC9D9D8B-8E9F-1544-8956-C112ADB5B6EA}"/>
+                <a16:creationId xmlns:a16="http://schemas.microsoft.com/office/drawing/2014/main" id="{CC9D9D8B-8E9F-1544-8956-C112ADB5B6EA}"/>
               </a:ext>
             </a:extLst>
           </p:cNvPr>
@@ -16816,7 +16762,7 @@
           <p:cNvPr id="44" name="Text Placeholder 6">
             <a:extLst>
               <a:ext uri="{FF2B5EF4-FFF2-40B4-BE49-F238E27FC236}">
-                <a16:creationId xmlns:a16="http://schemas.microsoft.com/office/drawing/2014/main" xmlns="" id="{E908BDBA-4726-D042-85A4-63122FFDBFEC}"/>
+                <a16:creationId xmlns:a16="http://schemas.microsoft.com/office/drawing/2014/main" id="{E908BDBA-4726-D042-85A4-63122FFDBFEC}"/>
               </a:ext>
             </a:extLst>
           </p:cNvPr>
@@ -16943,7 +16889,7 @@
           <p:cNvPr id="45" name="Text Placeholder 6">
             <a:extLst>
               <a:ext uri="{FF2B5EF4-FFF2-40B4-BE49-F238E27FC236}">
-                <a16:creationId xmlns:a16="http://schemas.microsoft.com/office/drawing/2014/main" xmlns="" id="{C54DC2F0-C2EE-084F-9C4B-87AC29D91E4B}"/>
+                <a16:creationId xmlns:a16="http://schemas.microsoft.com/office/drawing/2014/main" id="{C54DC2F0-C2EE-084F-9C4B-87AC29D91E4B}"/>
               </a:ext>
             </a:extLst>
           </p:cNvPr>
@@ -17008,7 +16954,7 @@
           <p:cNvPr id="46" name="Text Placeholder 6">
             <a:extLst>
               <a:ext uri="{FF2B5EF4-FFF2-40B4-BE49-F238E27FC236}">
-                <a16:creationId xmlns:a16="http://schemas.microsoft.com/office/drawing/2014/main" xmlns="" id="{CC25F18A-4EE1-C04D-831E-F891BFFC96CA}"/>
+                <a16:creationId xmlns:a16="http://schemas.microsoft.com/office/drawing/2014/main" id="{CC25F18A-4EE1-C04D-831E-F891BFFC96CA}"/>
               </a:ext>
             </a:extLst>
           </p:cNvPr>
@@ -17073,7 +17019,7 @@
           <p:cNvPr id="47" name="Text Placeholder 6">
             <a:extLst>
               <a:ext uri="{FF2B5EF4-FFF2-40B4-BE49-F238E27FC236}">
-                <a16:creationId xmlns:a16="http://schemas.microsoft.com/office/drawing/2014/main" xmlns="" id="{B11E4DB1-C347-1F4C-A072-A0BFCBDAA027}"/>
+                <a16:creationId xmlns:a16="http://schemas.microsoft.com/office/drawing/2014/main" id="{B11E4DB1-C347-1F4C-A072-A0BFCBDAA027}"/>
               </a:ext>
             </a:extLst>
           </p:cNvPr>
@@ -17138,7 +17084,7 @@
           <p:cNvPr id="48" name="Text Placeholder 6">
             <a:extLst>
               <a:ext uri="{FF2B5EF4-FFF2-40B4-BE49-F238E27FC236}">
-                <a16:creationId xmlns:a16="http://schemas.microsoft.com/office/drawing/2014/main" xmlns="" id="{C0CA8596-3B87-2841-B96F-12EB43E029AA}"/>
+                <a16:creationId xmlns:a16="http://schemas.microsoft.com/office/drawing/2014/main" id="{C0CA8596-3B87-2841-B96F-12EB43E029AA}"/>
               </a:ext>
             </a:extLst>
           </p:cNvPr>
@@ -17203,7 +17149,7 @@
           <p:cNvPr id="49" name="Text Placeholder 6">
             <a:extLst>
               <a:ext uri="{FF2B5EF4-FFF2-40B4-BE49-F238E27FC236}">
-                <a16:creationId xmlns:a16="http://schemas.microsoft.com/office/drawing/2014/main" xmlns="" id="{2F72FB37-AE95-B342-9CF4-D0EEF1293EF5}"/>
+                <a16:creationId xmlns:a16="http://schemas.microsoft.com/office/drawing/2014/main" id="{2F72FB37-AE95-B342-9CF4-D0EEF1293EF5}"/>
               </a:ext>
             </a:extLst>
           </p:cNvPr>
@@ -17265,9 +17211,7 @@
       </p:sp>
       <p:sp>
         <p:nvSpPr>
-          <p:cNvPr id="50" name="Date Placeholder 14">
-            <a:extLst/>
-          </p:cNvPr>
+          <p:cNvPr id="50" name="Date Placeholder 14"/>
           <p:cNvSpPr>
             <a:spLocks noGrp="1"/>
           </p:cNvSpPr>
@@ -17298,7 +17242,7 @@
           <a:p>
             <a:fld id="{F0C99D87-AFAD-4B11-8D22-9469FA50E3E6}" type="datetime1">
               <a:rPr lang="en-US" smtClean="0"/>
-              <a:t>8/15/2019</a:t>
+              <a:t>2/13/2023</a:t>
             </a:fld>
             <a:endParaRPr lang="en-US" dirty="0"/>
           </a:p>
@@ -17306,9 +17250,7 @@
       </p:sp>
       <p:sp>
         <p:nvSpPr>
-          <p:cNvPr id="51" name="Slide Number Placeholder 6">
-            <a:extLst/>
-          </p:cNvPr>
+          <p:cNvPr id="51" name="Slide Number Placeholder 6"/>
           <p:cNvSpPr>
             <a:spLocks noGrp="1"/>
           </p:cNvSpPr>
@@ -17920,7 +17862,7 @@
           <p:cNvPr id="22" name="Title 1">
             <a:extLst>
               <a:ext uri="{FF2B5EF4-FFF2-40B4-BE49-F238E27FC236}">
-                <a16:creationId xmlns:a16="http://schemas.microsoft.com/office/drawing/2014/main" xmlns="" id="{40FB3CCA-5010-384A-93BF-09B278FD5044}"/>
+                <a16:creationId xmlns:a16="http://schemas.microsoft.com/office/drawing/2014/main" id="{40FB3CCA-5010-384A-93BF-09B278FD5044}"/>
               </a:ext>
             </a:extLst>
           </p:cNvPr>
@@ -17963,7 +17905,7 @@
           <p:cNvPr id="23" name="Straight Connector 22">
             <a:extLst>
               <a:ext uri="{FF2B5EF4-FFF2-40B4-BE49-F238E27FC236}">
-                <a16:creationId xmlns:a16="http://schemas.microsoft.com/office/drawing/2014/main" xmlns="" id="{B3066C17-E29A-0E4B-AC4C-8AA9851BEEF5}"/>
+                <a16:creationId xmlns:a16="http://schemas.microsoft.com/office/drawing/2014/main" id="{B3066C17-E29A-0E4B-AC4C-8AA9851BEEF5}"/>
               </a:ext>
             </a:extLst>
           </p:cNvPr>
@@ -18006,7 +17948,7 @@
           <p:cNvPr id="24" name="Straight Connector 23">
             <a:extLst>
               <a:ext uri="{FF2B5EF4-FFF2-40B4-BE49-F238E27FC236}">
-                <a16:creationId xmlns:a16="http://schemas.microsoft.com/office/drawing/2014/main" xmlns="" id="{37A3B2D6-BD02-974A-A6BF-7EF83E5F1EAB}"/>
+                <a16:creationId xmlns:a16="http://schemas.microsoft.com/office/drawing/2014/main" id="{37A3B2D6-BD02-974A-A6BF-7EF83E5F1EAB}"/>
               </a:ext>
             </a:extLst>
           </p:cNvPr>
@@ -18051,7 +17993,7 @@
           <p:cNvPr id="25" name="Oval 24">
             <a:extLst>
               <a:ext uri="{FF2B5EF4-FFF2-40B4-BE49-F238E27FC236}">
-                <a16:creationId xmlns:a16="http://schemas.microsoft.com/office/drawing/2014/main" xmlns="" id="{50D4ED99-069C-6D48-85B9-0EF6CDFE8D09}"/>
+                <a16:creationId xmlns:a16="http://schemas.microsoft.com/office/drawing/2014/main" id="{50D4ED99-069C-6D48-85B9-0EF6CDFE8D09}"/>
               </a:ext>
             </a:extLst>
           </p:cNvPr>
@@ -18108,7 +18050,7 @@
           <p:cNvPr id="26" name="Oval 25">
             <a:extLst>
               <a:ext uri="{FF2B5EF4-FFF2-40B4-BE49-F238E27FC236}">
-                <a16:creationId xmlns:a16="http://schemas.microsoft.com/office/drawing/2014/main" xmlns="" id="{A97D3515-5EC4-C144-906B-379A4597141F}"/>
+                <a16:creationId xmlns:a16="http://schemas.microsoft.com/office/drawing/2014/main" id="{A97D3515-5EC4-C144-906B-379A4597141F}"/>
               </a:ext>
             </a:extLst>
           </p:cNvPr>
@@ -18162,7 +18104,7 @@
           <p:cNvPr id="27" name="Oval 26">
             <a:extLst>
               <a:ext uri="{FF2B5EF4-FFF2-40B4-BE49-F238E27FC236}">
-                <a16:creationId xmlns:a16="http://schemas.microsoft.com/office/drawing/2014/main" xmlns="" id="{830E17F2-D4D2-D147-B842-0947E330F543}"/>
+                <a16:creationId xmlns:a16="http://schemas.microsoft.com/office/drawing/2014/main" id="{830E17F2-D4D2-D147-B842-0947E330F543}"/>
               </a:ext>
             </a:extLst>
           </p:cNvPr>
@@ -18216,7 +18158,7 @@
           <p:cNvPr id="32" name="Picture Placeholder 4">
             <a:extLst>
               <a:ext uri="{FF2B5EF4-FFF2-40B4-BE49-F238E27FC236}">
-                <a16:creationId xmlns:a16="http://schemas.microsoft.com/office/drawing/2014/main" xmlns="" id="{BF0B41F7-63C9-5C4C-B8C8-D83815523F8E}"/>
+                <a16:creationId xmlns:a16="http://schemas.microsoft.com/office/drawing/2014/main" id="{BF0B41F7-63C9-5C4C-B8C8-D83815523F8E}"/>
               </a:ext>
             </a:extLst>
           </p:cNvPr>
@@ -18257,7 +18199,7 @@
           <p:cNvPr id="33" name="Text Placeholder 6">
             <a:extLst>
               <a:ext uri="{FF2B5EF4-FFF2-40B4-BE49-F238E27FC236}">
-                <a16:creationId xmlns:a16="http://schemas.microsoft.com/office/drawing/2014/main" xmlns="" id="{A8B279BA-14D9-9B48-B017-1F3CC2F184B0}"/>
+                <a16:creationId xmlns:a16="http://schemas.microsoft.com/office/drawing/2014/main" id="{A8B279BA-14D9-9B48-B017-1F3CC2F184B0}"/>
               </a:ext>
             </a:extLst>
           </p:cNvPr>
@@ -18321,7 +18263,7 @@
           <p:cNvPr id="34" name="Text Placeholder 6">
             <a:extLst>
               <a:ext uri="{FF2B5EF4-FFF2-40B4-BE49-F238E27FC236}">
-                <a16:creationId xmlns:a16="http://schemas.microsoft.com/office/drawing/2014/main" xmlns="" id="{3D2AF86D-3D79-C549-B5B4-769C5583A4FF}"/>
+                <a16:creationId xmlns:a16="http://schemas.microsoft.com/office/drawing/2014/main" id="{3D2AF86D-3D79-C549-B5B4-769C5583A4FF}"/>
               </a:ext>
             </a:extLst>
           </p:cNvPr>
@@ -18448,7 +18390,7 @@
           <p:cNvPr id="38" name="Text Placeholder 6">
             <a:extLst>
               <a:ext uri="{FF2B5EF4-FFF2-40B4-BE49-F238E27FC236}">
-                <a16:creationId xmlns:a16="http://schemas.microsoft.com/office/drawing/2014/main" xmlns="" id="{51AE283F-327B-394D-8A8B-061E674EFCB1}"/>
+                <a16:creationId xmlns:a16="http://schemas.microsoft.com/office/drawing/2014/main" id="{51AE283F-327B-394D-8A8B-061E674EFCB1}"/>
               </a:ext>
             </a:extLst>
           </p:cNvPr>
@@ -18510,9 +18452,7 @@
       </p:sp>
       <p:sp>
         <p:nvSpPr>
-          <p:cNvPr id="14" name="Date Placeholder 14">
-            <a:extLst/>
-          </p:cNvPr>
+          <p:cNvPr id="14" name="Date Placeholder 14"/>
           <p:cNvSpPr>
             <a:spLocks noGrp="1"/>
           </p:cNvSpPr>
@@ -18543,7 +18483,7 @@
           <a:p>
             <a:fld id="{F0C99D87-AFAD-4B11-8D22-9469FA50E3E6}" type="datetime1">
               <a:rPr lang="en-US" smtClean="0"/>
-              <a:t>8/15/2019</a:t>
+              <a:t>2/13/2023</a:t>
             </a:fld>
             <a:endParaRPr lang="en-US" dirty="0"/>
           </a:p>
@@ -18551,9 +18491,7 @@
       </p:sp>
       <p:sp>
         <p:nvSpPr>
-          <p:cNvPr id="15" name="Slide Number Placeholder 6">
-            <a:extLst/>
-          </p:cNvPr>
+          <p:cNvPr id="15" name="Slide Number Placeholder 6"/>
           <p:cNvSpPr>
             <a:spLocks noGrp="1"/>
           </p:cNvSpPr>
@@ -18626,7 +18564,7 @@
           <p:cNvPr id="14" name="Straight Connector 13">
             <a:extLst>
               <a:ext uri="{FF2B5EF4-FFF2-40B4-BE49-F238E27FC236}">
-                <a16:creationId xmlns:a16="http://schemas.microsoft.com/office/drawing/2014/main" xmlns="" id="{8C30D194-A319-2145-99EE-79EC690B61AC}"/>
+                <a16:creationId xmlns:a16="http://schemas.microsoft.com/office/drawing/2014/main" id="{8C30D194-A319-2145-99EE-79EC690B61AC}"/>
               </a:ext>
             </a:extLst>
           </p:cNvPr>
@@ -18673,7 +18611,7 @@
           <p:cNvPr id="19" name="Oval 18">
             <a:extLst>
               <a:ext uri="{FF2B5EF4-FFF2-40B4-BE49-F238E27FC236}">
-                <a16:creationId xmlns:a16="http://schemas.microsoft.com/office/drawing/2014/main" xmlns="" id="{D54B5266-9D9B-5F43-A355-779734CF70DA}"/>
+                <a16:creationId xmlns:a16="http://schemas.microsoft.com/office/drawing/2014/main" id="{D54B5266-9D9B-5F43-A355-779734CF70DA}"/>
               </a:ext>
             </a:extLst>
           </p:cNvPr>
@@ -18731,7 +18669,7 @@
           <p:cNvPr id="20" name="Oval 19">
             <a:extLst>
               <a:ext uri="{FF2B5EF4-FFF2-40B4-BE49-F238E27FC236}">
-                <a16:creationId xmlns:a16="http://schemas.microsoft.com/office/drawing/2014/main" xmlns="" id="{6C685AFF-CA20-D941-8A71-C3BE2FE26E3B}"/>
+                <a16:creationId xmlns:a16="http://schemas.microsoft.com/office/drawing/2014/main" id="{6C685AFF-CA20-D941-8A71-C3BE2FE26E3B}"/>
               </a:ext>
             </a:extLst>
           </p:cNvPr>
@@ -18789,7 +18727,7 @@
           <p:cNvPr id="21" name="Oval 20">
             <a:extLst>
               <a:ext uri="{FF2B5EF4-FFF2-40B4-BE49-F238E27FC236}">
-                <a16:creationId xmlns:a16="http://schemas.microsoft.com/office/drawing/2014/main" xmlns="" id="{DC28ABB8-342C-7043-AD93-6CDA35F55F8C}"/>
+                <a16:creationId xmlns:a16="http://schemas.microsoft.com/office/drawing/2014/main" id="{DC28ABB8-342C-7043-AD93-6CDA35F55F8C}"/>
               </a:ext>
             </a:extLst>
           </p:cNvPr>
@@ -18847,7 +18785,7 @@
           <p:cNvPr id="33" name="Oval 32">
             <a:extLst>
               <a:ext uri="{FF2B5EF4-FFF2-40B4-BE49-F238E27FC236}">
-                <a16:creationId xmlns:a16="http://schemas.microsoft.com/office/drawing/2014/main" xmlns="" id="{AA11A84D-4747-6547-8388-25F2D8089DB2}"/>
+                <a16:creationId xmlns:a16="http://schemas.microsoft.com/office/drawing/2014/main" id="{AA11A84D-4747-6547-8388-25F2D8089DB2}"/>
               </a:ext>
             </a:extLst>
           </p:cNvPr>
@@ -18905,7 +18843,7 @@
           <p:cNvPr id="34" name="Oval 33">
             <a:extLst>
               <a:ext uri="{FF2B5EF4-FFF2-40B4-BE49-F238E27FC236}">
-                <a16:creationId xmlns:a16="http://schemas.microsoft.com/office/drawing/2014/main" xmlns="" id="{92334F2D-8596-B748-B2A3-69E2FEF689E6}"/>
+                <a16:creationId xmlns:a16="http://schemas.microsoft.com/office/drawing/2014/main" id="{92334F2D-8596-B748-B2A3-69E2FEF689E6}"/>
               </a:ext>
             </a:extLst>
           </p:cNvPr>
@@ -18963,7 +18901,7 @@
           <p:cNvPr id="35" name="Oval 34">
             <a:extLst>
               <a:ext uri="{FF2B5EF4-FFF2-40B4-BE49-F238E27FC236}">
-                <a16:creationId xmlns:a16="http://schemas.microsoft.com/office/drawing/2014/main" xmlns="" id="{5D4C8EC2-0815-EE4B-9518-B2AABBCE4413}"/>
+                <a16:creationId xmlns:a16="http://schemas.microsoft.com/office/drawing/2014/main" id="{5D4C8EC2-0815-EE4B-9518-B2AABBCE4413}"/>
               </a:ext>
             </a:extLst>
           </p:cNvPr>
@@ -19021,7 +18959,7 @@
           <p:cNvPr id="39" name="Picture Placeholder 4">
             <a:extLst>
               <a:ext uri="{FF2B5EF4-FFF2-40B4-BE49-F238E27FC236}">
-                <a16:creationId xmlns:a16="http://schemas.microsoft.com/office/drawing/2014/main" xmlns="" id="{3BD55156-1884-324B-A870-42B25397DF60}"/>
+                <a16:creationId xmlns:a16="http://schemas.microsoft.com/office/drawing/2014/main" id="{3BD55156-1884-324B-A870-42B25397DF60}"/>
               </a:ext>
             </a:extLst>
           </p:cNvPr>
@@ -19062,7 +19000,7 @@
           <p:cNvPr id="40" name="Text Placeholder 6">
             <a:extLst>
               <a:ext uri="{FF2B5EF4-FFF2-40B4-BE49-F238E27FC236}">
-                <a16:creationId xmlns:a16="http://schemas.microsoft.com/office/drawing/2014/main" xmlns="" id="{0657EAF2-0044-D04E-B356-9DF92AC48E24}"/>
+                <a16:creationId xmlns:a16="http://schemas.microsoft.com/office/drawing/2014/main" id="{0657EAF2-0044-D04E-B356-9DF92AC48E24}"/>
               </a:ext>
             </a:extLst>
           </p:cNvPr>
@@ -19126,7 +19064,7 @@
           <p:cNvPr id="41" name="Text Placeholder 6">
             <a:extLst>
               <a:ext uri="{FF2B5EF4-FFF2-40B4-BE49-F238E27FC236}">
-                <a16:creationId xmlns:a16="http://schemas.microsoft.com/office/drawing/2014/main" xmlns="" id="{44025AFD-B02C-9D4A-82B4-66EF40B31C49}"/>
+                <a16:creationId xmlns:a16="http://schemas.microsoft.com/office/drawing/2014/main" id="{44025AFD-B02C-9D4A-82B4-66EF40B31C49}"/>
               </a:ext>
             </a:extLst>
           </p:cNvPr>
@@ -19253,7 +19191,7 @@
           <p:cNvPr id="42" name="Text Placeholder 6">
             <a:extLst>
               <a:ext uri="{FF2B5EF4-FFF2-40B4-BE49-F238E27FC236}">
-                <a16:creationId xmlns:a16="http://schemas.microsoft.com/office/drawing/2014/main" xmlns="" id="{8476D836-46F6-4244-8738-8752C1F943D8}"/>
+                <a16:creationId xmlns:a16="http://schemas.microsoft.com/office/drawing/2014/main" id="{8476D836-46F6-4244-8738-8752C1F943D8}"/>
               </a:ext>
             </a:extLst>
           </p:cNvPr>
@@ -19317,7 +19255,7 @@
           <p:cNvPr id="43" name="Text Placeholder 6">
             <a:extLst>
               <a:ext uri="{FF2B5EF4-FFF2-40B4-BE49-F238E27FC236}">
-                <a16:creationId xmlns:a16="http://schemas.microsoft.com/office/drawing/2014/main" xmlns="" id="{26E71183-D837-714D-99A5-66C1EB641D76}"/>
+                <a16:creationId xmlns:a16="http://schemas.microsoft.com/office/drawing/2014/main" id="{26E71183-D837-714D-99A5-66C1EB641D76}"/>
               </a:ext>
             </a:extLst>
           </p:cNvPr>
@@ -19444,7 +19382,7 @@
           <p:cNvPr id="44" name="Picture Placeholder 4">
             <a:extLst>
               <a:ext uri="{FF2B5EF4-FFF2-40B4-BE49-F238E27FC236}">
-                <a16:creationId xmlns:a16="http://schemas.microsoft.com/office/drawing/2014/main" xmlns="" id="{8DF26A37-47F8-BF4C-ADC8-3FC32B76E476}"/>
+                <a16:creationId xmlns:a16="http://schemas.microsoft.com/office/drawing/2014/main" id="{8DF26A37-47F8-BF4C-ADC8-3FC32B76E476}"/>
               </a:ext>
             </a:extLst>
           </p:cNvPr>
@@ -19485,7 +19423,7 @@
           <p:cNvPr id="45" name="Text Placeholder 6">
             <a:extLst>
               <a:ext uri="{FF2B5EF4-FFF2-40B4-BE49-F238E27FC236}">
-                <a16:creationId xmlns:a16="http://schemas.microsoft.com/office/drawing/2014/main" xmlns="" id="{9B2B0F81-26CC-854B-9E46-5781B108ED29}"/>
+                <a16:creationId xmlns:a16="http://schemas.microsoft.com/office/drawing/2014/main" id="{9B2B0F81-26CC-854B-9E46-5781B108ED29}"/>
               </a:ext>
             </a:extLst>
           </p:cNvPr>
@@ -19550,7 +19488,7 @@
           <p:cNvPr id="46" name="Text Placeholder 6">
             <a:extLst>
               <a:ext uri="{FF2B5EF4-FFF2-40B4-BE49-F238E27FC236}">
-                <a16:creationId xmlns:a16="http://schemas.microsoft.com/office/drawing/2014/main" xmlns="" id="{7008E69E-A5BF-A74C-9B8D-EDE0BBF57EAB}"/>
+                <a16:creationId xmlns:a16="http://schemas.microsoft.com/office/drawing/2014/main" id="{7008E69E-A5BF-A74C-9B8D-EDE0BBF57EAB}"/>
               </a:ext>
             </a:extLst>
           </p:cNvPr>
@@ -19612,9 +19550,7 @@
       </p:sp>
       <p:sp>
         <p:nvSpPr>
-          <p:cNvPr id="22" name="Date Placeholder 14">
-            <a:extLst/>
-          </p:cNvPr>
+          <p:cNvPr id="22" name="Date Placeholder 14"/>
           <p:cNvSpPr>
             <a:spLocks noGrp="1"/>
           </p:cNvSpPr>
@@ -19645,7 +19581,7 @@
           <a:p>
             <a:fld id="{F0C99D87-AFAD-4B11-8D22-9469FA50E3E6}" type="datetime1">
               <a:rPr lang="en-US" smtClean="0"/>
-              <a:t>8/15/2019</a:t>
+              <a:t>2/13/2023</a:t>
             </a:fld>
             <a:endParaRPr lang="en-US" dirty="0"/>
           </a:p>
@@ -19653,9 +19589,7 @@
       </p:sp>
       <p:sp>
         <p:nvSpPr>
-          <p:cNvPr id="23" name="Slide Number Placeholder 6">
-            <a:extLst/>
-          </p:cNvPr>
+          <p:cNvPr id="23" name="Slide Number Placeholder 6"/>
           <p:cNvSpPr>
             <a:spLocks noGrp="1"/>
           </p:cNvSpPr>
@@ -19728,7 +19662,7 @@
           <p:cNvPr id="22" name="Straight Connector 21">
             <a:extLst>
               <a:ext uri="{FF2B5EF4-FFF2-40B4-BE49-F238E27FC236}">
-                <a16:creationId xmlns:a16="http://schemas.microsoft.com/office/drawing/2014/main" xmlns="" id="{DAA60164-3802-0B4D-A9B7-954C45009E00}"/>
+                <a16:creationId xmlns:a16="http://schemas.microsoft.com/office/drawing/2014/main" id="{DAA60164-3802-0B4D-A9B7-954C45009E00}"/>
               </a:ext>
             </a:extLst>
           </p:cNvPr>
@@ -19775,7 +19709,7 @@
           <p:cNvPr id="23" name="Oval 22">
             <a:extLst>
               <a:ext uri="{FF2B5EF4-FFF2-40B4-BE49-F238E27FC236}">
-                <a16:creationId xmlns:a16="http://schemas.microsoft.com/office/drawing/2014/main" xmlns="" id="{B74995CE-D2EA-E644-A36C-4B676C461DFB}"/>
+                <a16:creationId xmlns:a16="http://schemas.microsoft.com/office/drawing/2014/main" id="{B74995CE-D2EA-E644-A36C-4B676C461DFB}"/>
               </a:ext>
             </a:extLst>
           </p:cNvPr>
@@ -19831,7 +19765,7 @@
           <p:cNvPr id="24" name="Oval 23">
             <a:extLst>
               <a:ext uri="{FF2B5EF4-FFF2-40B4-BE49-F238E27FC236}">
-                <a16:creationId xmlns:a16="http://schemas.microsoft.com/office/drawing/2014/main" xmlns="" id="{EE9FC6E9-AFD4-514A-8851-F0157EA3C169}"/>
+                <a16:creationId xmlns:a16="http://schemas.microsoft.com/office/drawing/2014/main" id="{EE9FC6E9-AFD4-514A-8851-F0157EA3C169}"/>
               </a:ext>
             </a:extLst>
           </p:cNvPr>
@@ -19883,7 +19817,7 @@
           <p:cNvPr id="25" name="Oval 24">
             <a:extLst>
               <a:ext uri="{FF2B5EF4-FFF2-40B4-BE49-F238E27FC236}">
-                <a16:creationId xmlns:a16="http://schemas.microsoft.com/office/drawing/2014/main" xmlns="" id="{88DD1C19-51B7-F746-B558-2D24889B7171}"/>
+                <a16:creationId xmlns:a16="http://schemas.microsoft.com/office/drawing/2014/main" id="{88DD1C19-51B7-F746-B558-2D24889B7171}"/>
               </a:ext>
             </a:extLst>
           </p:cNvPr>
@@ -19935,7 +19869,7 @@
           <p:cNvPr id="5" name="Picture Placeholder 4">
             <a:extLst>
               <a:ext uri="{FF2B5EF4-FFF2-40B4-BE49-F238E27FC236}">
-                <a16:creationId xmlns:a16="http://schemas.microsoft.com/office/drawing/2014/main" xmlns="" id="{A254F30D-8F56-F34F-9E55-16BC7431F8D7}"/>
+                <a16:creationId xmlns:a16="http://schemas.microsoft.com/office/drawing/2014/main" id="{A254F30D-8F56-F34F-9E55-16BC7431F8D7}"/>
               </a:ext>
             </a:extLst>
           </p:cNvPr>
@@ -19976,7 +19910,7 @@
           <p:cNvPr id="7" name="Text Placeholder 6">
             <a:extLst>
               <a:ext uri="{FF2B5EF4-FFF2-40B4-BE49-F238E27FC236}">
-                <a16:creationId xmlns:a16="http://schemas.microsoft.com/office/drawing/2014/main" xmlns="" id="{C5305ECC-AD93-4F4C-A9D6-4178B63D8623}"/>
+                <a16:creationId xmlns:a16="http://schemas.microsoft.com/office/drawing/2014/main" id="{C5305ECC-AD93-4F4C-A9D6-4178B63D8623}"/>
               </a:ext>
             </a:extLst>
           </p:cNvPr>
@@ -20040,7 +19974,7 @@
           <p:cNvPr id="39" name="Text Placeholder 6">
             <a:extLst>
               <a:ext uri="{FF2B5EF4-FFF2-40B4-BE49-F238E27FC236}">
-                <a16:creationId xmlns:a16="http://schemas.microsoft.com/office/drawing/2014/main" xmlns="" id="{2D1197AC-3616-1E4E-8C35-67190FB58E59}"/>
+                <a16:creationId xmlns:a16="http://schemas.microsoft.com/office/drawing/2014/main" id="{2D1197AC-3616-1E4E-8C35-67190FB58E59}"/>
               </a:ext>
             </a:extLst>
           </p:cNvPr>
@@ -20167,7 +20101,7 @@
           <p:cNvPr id="40" name="Text Placeholder 6">
             <a:extLst>
               <a:ext uri="{FF2B5EF4-FFF2-40B4-BE49-F238E27FC236}">
-                <a16:creationId xmlns:a16="http://schemas.microsoft.com/office/drawing/2014/main" xmlns="" id="{99B9C3D8-A360-4543-A471-E83B3B6FA04C}"/>
+                <a16:creationId xmlns:a16="http://schemas.microsoft.com/office/drawing/2014/main" id="{99B9C3D8-A360-4543-A471-E83B3B6FA04C}"/>
               </a:ext>
             </a:extLst>
           </p:cNvPr>
@@ -20229,9 +20163,7 @@
       </p:sp>
       <p:sp>
         <p:nvSpPr>
-          <p:cNvPr id="12" name="Date Placeholder 14">
-            <a:extLst/>
-          </p:cNvPr>
+          <p:cNvPr id="12" name="Date Placeholder 14"/>
           <p:cNvSpPr>
             <a:spLocks noGrp="1"/>
           </p:cNvSpPr>
@@ -20262,7 +20194,7 @@
           <a:p>
             <a:fld id="{F0C99D87-AFAD-4B11-8D22-9469FA50E3E6}" type="datetime1">
               <a:rPr lang="en-US" smtClean="0"/>
-              <a:t>8/15/2019</a:t>
+              <a:t>2/13/2023</a:t>
             </a:fld>
             <a:endParaRPr lang="en-US" dirty="0"/>
           </a:p>
@@ -20270,9 +20202,7 @@
       </p:sp>
       <p:sp>
         <p:nvSpPr>
-          <p:cNvPr id="13" name="Slide Number Placeholder 6">
-            <a:extLst/>
-          </p:cNvPr>
+          <p:cNvPr id="13" name="Slide Number Placeholder 6"/>
           <p:cNvSpPr>
             <a:spLocks noGrp="1"/>
           </p:cNvSpPr>
@@ -20345,7 +20275,7 @@
           <p:cNvPr id="33" name="Title 1">
             <a:extLst>
               <a:ext uri="{FF2B5EF4-FFF2-40B4-BE49-F238E27FC236}">
-                <a16:creationId xmlns:a16="http://schemas.microsoft.com/office/drawing/2014/main" xmlns="" id="{E518D045-80CB-AA40-8564-4A75ACAD09A9}"/>
+                <a16:creationId xmlns:a16="http://schemas.microsoft.com/office/drawing/2014/main" id="{E518D045-80CB-AA40-8564-4A75ACAD09A9}"/>
               </a:ext>
             </a:extLst>
           </p:cNvPr>
@@ -20388,7 +20318,7 @@
           <p:cNvPr id="34" name="Straight Connector 33">
             <a:extLst>
               <a:ext uri="{FF2B5EF4-FFF2-40B4-BE49-F238E27FC236}">
-                <a16:creationId xmlns:a16="http://schemas.microsoft.com/office/drawing/2014/main" xmlns="" id="{00B418FA-A720-0B47-84CB-45475AE6480F}"/>
+                <a16:creationId xmlns:a16="http://schemas.microsoft.com/office/drawing/2014/main" id="{00B418FA-A720-0B47-84CB-45475AE6480F}"/>
               </a:ext>
             </a:extLst>
           </p:cNvPr>
@@ -20431,7 +20361,7 @@
           <p:cNvPr id="108" name="Straight Connector 107">
             <a:extLst>
               <a:ext uri="{FF2B5EF4-FFF2-40B4-BE49-F238E27FC236}">
-                <a16:creationId xmlns:a16="http://schemas.microsoft.com/office/drawing/2014/main" xmlns="" id="{923F542A-EEDA-7D40-8C63-9B278299EEBF}"/>
+                <a16:creationId xmlns:a16="http://schemas.microsoft.com/office/drawing/2014/main" id="{923F542A-EEDA-7D40-8C63-9B278299EEBF}"/>
               </a:ext>
             </a:extLst>
           </p:cNvPr>
@@ -20476,7 +20406,7 @@
           <p:cNvPr id="109" name="Oval 108">
             <a:extLst>
               <a:ext uri="{FF2B5EF4-FFF2-40B4-BE49-F238E27FC236}">
-                <a16:creationId xmlns:a16="http://schemas.microsoft.com/office/drawing/2014/main" xmlns="" id="{C01BF8AC-943E-EF48-8C42-ADA33638D928}"/>
+                <a16:creationId xmlns:a16="http://schemas.microsoft.com/office/drawing/2014/main" id="{C01BF8AC-943E-EF48-8C42-ADA33638D928}"/>
               </a:ext>
             </a:extLst>
           </p:cNvPr>
@@ -20536,7 +20466,7 @@
           <p:cNvPr id="110" name="Chevron 109">
             <a:extLst>
               <a:ext uri="{FF2B5EF4-FFF2-40B4-BE49-F238E27FC236}">
-                <a16:creationId xmlns:a16="http://schemas.microsoft.com/office/drawing/2014/main" xmlns="" id="{CBB1D8B8-9BDE-8543-AD14-184734D1B97B}"/>
+                <a16:creationId xmlns:a16="http://schemas.microsoft.com/office/drawing/2014/main" id="{CBB1D8B8-9BDE-8543-AD14-184734D1B97B}"/>
               </a:ext>
             </a:extLst>
           </p:cNvPr>
@@ -20591,7 +20521,7 @@
           <p:cNvPr id="111" name="Straight Connector 110">
             <a:extLst>
               <a:ext uri="{FF2B5EF4-FFF2-40B4-BE49-F238E27FC236}">
-                <a16:creationId xmlns:a16="http://schemas.microsoft.com/office/drawing/2014/main" xmlns="" id="{B4B77037-DE51-0D48-8F5A-06B1CEAE2248}"/>
+                <a16:creationId xmlns:a16="http://schemas.microsoft.com/office/drawing/2014/main" id="{B4B77037-DE51-0D48-8F5A-06B1CEAE2248}"/>
               </a:ext>
             </a:extLst>
           </p:cNvPr>
@@ -20636,7 +20566,7 @@
           <p:cNvPr id="112" name="Oval 111">
             <a:extLst>
               <a:ext uri="{FF2B5EF4-FFF2-40B4-BE49-F238E27FC236}">
-                <a16:creationId xmlns:a16="http://schemas.microsoft.com/office/drawing/2014/main" xmlns="" id="{08258C91-650D-7C4E-9B81-3FE297B403AD}"/>
+                <a16:creationId xmlns:a16="http://schemas.microsoft.com/office/drawing/2014/main" id="{08258C91-650D-7C4E-9B81-3FE297B403AD}"/>
               </a:ext>
             </a:extLst>
           </p:cNvPr>
@@ -20696,7 +20626,7 @@
           <p:cNvPr id="113" name="Chevron 112">
             <a:extLst>
               <a:ext uri="{FF2B5EF4-FFF2-40B4-BE49-F238E27FC236}">
-                <a16:creationId xmlns:a16="http://schemas.microsoft.com/office/drawing/2014/main" xmlns="" id="{84A64F03-97FF-A44B-B065-80AD21886BCE}"/>
+                <a16:creationId xmlns:a16="http://schemas.microsoft.com/office/drawing/2014/main" id="{84A64F03-97FF-A44B-B065-80AD21886BCE}"/>
               </a:ext>
             </a:extLst>
           </p:cNvPr>
@@ -20751,7 +20681,7 @@
           <p:cNvPr id="114" name="Straight Connector 113">
             <a:extLst>
               <a:ext uri="{FF2B5EF4-FFF2-40B4-BE49-F238E27FC236}">
-                <a16:creationId xmlns:a16="http://schemas.microsoft.com/office/drawing/2014/main" xmlns="" id="{7813D5E3-E649-4B40-B57B-19311B4DC608}"/>
+                <a16:creationId xmlns:a16="http://schemas.microsoft.com/office/drawing/2014/main" id="{7813D5E3-E649-4B40-B57B-19311B4DC608}"/>
               </a:ext>
             </a:extLst>
           </p:cNvPr>
@@ -20796,7 +20726,7 @@
           <p:cNvPr id="115" name="Oval 114">
             <a:extLst>
               <a:ext uri="{FF2B5EF4-FFF2-40B4-BE49-F238E27FC236}">
-                <a16:creationId xmlns:a16="http://schemas.microsoft.com/office/drawing/2014/main" xmlns="" id="{CEFA06B5-B93A-5F4D-BB4E-39D07D5E05DF}"/>
+                <a16:creationId xmlns:a16="http://schemas.microsoft.com/office/drawing/2014/main" id="{CEFA06B5-B93A-5F4D-BB4E-39D07D5E05DF}"/>
               </a:ext>
             </a:extLst>
           </p:cNvPr>
@@ -20856,7 +20786,7 @@
           <p:cNvPr id="116" name="Chevron 115">
             <a:extLst>
               <a:ext uri="{FF2B5EF4-FFF2-40B4-BE49-F238E27FC236}">
-                <a16:creationId xmlns:a16="http://schemas.microsoft.com/office/drawing/2014/main" xmlns="" id="{5C970224-D15C-8C4D-8EAA-DEB9DDEA0FEF}"/>
+                <a16:creationId xmlns:a16="http://schemas.microsoft.com/office/drawing/2014/main" id="{5C970224-D15C-8C4D-8EAA-DEB9DDEA0FEF}"/>
               </a:ext>
             </a:extLst>
           </p:cNvPr>
@@ -20911,7 +20841,7 @@
           <p:cNvPr id="117" name="Chevron 116">
             <a:extLst>
               <a:ext uri="{FF2B5EF4-FFF2-40B4-BE49-F238E27FC236}">
-                <a16:creationId xmlns:a16="http://schemas.microsoft.com/office/drawing/2014/main" xmlns="" id="{5E53AD75-CFFF-CE4B-A3BF-BA48CF8422C3}"/>
+                <a16:creationId xmlns:a16="http://schemas.microsoft.com/office/drawing/2014/main" id="{5E53AD75-CFFF-CE4B-A3BF-BA48CF8422C3}"/>
               </a:ext>
             </a:extLst>
           </p:cNvPr>
@@ -20966,7 +20896,7 @@
           <p:cNvPr id="118" name="Straight Connector 117">
             <a:extLst>
               <a:ext uri="{FF2B5EF4-FFF2-40B4-BE49-F238E27FC236}">
-                <a16:creationId xmlns:a16="http://schemas.microsoft.com/office/drawing/2014/main" xmlns="" id="{A4045018-C213-2048-99D9-B6CFC15828F9}"/>
+                <a16:creationId xmlns:a16="http://schemas.microsoft.com/office/drawing/2014/main" id="{A4045018-C213-2048-99D9-B6CFC15828F9}"/>
               </a:ext>
             </a:extLst>
           </p:cNvPr>
@@ -21011,7 +20941,7 @@
           <p:cNvPr id="119" name="Oval 118">
             <a:extLst>
               <a:ext uri="{FF2B5EF4-FFF2-40B4-BE49-F238E27FC236}">
-                <a16:creationId xmlns:a16="http://schemas.microsoft.com/office/drawing/2014/main" xmlns="" id="{E9E067D1-4507-4E4F-BD5F-846FA8C0C272}"/>
+                <a16:creationId xmlns:a16="http://schemas.microsoft.com/office/drawing/2014/main" id="{E9E067D1-4507-4E4F-BD5F-846FA8C0C272}"/>
               </a:ext>
             </a:extLst>
           </p:cNvPr>
@@ -21071,7 +21001,7 @@
           <p:cNvPr id="120" name="Chevron 119">
             <a:extLst>
               <a:ext uri="{FF2B5EF4-FFF2-40B4-BE49-F238E27FC236}">
-                <a16:creationId xmlns:a16="http://schemas.microsoft.com/office/drawing/2014/main" xmlns="" id="{E127B344-E9CE-3D47-A601-D3D69949568F}"/>
+                <a16:creationId xmlns:a16="http://schemas.microsoft.com/office/drawing/2014/main" id="{E127B344-E9CE-3D47-A601-D3D69949568F}"/>
               </a:ext>
             </a:extLst>
           </p:cNvPr>
@@ -21126,7 +21056,7 @@
           <p:cNvPr id="121" name="Straight Connector 120">
             <a:extLst>
               <a:ext uri="{FF2B5EF4-FFF2-40B4-BE49-F238E27FC236}">
-                <a16:creationId xmlns:a16="http://schemas.microsoft.com/office/drawing/2014/main" xmlns="" id="{FC3FEBA2-914F-484F-941D-34F625C6E3F7}"/>
+                <a16:creationId xmlns:a16="http://schemas.microsoft.com/office/drawing/2014/main" id="{FC3FEBA2-914F-484F-941D-34F625C6E3F7}"/>
               </a:ext>
             </a:extLst>
           </p:cNvPr>
@@ -21171,7 +21101,7 @@
           <p:cNvPr id="122" name="Oval 121">
             <a:extLst>
               <a:ext uri="{FF2B5EF4-FFF2-40B4-BE49-F238E27FC236}">
-                <a16:creationId xmlns:a16="http://schemas.microsoft.com/office/drawing/2014/main" xmlns="" id="{5B24FE53-F6FF-5E4F-B1F6-0D510FEA4500}"/>
+                <a16:creationId xmlns:a16="http://schemas.microsoft.com/office/drawing/2014/main" id="{5B24FE53-F6FF-5E4F-B1F6-0D510FEA4500}"/>
               </a:ext>
             </a:extLst>
           </p:cNvPr>
@@ -21231,7 +21161,7 @@
           <p:cNvPr id="123" name="Chevron 122">
             <a:extLst>
               <a:ext uri="{FF2B5EF4-FFF2-40B4-BE49-F238E27FC236}">
-                <a16:creationId xmlns:a16="http://schemas.microsoft.com/office/drawing/2014/main" xmlns="" id="{02B05266-3921-8C42-B266-195BD21B0CFF}"/>
+                <a16:creationId xmlns:a16="http://schemas.microsoft.com/office/drawing/2014/main" id="{02B05266-3921-8C42-B266-195BD21B0CFF}"/>
               </a:ext>
             </a:extLst>
           </p:cNvPr>
@@ -21286,7 +21216,7 @@
           <p:cNvPr id="124" name="Straight Connector 123">
             <a:extLst>
               <a:ext uri="{FF2B5EF4-FFF2-40B4-BE49-F238E27FC236}">
-                <a16:creationId xmlns:a16="http://schemas.microsoft.com/office/drawing/2014/main" xmlns="" id="{FDE04E0E-F4F9-4B44-A0CC-A20D4C516832}"/>
+                <a16:creationId xmlns:a16="http://schemas.microsoft.com/office/drawing/2014/main" id="{FDE04E0E-F4F9-4B44-A0CC-A20D4C516832}"/>
               </a:ext>
             </a:extLst>
           </p:cNvPr>
@@ -21331,7 +21261,7 @@
           <p:cNvPr id="125" name="Oval 124">
             <a:extLst>
               <a:ext uri="{FF2B5EF4-FFF2-40B4-BE49-F238E27FC236}">
-                <a16:creationId xmlns:a16="http://schemas.microsoft.com/office/drawing/2014/main" xmlns="" id="{7F8D2B3A-417E-2A49-B1CD-53C2BDC7B747}"/>
+                <a16:creationId xmlns:a16="http://schemas.microsoft.com/office/drawing/2014/main" id="{7F8D2B3A-417E-2A49-B1CD-53C2BDC7B747}"/>
               </a:ext>
             </a:extLst>
           </p:cNvPr>
@@ -21391,7 +21321,7 @@
           <p:cNvPr id="5" name="Text Placeholder 4">
             <a:extLst>
               <a:ext uri="{FF2B5EF4-FFF2-40B4-BE49-F238E27FC236}">
-                <a16:creationId xmlns:a16="http://schemas.microsoft.com/office/drawing/2014/main" xmlns="" id="{74374C9D-1DBD-E441-A921-704887E74AC2}"/>
+                <a16:creationId xmlns:a16="http://schemas.microsoft.com/office/drawing/2014/main" id="{74374C9D-1DBD-E441-A921-704887E74AC2}"/>
               </a:ext>
             </a:extLst>
           </p:cNvPr>
@@ -21485,7 +21415,7 @@
           <p:cNvPr id="144" name="Text Placeholder 4">
             <a:extLst>
               <a:ext uri="{FF2B5EF4-FFF2-40B4-BE49-F238E27FC236}">
-                <a16:creationId xmlns:a16="http://schemas.microsoft.com/office/drawing/2014/main" xmlns="" id="{F4D13F44-1E79-724C-8CF0-C155AB7470BE}"/>
+                <a16:creationId xmlns:a16="http://schemas.microsoft.com/office/drawing/2014/main" id="{F4D13F44-1E79-724C-8CF0-C155AB7470BE}"/>
               </a:ext>
             </a:extLst>
           </p:cNvPr>
@@ -21579,7 +21509,7 @@
           <p:cNvPr id="145" name="Text Placeholder 4">
             <a:extLst>
               <a:ext uri="{FF2B5EF4-FFF2-40B4-BE49-F238E27FC236}">
-                <a16:creationId xmlns:a16="http://schemas.microsoft.com/office/drawing/2014/main" xmlns="" id="{006552A3-3747-E44E-94DD-081528BF2973}"/>
+                <a16:creationId xmlns:a16="http://schemas.microsoft.com/office/drawing/2014/main" id="{006552A3-3747-E44E-94DD-081528BF2973}"/>
               </a:ext>
             </a:extLst>
           </p:cNvPr>
@@ -21673,7 +21603,7 @@
           <p:cNvPr id="146" name="Text Placeholder 4">
             <a:extLst>
               <a:ext uri="{FF2B5EF4-FFF2-40B4-BE49-F238E27FC236}">
-                <a16:creationId xmlns:a16="http://schemas.microsoft.com/office/drawing/2014/main" xmlns="" id="{41183156-1CFD-BF46-BA33-540A907026D9}"/>
+                <a16:creationId xmlns:a16="http://schemas.microsoft.com/office/drawing/2014/main" id="{41183156-1CFD-BF46-BA33-540A907026D9}"/>
               </a:ext>
             </a:extLst>
           </p:cNvPr>
@@ -21767,7 +21697,7 @@
           <p:cNvPr id="147" name="Text Placeholder 4">
             <a:extLst>
               <a:ext uri="{FF2B5EF4-FFF2-40B4-BE49-F238E27FC236}">
-                <a16:creationId xmlns:a16="http://schemas.microsoft.com/office/drawing/2014/main" xmlns="" id="{E629AB15-B6C4-9645-8680-3E990C7777A0}"/>
+                <a16:creationId xmlns:a16="http://schemas.microsoft.com/office/drawing/2014/main" id="{E629AB15-B6C4-9645-8680-3E990C7777A0}"/>
               </a:ext>
             </a:extLst>
           </p:cNvPr>
@@ -21861,7 +21791,7 @@
           <p:cNvPr id="148" name="Text Placeholder 4">
             <a:extLst>
               <a:ext uri="{FF2B5EF4-FFF2-40B4-BE49-F238E27FC236}">
-                <a16:creationId xmlns:a16="http://schemas.microsoft.com/office/drawing/2014/main" xmlns="" id="{9DBBF6FD-3307-1348-981B-0AC8CA938986}"/>
+                <a16:creationId xmlns:a16="http://schemas.microsoft.com/office/drawing/2014/main" id="{9DBBF6FD-3307-1348-981B-0AC8CA938986}"/>
               </a:ext>
             </a:extLst>
           </p:cNvPr>
@@ -21955,7 +21885,7 @@
           <p:cNvPr id="150" name="Text Placeholder 4">
             <a:extLst>
               <a:ext uri="{FF2B5EF4-FFF2-40B4-BE49-F238E27FC236}">
-                <a16:creationId xmlns:a16="http://schemas.microsoft.com/office/drawing/2014/main" xmlns="" id="{EB64EFD9-DAD3-7D42-A869-BF47D53E3E30}"/>
+                <a16:creationId xmlns:a16="http://schemas.microsoft.com/office/drawing/2014/main" id="{EB64EFD9-DAD3-7D42-A869-BF47D53E3E30}"/>
               </a:ext>
             </a:extLst>
           </p:cNvPr>
@@ -22041,7 +21971,7 @@
           <p:cNvPr id="151" name="Text Placeholder 4">
             <a:extLst>
               <a:ext uri="{FF2B5EF4-FFF2-40B4-BE49-F238E27FC236}">
-                <a16:creationId xmlns:a16="http://schemas.microsoft.com/office/drawing/2014/main" xmlns="" id="{D6B522CC-2723-D648-84E1-A13FB3B3E930}"/>
+                <a16:creationId xmlns:a16="http://schemas.microsoft.com/office/drawing/2014/main" id="{D6B522CC-2723-D648-84E1-A13FB3B3E930}"/>
               </a:ext>
             </a:extLst>
           </p:cNvPr>
@@ -22127,7 +22057,7 @@
           <p:cNvPr id="152" name="Text Placeholder 4">
             <a:extLst>
               <a:ext uri="{FF2B5EF4-FFF2-40B4-BE49-F238E27FC236}">
-                <a16:creationId xmlns:a16="http://schemas.microsoft.com/office/drawing/2014/main" xmlns="" id="{8931D4F5-87E6-7543-A9DA-F6C495C09FB0}"/>
+                <a16:creationId xmlns:a16="http://schemas.microsoft.com/office/drawing/2014/main" id="{8931D4F5-87E6-7543-A9DA-F6C495C09FB0}"/>
               </a:ext>
             </a:extLst>
           </p:cNvPr>
@@ -22213,7 +22143,7 @@
           <p:cNvPr id="153" name="Text Placeholder 4">
             <a:extLst>
               <a:ext uri="{FF2B5EF4-FFF2-40B4-BE49-F238E27FC236}">
-                <a16:creationId xmlns:a16="http://schemas.microsoft.com/office/drawing/2014/main" xmlns="" id="{1FE895ED-FF83-2E44-84F5-8103C77D16E4}"/>
+                <a16:creationId xmlns:a16="http://schemas.microsoft.com/office/drawing/2014/main" id="{1FE895ED-FF83-2E44-84F5-8103C77D16E4}"/>
               </a:ext>
             </a:extLst>
           </p:cNvPr>
@@ -22299,7 +22229,7 @@
           <p:cNvPr id="154" name="Text Placeholder 4">
             <a:extLst>
               <a:ext uri="{FF2B5EF4-FFF2-40B4-BE49-F238E27FC236}">
-                <a16:creationId xmlns:a16="http://schemas.microsoft.com/office/drawing/2014/main" xmlns="" id="{9B87BB6B-8795-E143-BD5F-20AF413E8902}"/>
+                <a16:creationId xmlns:a16="http://schemas.microsoft.com/office/drawing/2014/main" id="{9B87BB6B-8795-E143-BD5F-20AF413E8902}"/>
               </a:ext>
             </a:extLst>
           </p:cNvPr>
@@ -22385,7 +22315,7 @@
           <p:cNvPr id="155" name="Text Placeholder 4">
             <a:extLst>
               <a:ext uri="{FF2B5EF4-FFF2-40B4-BE49-F238E27FC236}">
-                <a16:creationId xmlns:a16="http://schemas.microsoft.com/office/drawing/2014/main" xmlns="" id="{B93905DA-9943-9F47-AA5B-310D23C86917}"/>
+                <a16:creationId xmlns:a16="http://schemas.microsoft.com/office/drawing/2014/main" id="{B93905DA-9943-9F47-AA5B-310D23C86917}"/>
               </a:ext>
             </a:extLst>
           </p:cNvPr>
@@ -22471,7 +22401,7 @@
           <p:cNvPr id="157" name="Content Placeholder 6">
             <a:extLst>
               <a:ext uri="{FF2B5EF4-FFF2-40B4-BE49-F238E27FC236}">
-                <a16:creationId xmlns:a16="http://schemas.microsoft.com/office/drawing/2014/main" xmlns="" id="{705FB734-1947-A648-A01C-98A729AB0E82}"/>
+                <a16:creationId xmlns:a16="http://schemas.microsoft.com/office/drawing/2014/main" id="{705FB734-1947-A648-A01C-98A729AB0E82}"/>
               </a:ext>
             </a:extLst>
           </p:cNvPr>
@@ -22532,7 +22462,7 @@
           <p:cNvPr id="158" name="Content Placeholder 6">
             <a:extLst>
               <a:ext uri="{FF2B5EF4-FFF2-40B4-BE49-F238E27FC236}">
-                <a16:creationId xmlns:a16="http://schemas.microsoft.com/office/drawing/2014/main" xmlns="" id="{0830127E-1CE0-1545-BBC1-F42F56B3CA37}"/>
+                <a16:creationId xmlns:a16="http://schemas.microsoft.com/office/drawing/2014/main" id="{0830127E-1CE0-1545-BBC1-F42F56B3CA37}"/>
               </a:ext>
             </a:extLst>
           </p:cNvPr>
@@ -22595,7 +22525,7 @@
           <p:cNvPr id="159" name="Content Placeholder 6">
             <a:extLst>
               <a:ext uri="{FF2B5EF4-FFF2-40B4-BE49-F238E27FC236}">
-                <a16:creationId xmlns:a16="http://schemas.microsoft.com/office/drawing/2014/main" xmlns="" id="{246FBD13-16DF-EE49-833C-08F97D3C2A27}"/>
+                <a16:creationId xmlns:a16="http://schemas.microsoft.com/office/drawing/2014/main" id="{246FBD13-16DF-EE49-833C-08F97D3C2A27}"/>
               </a:ext>
             </a:extLst>
           </p:cNvPr>
@@ -22656,7 +22586,7 @@
           <p:cNvPr id="160" name="Content Placeholder 6">
             <a:extLst>
               <a:ext uri="{FF2B5EF4-FFF2-40B4-BE49-F238E27FC236}">
-                <a16:creationId xmlns:a16="http://schemas.microsoft.com/office/drawing/2014/main" xmlns="" id="{D93D923B-DC36-0548-A57E-8CC3C5846EF9}"/>
+                <a16:creationId xmlns:a16="http://schemas.microsoft.com/office/drawing/2014/main" id="{D93D923B-DC36-0548-A57E-8CC3C5846EF9}"/>
               </a:ext>
             </a:extLst>
           </p:cNvPr>
@@ -22719,7 +22649,7 @@
           <p:cNvPr id="161" name="Content Placeholder 6">
             <a:extLst>
               <a:ext uri="{FF2B5EF4-FFF2-40B4-BE49-F238E27FC236}">
-                <a16:creationId xmlns:a16="http://schemas.microsoft.com/office/drawing/2014/main" xmlns="" id="{73288945-5AB4-C947-8751-C27FC0AC0D79}"/>
+                <a16:creationId xmlns:a16="http://schemas.microsoft.com/office/drawing/2014/main" id="{73288945-5AB4-C947-8751-C27FC0AC0D79}"/>
               </a:ext>
             </a:extLst>
           </p:cNvPr>
@@ -22780,7 +22710,7 @@
           <p:cNvPr id="162" name="Content Placeholder 6">
             <a:extLst>
               <a:ext uri="{FF2B5EF4-FFF2-40B4-BE49-F238E27FC236}">
-                <a16:creationId xmlns:a16="http://schemas.microsoft.com/office/drawing/2014/main" xmlns="" id="{9A12554D-4B21-2D4D-957D-0F6647A88C09}"/>
+                <a16:creationId xmlns:a16="http://schemas.microsoft.com/office/drawing/2014/main" id="{9A12554D-4B21-2D4D-957D-0F6647A88C09}"/>
               </a:ext>
             </a:extLst>
           </p:cNvPr>
@@ -22843,7 +22773,7 @@
           <p:cNvPr id="163" name="Content Placeholder 6">
             <a:extLst>
               <a:ext uri="{FF2B5EF4-FFF2-40B4-BE49-F238E27FC236}">
-                <a16:creationId xmlns:a16="http://schemas.microsoft.com/office/drawing/2014/main" xmlns="" id="{E19DDCE7-99C7-5A43-9789-1874D59BE4BE}"/>
+                <a16:creationId xmlns:a16="http://schemas.microsoft.com/office/drawing/2014/main" id="{E19DDCE7-99C7-5A43-9789-1874D59BE4BE}"/>
               </a:ext>
             </a:extLst>
           </p:cNvPr>
@@ -22904,7 +22834,7 @@
           <p:cNvPr id="164" name="Content Placeholder 6">
             <a:extLst>
               <a:ext uri="{FF2B5EF4-FFF2-40B4-BE49-F238E27FC236}">
-                <a16:creationId xmlns:a16="http://schemas.microsoft.com/office/drawing/2014/main" xmlns="" id="{7884D145-8359-D343-9382-58381DB801D0}"/>
+                <a16:creationId xmlns:a16="http://schemas.microsoft.com/office/drawing/2014/main" id="{7884D145-8359-D343-9382-58381DB801D0}"/>
               </a:ext>
             </a:extLst>
           </p:cNvPr>
@@ -22967,7 +22897,7 @@
           <p:cNvPr id="165" name="Content Placeholder 6">
             <a:extLst>
               <a:ext uri="{FF2B5EF4-FFF2-40B4-BE49-F238E27FC236}">
-                <a16:creationId xmlns:a16="http://schemas.microsoft.com/office/drawing/2014/main" xmlns="" id="{5D743AA2-9246-4945-A7F5-ED8916BDBA84}"/>
+                <a16:creationId xmlns:a16="http://schemas.microsoft.com/office/drawing/2014/main" id="{5D743AA2-9246-4945-A7F5-ED8916BDBA84}"/>
               </a:ext>
             </a:extLst>
           </p:cNvPr>
@@ -23028,7 +22958,7 @@
           <p:cNvPr id="166" name="Content Placeholder 6">
             <a:extLst>
               <a:ext uri="{FF2B5EF4-FFF2-40B4-BE49-F238E27FC236}">
-                <a16:creationId xmlns:a16="http://schemas.microsoft.com/office/drawing/2014/main" xmlns="" id="{CFF58FE3-F8C6-074C-AB51-4F1C6AEF628C}"/>
+                <a16:creationId xmlns:a16="http://schemas.microsoft.com/office/drawing/2014/main" id="{CFF58FE3-F8C6-074C-AB51-4F1C6AEF628C}"/>
               </a:ext>
             </a:extLst>
           </p:cNvPr>
@@ -23091,7 +23021,7 @@
           <p:cNvPr id="167" name="Content Placeholder 6">
             <a:extLst>
               <a:ext uri="{FF2B5EF4-FFF2-40B4-BE49-F238E27FC236}">
-                <a16:creationId xmlns:a16="http://schemas.microsoft.com/office/drawing/2014/main" xmlns="" id="{70CFC5E8-F6FF-DB4A-B7E0-70840368F6A1}"/>
+                <a16:creationId xmlns:a16="http://schemas.microsoft.com/office/drawing/2014/main" id="{70CFC5E8-F6FF-DB4A-B7E0-70840368F6A1}"/>
               </a:ext>
             </a:extLst>
           </p:cNvPr>
@@ -23152,7 +23082,7 @@
           <p:cNvPr id="168" name="Content Placeholder 6">
             <a:extLst>
               <a:ext uri="{FF2B5EF4-FFF2-40B4-BE49-F238E27FC236}">
-                <a16:creationId xmlns:a16="http://schemas.microsoft.com/office/drawing/2014/main" xmlns="" id="{A18C764E-D7AC-DD42-8D3D-8C77CCC84224}"/>
+                <a16:creationId xmlns:a16="http://schemas.microsoft.com/office/drawing/2014/main" id="{A18C764E-D7AC-DD42-8D3D-8C77CCC84224}"/>
               </a:ext>
             </a:extLst>
           </p:cNvPr>
@@ -23212,9 +23142,7 @@
       </p:sp>
       <p:sp>
         <p:nvSpPr>
-          <p:cNvPr id="48" name="Date Placeholder 14">
-            <a:extLst/>
-          </p:cNvPr>
+          <p:cNvPr id="48" name="Date Placeholder 14"/>
           <p:cNvSpPr>
             <a:spLocks noGrp="1"/>
           </p:cNvSpPr>
@@ -23245,7 +23173,7 @@
           <a:p>
             <a:fld id="{F0C99D87-AFAD-4B11-8D22-9469FA50E3E6}" type="datetime1">
               <a:rPr lang="en-US" smtClean="0"/>
-              <a:t>8/15/2019</a:t>
+              <a:t>2/13/2023</a:t>
             </a:fld>
             <a:endParaRPr lang="en-US" dirty="0"/>
           </a:p>
@@ -23253,9 +23181,7 @@
       </p:sp>
       <p:sp>
         <p:nvSpPr>
-          <p:cNvPr id="49" name="Slide Number Placeholder 6">
-            <a:extLst/>
-          </p:cNvPr>
+          <p:cNvPr id="49" name="Slide Number Placeholder 6"/>
           <p:cNvSpPr>
             <a:spLocks noGrp="1"/>
           </p:cNvSpPr>
@@ -23328,7 +23254,7 @@
           <p:cNvPr id="33" name="Title 1">
             <a:extLst>
               <a:ext uri="{FF2B5EF4-FFF2-40B4-BE49-F238E27FC236}">
-                <a16:creationId xmlns:a16="http://schemas.microsoft.com/office/drawing/2014/main" xmlns="" id="{E518D045-80CB-AA40-8564-4A75ACAD09A9}"/>
+                <a16:creationId xmlns:a16="http://schemas.microsoft.com/office/drawing/2014/main" id="{E518D045-80CB-AA40-8564-4A75ACAD09A9}"/>
               </a:ext>
             </a:extLst>
           </p:cNvPr>
@@ -23372,7 +23298,7 @@
           <p:cNvPr id="34" name="Straight Connector 33">
             <a:extLst>
               <a:ext uri="{FF2B5EF4-FFF2-40B4-BE49-F238E27FC236}">
-                <a16:creationId xmlns:a16="http://schemas.microsoft.com/office/drawing/2014/main" xmlns="" id="{00B418FA-A720-0B47-84CB-45475AE6480F}"/>
+                <a16:creationId xmlns:a16="http://schemas.microsoft.com/office/drawing/2014/main" id="{00B418FA-A720-0B47-84CB-45475AE6480F}"/>
               </a:ext>
             </a:extLst>
           </p:cNvPr>
@@ -23415,7 +23341,7 @@
           <p:cNvPr id="30" name="Arrow: Right 33">
             <a:extLst>
               <a:ext uri="{FF2B5EF4-FFF2-40B4-BE49-F238E27FC236}">
-                <a16:creationId xmlns:a16="http://schemas.microsoft.com/office/drawing/2014/main" xmlns="" id="{C58D93E6-0966-8E46-BE54-6D7DDDCCD02E}"/>
+                <a16:creationId xmlns:a16="http://schemas.microsoft.com/office/drawing/2014/main" id="{C58D93E6-0966-8E46-BE54-6D7DDDCCD02E}"/>
               </a:ext>
             </a:extLst>
           </p:cNvPr>
@@ -23471,7 +23397,7 @@
           <p:cNvPr id="31" name="Oval 30">
             <a:extLst>
               <a:ext uri="{FF2B5EF4-FFF2-40B4-BE49-F238E27FC236}">
-                <a16:creationId xmlns:a16="http://schemas.microsoft.com/office/drawing/2014/main" xmlns="" id="{C60FBD1D-64E3-D849-9F1B-BDAF9E4CF681}"/>
+                <a16:creationId xmlns:a16="http://schemas.microsoft.com/office/drawing/2014/main" id="{C60FBD1D-64E3-D849-9F1B-BDAF9E4CF681}"/>
               </a:ext>
             </a:extLst>
           </p:cNvPr>
@@ -23525,7 +23451,7 @@
           <p:cNvPr id="32" name="Oval 31">
             <a:extLst>
               <a:ext uri="{FF2B5EF4-FFF2-40B4-BE49-F238E27FC236}">
-                <a16:creationId xmlns:a16="http://schemas.microsoft.com/office/drawing/2014/main" xmlns="" id="{E1084C45-F159-7A40-9DFB-62E07275905C}"/>
+                <a16:creationId xmlns:a16="http://schemas.microsoft.com/office/drawing/2014/main" id="{E1084C45-F159-7A40-9DFB-62E07275905C}"/>
               </a:ext>
             </a:extLst>
           </p:cNvPr>
@@ -23579,7 +23505,7 @@
           <p:cNvPr id="42" name="Oval 41">
             <a:extLst>
               <a:ext uri="{FF2B5EF4-FFF2-40B4-BE49-F238E27FC236}">
-                <a16:creationId xmlns:a16="http://schemas.microsoft.com/office/drawing/2014/main" xmlns="" id="{054931D2-ACE0-4E44-BBCD-06E03F1466E8}"/>
+                <a16:creationId xmlns:a16="http://schemas.microsoft.com/office/drawing/2014/main" id="{054931D2-ACE0-4E44-BBCD-06E03F1466E8}"/>
               </a:ext>
             </a:extLst>
           </p:cNvPr>
@@ -23633,7 +23559,7 @@
           <p:cNvPr id="43" name="Oval 42">
             <a:extLst>
               <a:ext uri="{FF2B5EF4-FFF2-40B4-BE49-F238E27FC236}">
-                <a16:creationId xmlns:a16="http://schemas.microsoft.com/office/drawing/2014/main" xmlns="" id="{7120280A-603B-7C48-966A-1E0CCA357DA8}"/>
+                <a16:creationId xmlns:a16="http://schemas.microsoft.com/office/drawing/2014/main" id="{7120280A-603B-7C48-966A-1E0CCA357DA8}"/>
               </a:ext>
             </a:extLst>
           </p:cNvPr>
@@ -23687,7 +23613,7 @@
           <p:cNvPr id="44" name="Oval 43">
             <a:extLst>
               <a:ext uri="{FF2B5EF4-FFF2-40B4-BE49-F238E27FC236}">
-                <a16:creationId xmlns:a16="http://schemas.microsoft.com/office/drawing/2014/main" xmlns="" id="{F18AAA1A-4A29-8D4E-8B4A-3892354C94DA}"/>
+                <a16:creationId xmlns:a16="http://schemas.microsoft.com/office/drawing/2014/main" id="{F18AAA1A-4A29-8D4E-8B4A-3892354C94DA}"/>
               </a:ext>
             </a:extLst>
           </p:cNvPr>
@@ -23741,7 +23667,7 @@
           <p:cNvPr id="5" name="Text Placeholder 4">
             <a:extLst>
               <a:ext uri="{FF2B5EF4-FFF2-40B4-BE49-F238E27FC236}">
-                <a16:creationId xmlns:a16="http://schemas.microsoft.com/office/drawing/2014/main" xmlns="" id="{54F53B22-627C-D341-B6CC-5E0D11213F38}"/>
+                <a16:creationId xmlns:a16="http://schemas.microsoft.com/office/drawing/2014/main" id="{54F53B22-627C-D341-B6CC-5E0D11213F38}"/>
               </a:ext>
             </a:extLst>
           </p:cNvPr>
@@ -23828,7 +23754,7 @@
           <p:cNvPr id="119" name="Text Placeholder 4">
             <a:extLst>
               <a:ext uri="{FF2B5EF4-FFF2-40B4-BE49-F238E27FC236}">
-                <a16:creationId xmlns:a16="http://schemas.microsoft.com/office/drawing/2014/main" xmlns="" id="{79C0B9F1-F022-074B-9EC5-BC8D1F312A43}"/>
+                <a16:creationId xmlns:a16="http://schemas.microsoft.com/office/drawing/2014/main" id="{79C0B9F1-F022-074B-9EC5-BC8D1F312A43}"/>
               </a:ext>
             </a:extLst>
           </p:cNvPr>
@@ -23915,7 +23841,7 @@
           <p:cNvPr id="120" name="Text Placeholder 4">
             <a:extLst>
               <a:ext uri="{FF2B5EF4-FFF2-40B4-BE49-F238E27FC236}">
-                <a16:creationId xmlns:a16="http://schemas.microsoft.com/office/drawing/2014/main" xmlns="" id="{A8BDC5F8-4C04-5341-80CE-9A690087307D}"/>
+                <a16:creationId xmlns:a16="http://schemas.microsoft.com/office/drawing/2014/main" id="{A8BDC5F8-4C04-5341-80CE-9A690087307D}"/>
               </a:ext>
             </a:extLst>
           </p:cNvPr>
@@ -24002,7 +23928,7 @@
           <p:cNvPr id="121" name="Text Placeholder 4">
             <a:extLst>
               <a:ext uri="{FF2B5EF4-FFF2-40B4-BE49-F238E27FC236}">
-                <a16:creationId xmlns:a16="http://schemas.microsoft.com/office/drawing/2014/main" xmlns="" id="{3F54F15F-2014-9B40-906B-7AF59B0B5C79}"/>
+                <a16:creationId xmlns:a16="http://schemas.microsoft.com/office/drawing/2014/main" id="{3F54F15F-2014-9B40-906B-7AF59B0B5C79}"/>
               </a:ext>
             </a:extLst>
           </p:cNvPr>
@@ -24089,7 +24015,7 @@
           <p:cNvPr id="122" name="Text Placeholder 4">
             <a:extLst>
               <a:ext uri="{FF2B5EF4-FFF2-40B4-BE49-F238E27FC236}">
-                <a16:creationId xmlns:a16="http://schemas.microsoft.com/office/drawing/2014/main" xmlns="" id="{4697D54C-ACAA-5E4F-BAF1-D088BECED5BD}"/>
+                <a16:creationId xmlns:a16="http://schemas.microsoft.com/office/drawing/2014/main" id="{4697D54C-ACAA-5E4F-BAF1-D088BECED5BD}"/>
               </a:ext>
             </a:extLst>
           </p:cNvPr>
@@ -24216,7 +24142,7 @@
           <p:cNvPr id="123" name="Content Placeholder 6">
             <a:extLst>
               <a:ext uri="{FF2B5EF4-FFF2-40B4-BE49-F238E27FC236}">
-                <a16:creationId xmlns:a16="http://schemas.microsoft.com/office/drawing/2014/main" xmlns="" id="{AFF1FAF3-7D1C-9E4A-A3D0-DFD1F4F260C3}"/>
+                <a16:creationId xmlns:a16="http://schemas.microsoft.com/office/drawing/2014/main" id="{AFF1FAF3-7D1C-9E4A-A3D0-DFD1F4F260C3}"/>
               </a:ext>
             </a:extLst>
           </p:cNvPr>
@@ -24278,7 +24204,7 @@
           <p:cNvPr id="124" name="Content Placeholder 6">
             <a:extLst>
               <a:ext uri="{FF2B5EF4-FFF2-40B4-BE49-F238E27FC236}">
-                <a16:creationId xmlns:a16="http://schemas.microsoft.com/office/drawing/2014/main" xmlns="" id="{014B7D68-6C6F-A34E-854E-1C61F85D5A2A}"/>
+                <a16:creationId xmlns:a16="http://schemas.microsoft.com/office/drawing/2014/main" id="{014B7D68-6C6F-A34E-854E-1C61F85D5A2A}"/>
               </a:ext>
             </a:extLst>
           </p:cNvPr>
@@ -24340,7 +24266,7 @@
           <p:cNvPr id="131" name="Content Placeholder 6">
             <a:extLst>
               <a:ext uri="{FF2B5EF4-FFF2-40B4-BE49-F238E27FC236}">
-                <a16:creationId xmlns:a16="http://schemas.microsoft.com/office/drawing/2014/main" xmlns="" id="{AA401BC8-2001-ED4C-9E9E-23882480594B}"/>
+                <a16:creationId xmlns:a16="http://schemas.microsoft.com/office/drawing/2014/main" id="{AA401BC8-2001-ED4C-9E9E-23882480594B}"/>
               </a:ext>
             </a:extLst>
           </p:cNvPr>
@@ -24402,7 +24328,7 @@
           <p:cNvPr id="132" name="Content Placeholder 6">
             <a:extLst>
               <a:ext uri="{FF2B5EF4-FFF2-40B4-BE49-F238E27FC236}">
-                <a16:creationId xmlns:a16="http://schemas.microsoft.com/office/drawing/2014/main" xmlns="" id="{61D74E57-9918-3144-A0F5-2ADE8298D339}"/>
+                <a16:creationId xmlns:a16="http://schemas.microsoft.com/office/drawing/2014/main" id="{61D74E57-9918-3144-A0F5-2ADE8298D339}"/>
               </a:ext>
             </a:extLst>
           </p:cNvPr>
@@ -24464,7 +24390,7 @@
           <p:cNvPr id="133" name="Content Placeholder 6">
             <a:extLst>
               <a:ext uri="{FF2B5EF4-FFF2-40B4-BE49-F238E27FC236}">
-                <a16:creationId xmlns:a16="http://schemas.microsoft.com/office/drawing/2014/main" xmlns="" id="{FF736860-34C8-334E-B26E-D05FDBB51DBB}"/>
+                <a16:creationId xmlns:a16="http://schemas.microsoft.com/office/drawing/2014/main" id="{FF736860-34C8-334E-B26E-D05FDBB51DBB}"/>
               </a:ext>
             </a:extLst>
           </p:cNvPr>
@@ -24526,7 +24452,7 @@
           <p:cNvPr id="134" name="Content Placeholder 6">
             <a:extLst>
               <a:ext uri="{FF2B5EF4-FFF2-40B4-BE49-F238E27FC236}">
-                <a16:creationId xmlns:a16="http://schemas.microsoft.com/office/drawing/2014/main" xmlns="" id="{16A47E0D-BC66-E546-A5C3-B619BC45F1F8}"/>
+                <a16:creationId xmlns:a16="http://schemas.microsoft.com/office/drawing/2014/main" id="{16A47E0D-BC66-E546-A5C3-B619BC45F1F8}"/>
               </a:ext>
             </a:extLst>
           </p:cNvPr>
@@ -24588,7 +24514,7 @@
           <p:cNvPr id="135" name="Content Placeholder 6">
             <a:extLst>
               <a:ext uri="{FF2B5EF4-FFF2-40B4-BE49-F238E27FC236}">
-                <a16:creationId xmlns:a16="http://schemas.microsoft.com/office/drawing/2014/main" xmlns="" id="{38D8476D-7DB6-E44F-A721-DA023310BF37}"/>
+                <a16:creationId xmlns:a16="http://schemas.microsoft.com/office/drawing/2014/main" id="{38D8476D-7DB6-E44F-A721-DA023310BF37}"/>
               </a:ext>
             </a:extLst>
           </p:cNvPr>
@@ -24650,7 +24576,7 @@
           <p:cNvPr id="136" name="Content Placeholder 6">
             <a:extLst>
               <a:ext uri="{FF2B5EF4-FFF2-40B4-BE49-F238E27FC236}">
-                <a16:creationId xmlns:a16="http://schemas.microsoft.com/office/drawing/2014/main" xmlns="" id="{B196D1A0-9BAF-8444-A2C0-D5C2250B3673}"/>
+                <a16:creationId xmlns:a16="http://schemas.microsoft.com/office/drawing/2014/main" id="{B196D1A0-9BAF-8444-A2C0-D5C2250B3673}"/>
               </a:ext>
             </a:extLst>
           </p:cNvPr>
@@ -24712,7 +24638,7 @@
           <p:cNvPr id="137" name="Content Placeholder 6">
             <a:extLst>
               <a:ext uri="{FF2B5EF4-FFF2-40B4-BE49-F238E27FC236}">
-                <a16:creationId xmlns:a16="http://schemas.microsoft.com/office/drawing/2014/main" xmlns="" id="{2FBD37A9-FA29-2C41-A15A-7904946CF179}"/>
+                <a16:creationId xmlns:a16="http://schemas.microsoft.com/office/drawing/2014/main" id="{2FBD37A9-FA29-2C41-A15A-7904946CF179}"/>
               </a:ext>
             </a:extLst>
           </p:cNvPr>
@@ -24774,7 +24700,7 @@
           <p:cNvPr id="138" name="Content Placeholder 6">
             <a:extLst>
               <a:ext uri="{FF2B5EF4-FFF2-40B4-BE49-F238E27FC236}">
-                <a16:creationId xmlns:a16="http://schemas.microsoft.com/office/drawing/2014/main" xmlns="" id="{6CB7C04A-0C57-A747-A02D-EB7EA33AB8D7}"/>
+                <a16:creationId xmlns:a16="http://schemas.microsoft.com/office/drawing/2014/main" id="{6CB7C04A-0C57-A747-A02D-EB7EA33AB8D7}"/>
               </a:ext>
             </a:extLst>
           </p:cNvPr>
@@ -24833,9 +24759,7 @@
       </p:sp>
       <p:sp>
         <p:nvSpPr>
-          <p:cNvPr id="27" name="Date Placeholder 14">
-            <a:extLst/>
-          </p:cNvPr>
+          <p:cNvPr id="27" name="Date Placeholder 14"/>
           <p:cNvSpPr>
             <a:spLocks noGrp="1"/>
           </p:cNvSpPr>
@@ -24866,7 +24790,7 @@
           <a:p>
             <a:fld id="{F0C99D87-AFAD-4B11-8D22-9469FA50E3E6}" type="datetime1">
               <a:rPr lang="en-US" smtClean="0"/>
-              <a:t>8/15/2019</a:t>
+              <a:t>2/13/2023</a:t>
             </a:fld>
             <a:endParaRPr lang="en-US" dirty="0"/>
           </a:p>
@@ -24874,9 +24798,7 @@
       </p:sp>
       <p:sp>
         <p:nvSpPr>
-          <p:cNvPr id="28" name="Slide Number Placeholder 6">
-            <a:extLst/>
-          </p:cNvPr>
+          <p:cNvPr id="28" name="Slide Number Placeholder 6"/>
           <p:cNvSpPr>
             <a:spLocks noGrp="1"/>
           </p:cNvSpPr>
@@ -24949,7 +24871,7 @@
           <p:cNvPr id="5" name="Picture 4" descr="Video.png">
             <a:extLst>
               <a:ext uri="{FF2B5EF4-FFF2-40B4-BE49-F238E27FC236}">
-                <a16:creationId xmlns:a16="http://schemas.microsoft.com/office/drawing/2014/main" xmlns="" id="{7DB068F8-170B-9948-8621-E03DFF2A769E}"/>
+                <a16:creationId xmlns:a16="http://schemas.microsoft.com/office/drawing/2014/main" id="{7DB068F8-170B-9948-8621-E03DFF2A769E}"/>
               </a:ext>
             </a:extLst>
           </p:cNvPr>
@@ -24985,7 +24907,7 @@
           <p:cNvPr id="6" name="Picture Placeholder 3">
             <a:extLst>
               <a:ext uri="{FF2B5EF4-FFF2-40B4-BE49-F238E27FC236}">
-                <a16:creationId xmlns:a16="http://schemas.microsoft.com/office/drawing/2014/main" xmlns="" id="{5F5516AE-6A2C-6241-814B-4C06B2F0325A}"/>
+                <a16:creationId xmlns:a16="http://schemas.microsoft.com/office/drawing/2014/main" id="{5F5516AE-6A2C-6241-814B-4C06B2F0325A}"/>
               </a:ext>
             </a:extLst>
           </p:cNvPr>
@@ -25030,7 +24952,7 @@
           <p:cNvPr id="7" name="Title 1">
             <a:extLst>
               <a:ext uri="{FF2B5EF4-FFF2-40B4-BE49-F238E27FC236}">
-                <a16:creationId xmlns:a16="http://schemas.microsoft.com/office/drawing/2014/main" xmlns="" id="{42AD8904-BFD7-1349-8FDF-99EE25D4305B}"/>
+                <a16:creationId xmlns:a16="http://schemas.microsoft.com/office/drawing/2014/main" id="{42AD8904-BFD7-1349-8FDF-99EE25D4305B}"/>
               </a:ext>
             </a:extLst>
           </p:cNvPr>
@@ -25074,7 +24996,7 @@
           <p:cNvPr id="8" name="Straight Connector 7">
             <a:extLst>
               <a:ext uri="{FF2B5EF4-FFF2-40B4-BE49-F238E27FC236}">
-                <a16:creationId xmlns:a16="http://schemas.microsoft.com/office/drawing/2014/main" xmlns="" id="{4F867103-D0B5-C847-8536-EF9EA8CAE7C3}"/>
+                <a16:creationId xmlns:a16="http://schemas.microsoft.com/office/drawing/2014/main" id="{4F867103-D0B5-C847-8536-EF9EA8CAE7C3}"/>
               </a:ext>
             </a:extLst>
           </p:cNvPr>
@@ -25117,7 +25039,7 @@
           <p:cNvPr id="9" name="Text Placeholder 623">
             <a:extLst>
               <a:ext uri="{FF2B5EF4-FFF2-40B4-BE49-F238E27FC236}">
-                <a16:creationId xmlns:a16="http://schemas.microsoft.com/office/drawing/2014/main" xmlns="" id="{B210D10F-58D2-AD40-A3AF-7D1051BFF71D}"/>
+                <a16:creationId xmlns:a16="http://schemas.microsoft.com/office/drawing/2014/main" id="{B210D10F-58D2-AD40-A3AF-7D1051BFF71D}"/>
               </a:ext>
             </a:extLst>
           </p:cNvPr>
@@ -25163,9 +25085,7 @@
       </p:sp>
       <p:sp>
         <p:nvSpPr>
-          <p:cNvPr id="12" name="Date Placeholder 14">
-            <a:extLst/>
-          </p:cNvPr>
+          <p:cNvPr id="12" name="Date Placeholder 14"/>
           <p:cNvSpPr>
             <a:spLocks noGrp="1"/>
           </p:cNvSpPr>
@@ -25196,7 +25116,7 @@
           <a:p>
             <a:fld id="{F0C99D87-AFAD-4B11-8D22-9469FA50E3E6}" type="datetime1">
               <a:rPr lang="en-US" smtClean="0"/>
-              <a:t>8/15/2019</a:t>
+              <a:t>2/13/2023</a:t>
             </a:fld>
             <a:endParaRPr lang="en-US" dirty="0"/>
           </a:p>
@@ -25204,9 +25124,7 @@
       </p:sp>
       <p:sp>
         <p:nvSpPr>
-          <p:cNvPr id="13" name="Slide Number Placeholder 6">
-            <a:extLst/>
-          </p:cNvPr>
+          <p:cNvPr id="13" name="Slide Number Placeholder 6"/>
           <p:cNvSpPr>
             <a:spLocks noGrp="1"/>
           </p:cNvSpPr>
@@ -25433,7 +25351,7 @@
           <p:cNvPr id="8" name="Straight Connector 7">
             <a:extLst>
               <a:ext uri="{FF2B5EF4-FFF2-40B4-BE49-F238E27FC236}">
-                <a16:creationId xmlns:a16="http://schemas.microsoft.com/office/drawing/2014/main" xmlns="" id="{9DC31F21-9582-8245-8ECF-B1ABC72454E1}"/>
+                <a16:creationId xmlns:a16="http://schemas.microsoft.com/office/drawing/2014/main" id="{9DC31F21-9582-8245-8ECF-B1ABC72454E1}"/>
               </a:ext>
             </a:extLst>
           </p:cNvPr>
@@ -25480,7 +25398,7 @@
           <p:cNvPr id="9" name="Content Placeholder 4">
             <a:extLst>
               <a:ext uri="{FF2B5EF4-FFF2-40B4-BE49-F238E27FC236}">
-                <a16:creationId xmlns:a16="http://schemas.microsoft.com/office/drawing/2014/main" xmlns="" id="{187164F7-465F-064F-85B7-9F6D010F4EE2}"/>
+                <a16:creationId xmlns:a16="http://schemas.microsoft.com/office/drawing/2014/main" id="{187164F7-465F-064F-85B7-9F6D010F4EE2}"/>
               </a:ext>
             </a:extLst>
           </p:cNvPr>
@@ -25558,7 +25476,7 @@
           <p:cNvPr id="13" name="Content Placeholder 3">
             <a:extLst>
               <a:ext uri="{FF2B5EF4-FFF2-40B4-BE49-F238E27FC236}">
-                <a16:creationId xmlns:a16="http://schemas.microsoft.com/office/drawing/2014/main" xmlns="" id="{4B55E246-1D9F-2543-9702-1848A85A6ED9}"/>
+                <a16:creationId xmlns:a16="http://schemas.microsoft.com/office/drawing/2014/main" id="{4B55E246-1D9F-2543-9702-1848A85A6ED9}"/>
               </a:ext>
             </a:extLst>
           </p:cNvPr>
@@ -25709,9 +25627,7 @@
       </p:sp>
       <p:sp>
         <p:nvSpPr>
-          <p:cNvPr id="6" name="Content Placeholder 3">
-            <a:extLst/>
-          </p:cNvPr>
+          <p:cNvPr id="6" name="Content Placeholder 3"/>
           <p:cNvSpPr>
             <a:spLocks noGrp="1"/>
           </p:cNvSpPr>
@@ -25892,7 +25808,7 @@
           <p:cNvPr id="29" name="Title 1">
             <a:extLst>
               <a:ext uri="{FF2B5EF4-FFF2-40B4-BE49-F238E27FC236}">
-                <a16:creationId xmlns:a16="http://schemas.microsoft.com/office/drawing/2014/main" xmlns="" id="{624D84FE-9F10-3E4F-A3EE-08F2DC268A10}"/>
+                <a16:creationId xmlns:a16="http://schemas.microsoft.com/office/drawing/2014/main" id="{624D84FE-9F10-3E4F-A3EE-08F2DC268A10}"/>
               </a:ext>
             </a:extLst>
           </p:cNvPr>
@@ -25935,7 +25851,7 @@
           <p:cNvPr id="42" name="Content Placeholder 6">
             <a:extLst>
               <a:ext uri="{FF2B5EF4-FFF2-40B4-BE49-F238E27FC236}">
-                <a16:creationId xmlns:a16="http://schemas.microsoft.com/office/drawing/2014/main" xmlns="" id="{75017C15-5C84-864C-A758-2173DADE9D4C}"/>
+                <a16:creationId xmlns:a16="http://schemas.microsoft.com/office/drawing/2014/main" id="{75017C15-5C84-864C-A758-2173DADE9D4C}"/>
               </a:ext>
             </a:extLst>
           </p:cNvPr>
@@ -25996,7 +25912,7 @@
           <p:cNvPr id="43" name="Content Placeholder 6">
             <a:extLst>
               <a:ext uri="{FF2B5EF4-FFF2-40B4-BE49-F238E27FC236}">
-                <a16:creationId xmlns:a16="http://schemas.microsoft.com/office/drawing/2014/main" xmlns="" id="{A0EE83B3-BECA-1D43-BEF8-4F2989341F31}"/>
+                <a16:creationId xmlns:a16="http://schemas.microsoft.com/office/drawing/2014/main" id="{A0EE83B3-BECA-1D43-BEF8-4F2989341F31}"/>
               </a:ext>
             </a:extLst>
           </p:cNvPr>
@@ -26057,7 +25973,7 @@
           <p:cNvPr id="17" name="Picture Placeholder 16">
             <a:extLst>
               <a:ext uri="{FF2B5EF4-FFF2-40B4-BE49-F238E27FC236}">
-                <a16:creationId xmlns:a16="http://schemas.microsoft.com/office/drawing/2014/main" xmlns="" id="{4CA10605-3116-984C-A0AF-EC2544693FE7}"/>
+                <a16:creationId xmlns:a16="http://schemas.microsoft.com/office/drawing/2014/main" id="{4CA10605-3116-984C-A0AF-EC2544693FE7}"/>
               </a:ext>
             </a:extLst>
           </p:cNvPr>
@@ -26104,7 +26020,7 @@
           <p:cNvPr id="20" name="Content Placeholder 19">
             <a:extLst>
               <a:ext uri="{FF2B5EF4-FFF2-40B4-BE49-F238E27FC236}">
-                <a16:creationId xmlns:a16="http://schemas.microsoft.com/office/drawing/2014/main" xmlns="" id="{DEDD13EB-6660-0D49-BC58-C9A7DD7F6F15}"/>
+                <a16:creationId xmlns:a16="http://schemas.microsoft.com/office/drawing/2014/main" id="{DEDD13EB-6660-0D49-BC58-C9A7DD7F6F15}"/>
               </a:ext>
             </a:extLst>
           </p:cNvPr>
@@ -26319,7 +26235,7 @@
           <p:cNvPr id="44" name="Oval 43">
             <a:extLst>
               <a:ext uri="{FF2B5EF4-FFF2-40B4-BE49-F238E27FC236}">
-                <a16:creationId xmlns:a16="http://schemas.microsoft.com/office/drawing/2014/main" xmlns="" id="{1494AF86-CD17-AF46-937C-31D448FA2D77}"/>
+                <a16:creationId xmlns:a16="http://schemas.microsoft.com/office/drawing/2014/main" id="{1494AF86-CD17-AF46-937C-31D448FA2D77}"/>
               </a:ext>
             </a:extLst>
           </p:cNvPr>
@@ -26372,7 +26288,7 @@
           <p:cNvPr id="45" name="Picture Placeholder 4">
             <a:extLst>
               <a:ext uri="{FF2B5EF4-FFF2-40B4-BE49-F238E27FC236}">
-                <a16:creationId xmlns:a16="http://schemas.microsoft.com/office/drawing/2014/main" xmlns="" id="{363B9D27-B811-F94A-B596-AB9D92866735}"/>
+                <a16:creationId xmlns:a16="http://schemas.microsoft.com/office/drawing/2014/main" id="{363B9D27-B811-F94A-B596-AB9D92866735}"/>
               </a:ext>
             </a:extLst>
           </p:cNvPr>
@@ -26417,7 +26333,7 @@
           <p:cNvPr id="54" name="Content Placeholder 6">
             <a:extLst>
               <a:ext uri="{FF2B5EF4-FFF2-40B4-BE49-F238E27FC236}">
-                <a16:creationId xmlns:a16="http://schemas.microsoft.com/office/drawing/2014/main" xmlns="" id="{ED7FB2A8-B744-6946-9ED2-B59217BCB6CA}"/>
+                <a16:creationId xmlns:a16="http://schemas.microsoft.com/office/drawing/2014/main" id="{ED7FB2A8-B744-6946-9ED2-B59217BCB6CA}"/>
               </a:ext>
             </a:extLst>
           </p:cNvPr>
@@ -26478,7 +26394,7 @@
           <p:cNvPr id="55" name="Content Placeholder 6">
             <a:extLst>
               <a:ext uri="{FF2B5EF4-FFF2-40B4-BE49-F238E27FC236}">
-                <a16:creationId xmlns:a16="http://schemas.microsoft.com/office/drawing/2014/main" xmlns="" id="{5AC59FCF-E5F7-A74A-8A68-8BFB121C9F6B}"/>
+                <a16:creationId xmlns:a16="http://schemas.microsoft.com/office/drawing/2014/main" id="{5AC59FCF-E5F7-A74A-8A68-8BFB121C9F6B}"/>
               </a:ext>
             </a:extLst>
           </p:cNvPr>
@@ -26539,7 +26455,7 @@
           <p:cNvPr id="56" name="Oval 55">
             <a:extLst>
               <a:ext uri="{FF2B5EF4-FFF2-40B4-BE49-F238E27FC236}">
-                <a16:creationId xmlns:a16="http://schemas.microsoft.com/office/drawing/2014/main" xmlns="" id="{D8A4C361-73D2-8943-95C5-945414C71588}"/>
+                <a16:creationId xmlns:a16="http://schemas.microsoft.com/office/drawing/2014/main" id="{D8A4C361-73D2-8943-95C5-945414C71588}"/>
               </a:ext>
             </a:extLst>
           </p:cNvPr>
@@ -26592,7 +26508,7 @@
           <p:cNvPr id="57" name="Picture Placeholder 4">
             <a:extLst>
               <a:ext uri="{FF2B5EF4-FFF2-40B4-BE49-F238E27FC236}">
-                <a16:creationId xmlns:a16="http://schemas.microsoft.com/office/drawing/2014/main" xmlns="" id="{D6C69307-ED1E-0C42-B470-8C4C1C2558B5}"/>
+                <a16:creationId xmlns:a16="http://schemas.microsoft.com/office/drawing/2014/main" id="{D6C69307-ED1E-0C42-B470-8C4C1C2558B5}"/>
               </a:ext>
             </a:extLst>
           </p:cNvPr>
@@ -26637,7 +26553,7 @@
           <p:cNvPr id="58" name="Content Placeholder 6">
             <a:extLst>
               <a:ext uri="{FF2B5EF4-FFF2-40B4-BE49-F238E27FC236}">
-                <a16:creationId xmlns:a16="http://schemas.microsoft.com/office/drawing/2014/main" xmlns="" id="{8014838B-3EF1-A241-BFD5-3DB9CBE0F340}"/>
+                <a16:creationId xmlns:a16="http://schemas.microsoft.com/office/drawing/2014/main" id="{8014838B-3EF1-A241-BFD5-3DB9CBE0F340}"/>
               </a:ext>
             </a:extLst>
           </p:cNvPr>
@@ -26698,7 +26614,7 @@
           <p:cNvPr id="59" name="Content Placeholder 6">
             <a:extLst>
               <a:ext uri="{FF2B5EF4-FFF2-40B4-BE49-F238E27FC236}">
-                <a16:creationId xmlns:a16="http://schemas.microsoft.com/office/drawing/2014/main" xmlns="" id="{FB282532-0B6E-8841-BEC3-C8D9B470EA6C}"/>
+                <a16:creationId xmlns:a16="http://schemas.microsoft.com/office/drawing/2014/main" id="{FB282532-0B6E-8841-BEC3-C8D9B470EA6C}"/>
               </a:ext>
             </a:extLst>
           </p:cNvPr>
@@ -26759,7 +26675,7 @@
           <p:cNvPr id="60" name="Oval 59">
             <a:extLst>
               <a:ext uri="{FF2B5EF4-FFF2-40B4-BE49-F238E27FC236}">
-                <a16:creationId xmlns:a16="http://schemas.microsoft.com/office/drawing/2014/main" xmlns="" id="{45B636FF-29DD-0E48-82E3-0B22C337D07F}"/>
+                <a16:creationId xmlns:a16="http://schemas.microsoft.com/office/drawing/2014/main" id="{45B636FF-29DD-0E48-82E3-0B22C337D07F}"/>
               </a:ext>
             </a:extLst>
           </p:cNvPr>
@@ -26812,7 +26728,7 @@
           <p:cNvPr id="61" name="Picture Placeholder 4">
             <a:extLst>
               <a:ext uri="{FF2B5EF4-FFF2-40B4-BE49-F238E27FC236}">
-                <a16:creationId xmlns:a16="http://schemas.microsoft.com/office/drawing/2014/main" xmlns="" id="{1059853C-F902-F646-98A1-66B57FE5D40F}"/>
+                <a16:creationId xmlns:a16="http://schemas.microsoft.com/office/drawing/2014/main" id="{1059853C-F902-F646-98A1-66B57FE5D40F}"/>
               </a:ext>
             </a:extLst>
           </p:cNvPr>
@@ -26857,7 +26773,7 @@
           <p:cNvPr id="62" name="Content Placeholder 6">
             <a:extLst>
               <a:ext uri="{FF2B5EF4-FFF2-40B4-BE49-F238E27FC236}">
-                <a16:creationId xmlns:a16="http://schemas.microsoft.com/office/drawing/2014/main" xmlns="" id="{1A54322A-9FCE-9645-9E41-5CE7AF3C62B3}"/>
+                <a16:creationId xmlns:a16="http://schemas.microsoft.com/office/drawing/2014/main" id="{1A54322A-9FCE-9645-9E41-5CE7AF3C62B3}"/>
               </a:ext>
             </a:extLst>
           </p:cNvPr>
@@ -26918,7 +26834,7 @@
           <p:cNvPr id="63" name="Content Placeholder 6">
             <a:extLst>
               <a:ext uri="{FF2B5EF4-FFF2-40B4-BE49-F238E27FC236}">
-                <a16:creationId xmlns:a16="http://schemas.microsoft.com/office/drawing/2014/main" xmlns="" id="{DAAC6976-3EB5-F74F-AC24-80348243078E}"/>
+                <a16:creationId xmlns:a16="http://schemas.microsoft.com/office/drawing/2014/main" id="{DAAC6976-3EB5-F74F-AC24-80348243078E}"/>
               </a:ext>
             </a:extLst>
           </p:cNvPr>
@@ -26979,7 +26895,7 @@
           <p:cNvPr id="64" name="Oval 63">
             <a:extLst>
               <a:ext uri="{FF2B5EF4-FFF2-40B4-BE49-F238E27FC236}">
-                <a16:creationId xmlns:a16="http://schemas.microsoft.com/office/drawing/2014/main" xmlns="" id="{2DC5EE37-846E-D847-ADF6-4E35BB9ED5C2}"/>
+                <a16:creationId xmlns:a16="http://schemas.microsoft.com/office/drawing/2014/main" id="{2DC5EE37-846E-D847-ADF6-4E35BB9ED5C2}"/>
               </a:ext>
             </a:extLst>
           </p:cNvPr>
@@ -27032,7 +26948,7 @@
           <p:cNvPr id="65" name="Picture Placeholder 4">
             <a:extLst>
               <a:ext uri="{FF2B5EF4-FFF2-40B4-BE49-F238E27FC236}">
-                <a16:creationId xmlns:a16="http://schemas.microsoft.com/office/drawing/2014/main" xmlns="" id="{96462F1B-EF23-654F-90F5-478FFE8E78A4}"/>
+                <a16:creationId xmlns:a16="http://schemas.microsoft.com/office/drawing/2014/main" id="{96462F1B-EF23-654F-90F5-478FFE8E78A4}"/>
               </a:ext>
             </a:extLst>
           </p:cNvPr>
@@ -27074,9 +26990,7 @@
       </p:sp>
       <p:sp>
         <p:nvSpPr>
-          <p:cNvPr id="23" name="Date Placeholder 14">
-            <a:extLst/>
-          </p:cNvPr>
+          <p:cNvPr id="23" name="Date Placeholder 14"/>
           <p:cNvSpPr>
             <a:spLocks noGrp="1"/>
           </p:cNvSpPr>
@@ -27107,7 +27021,7 @@
           <a:p>
             <a:fld id="{F0C99D87-AFAD-4B11-8D22-9469FA50E3E6}" type="datetime1">
               <a:rPr lang="en-US" smtClean="0"/>
-              <a:t>8/15/2019</a:t>
+              <a:t>2/13/2023</a:t>
             </a:fld>
             <a:endParaRPr lang="en-US" dirty="0"/>
           </a:p>
@@ -27115,9 +27029,7 @@
       </p:sp>
       <p:sp>
         <p:nvSpPr>
-          <p:cNvPr id="24" name="Slide Number Placeholder 6">
-            <a:extLst/>
-          </p:cNvPr>
+          <p:cNvPr id="24" name="Slide Number Placeholder 6"/>
           <p:cNvSpPr>
             <a:spLocks noGrp="1"/>
           </p:cNvSpPr>
@@ -27571,7 +27483,7 @@
           <p:cNvPr id="2" name="Title 1">
             <a:extLst>
               <a:ext uri="{FF2B5EF4-FFF2-40B4-BE49-F238E27FC236}">
-                <a16:creationId xmlns:a16="http://schemas.microsoft.com/office/drawing/2014/main" xmlns="" id="{970DC997-9FB6-D045-9852-6C2F156B7477}"/>
+                <a16:creationId xmlns:a16="http://schemas.microsoft.com/office/drawing/2014/main" id="{970DC997-9FB6-D045-9852-6C2F156B7477}"/>
               </a:ext>
             </a:extLst>
           </p:cNvPr>
@@ -27614,7 +27526,7 @@
           <p:cNvPr id="14" name="Rectangle 13">
             <a:extLst>
               <a:ext uri="{FF2B5EF4-FFF2-40B4-BE49-F238E27FC236}">
-                <a16:creationId xmlns:a16="http://schemas.microsoft.com/office/drawing/2014/main" xmlns="" id="{8DCDF801-7226-F043-807D-FCFC7CCBCF2C}"/>
+                <a16:creationId xmlns:a16="http://schemas.microsoft.com/office/drawing/2014/main" id="{8DCDF801-7226-F043-807D-FCFC7CCBCF2C}"/>
               </a:ext>
             </a:extLst>
           </p:cNvPr>
@@ -27668,7 +27580,7 @@
           <p:cNvPr id="121" name="Rectangle 120">
             <a:extLst>
               <a:ext uri="{FF2B5EF4-FFF2-40B4-BE49-F238E27FC236}">
-                <a16:creationId xmlns:a16="http://schemas.microsoft.com/office/drawing/2014/main" xmlns="" id="{701AB268-57B2-794B-85C6-4AF929228007}"/>
+                <a16:creationId xmlns:a16="http://schemas.microsoft.com/office/drawing/2014/main" id="{701AB268-57B2-794B-85C6-4AF929228007}"/>
               </a:ext>
             </a:extLst>
           </p:cNvPr>
@@ -27722,7 +27634,7 @@
           <p:cNvPr id="16" name="Picture Placeholder 15">
             <a:extLst>
               <a:ext uri="{FF2B5EF4-FFF2-40B4-BE49-F238E27FC236}">
-                <a16:creationId xmlns:a16="http://schemas.microsoft.com/office/drawing/2014/main" xmlns="" id="{AFC2DADD-C3AD-D84B-A33D-2CA55BD94EBD}"/>
+                <a16:creationId xmlns:a16="http://schemas.microsoft.com/office/drawing/2014/main" id="{AFC2DADD-C3AD-D84B-A33D-2CA55BD94EBD}"/>
               </a:ext>
             </a:extLst>
           </p:cNvPr>
@@ -27780,7 +27692,7 @@
           <p:cNvPr id="18" name="Text Placeholder 17">
             <a:extLst>
               <a:ext uri="{FF2B5EF4-FFF2-40B4-BE49-F238E27FC236}">
-                <a16:creationId xmlns:a16="http://schemas.microsoft.com/office/drawing/2014/main" xmlns="" id="{FF8BFB5D-0B99-604B-BE7B-90B448DE5C59}"/>
+                <a16:creationId xmlns:a16="http://schemas.microsoft.com/office/drawing/2014/main" id="{FF8BFB5D-0B99-604B-BE7B-90B448DE5C59}"/>
               </a:ext>
             </a:extLst>
           </p:cNvPr>
@@ -27889,7 +27801,7 @@
           <p:cNvPr id="20" name="Content Placeholder 19">
             <a:extLst>
               <a:ext uri="{FF2B5EF4-FFF2-40B4-BE49-F238E27FC236}">
-                <a16:creationId xmlns:a16="http://schemas.microsoft.com/office/drawing/2014/main" xmlns="" id="{86E77C1E-36DB-5746-9E37-2A000174794B}"/>
+                <a16:creationId xmlns:a16="http://schemas.microsoft.com/office/drawing/2014/main" id="{86E77C1E-36DB-5746-9E37-2A000174794B}"/>
               </a:ext>
             </a:extLst>
           </p:cNvPr>
@@ -27975,7 +27887,7 @@
           <p:cNvPr id="139" name="Rectangle 138">
             <a:extLst>
               <a:ext uri="{FF2B5EF4-FFF2-40B4-BE49-F238E27FC236}">
-                <a16:creationId xmlns:a16="http://schemas.microsoft.com/office/drawing/2014/main" xmlns="" id="{24A82334-50D2-6545-8402-73E577956B06}"/>
+                <a16:creationId xmlns:a16="http://schemas.microsoft.com/office/drawing/2014/main" id="{24A82334-50D2-6545-8402-73E577956B06}"/>
               </a:ext>
             </a:extLst>
           </p:cNvPr>
@@ -28029,7 +27941,7 @@
           <p:cNvPr id="140" name="Rectangle 139">
             <a:extLst>
               <a:ext uri="{FF2B5EF4-FFF2-40B4-BE49-F238E27FC236}">
-                <a16:creationId xmlns:a16="http://schemas.microsoft.com/office/drawing/2014/main" xmlns="" id="{80D6DCA8-3567-7B48-B645-33DFD5B260FC}"/>
+                <a16:creationId xmlns:a16="http://schemas.microsoft.com/office/drawing/2014/main" id="{80D6DCA8-3567-7B48-B645-33DFD5B260FC}"/>
               </a:ext>
             </a:extLst>
           </p:cNvPr>
@@ -28083,7 +27995,7 @@
           <p:cNvPr id="141" name="Picture Placeholder 15">
             <a:extLst>
               <a:ext uri="{FF2B5EF4-FFF2-40B4-BE49-F238E27FC236}">
-                <a16:creationId xmlns:a16="http://schemas.microsoft.com/office/drawing/2014/main" xmlns="" id="{FC5C4ABB-169E-5545-9F16-ECB477C13384}"/>
+                <a16:creationId xmlns:a16="http://schemas.microsoft.com/office/drawing/2014/main" id="{FC5C4ABB-169E-5545-9F16-ECB477C13384}"/>
               </a:ext>
             </a:extLst>
           </p:cNvPr>
@@ -28161,7 +28073,7 @@
           <p:cNvPr id="142" name="Text Placeholder 17">
             <a:extLst>
               <a:ext uri="{FF2B5EF4-FFF2-40B4-BE49-F238E27FC236}">
-                <a16:creationId xmlns:a16="http://schemas.microsoft.com/office/drawing/2014/main" xmlns="" id="{F47FD92D-718E-A041-B7FD-A13778B21B11}"/>
+                <a16:creationId xmlns:a16="http://schemas.microsoft.com/office/drawing/2014/main" id="{F47FD92D-718E-A041-B7FD-A13778B21B11}"/>
               </a:ext>
             </a:extLst>
           </p:cNvPr>
@@ -28270,7 +28182,7 @@
           <p:cNvPr id="143" name="Content Placeholder 19">
             <a:extLst>
               <a:ext uri="{FF2B5EF4-FFF2-40B4-BE49-F238E27FC236}">
-                <a16:creationId xmlns:a16="http://schemas.microsoft.com/office/drawing/2014/main" xmlns="" id="{E50A98A2-B02B-7D41-A872-3CF12E3E210E}"/>
+                <a16:creationId xmlns:a16="http://schemas.microsoft.com/office/drawing/2014/main" id="{E50A98A2-B02B-7D41-A872-3CF12E3E210E}"/>
               </a:ext>
             </a:extLst>
           </p:cNvPr>
@@ -28356,7 +28268,7 @@
           <p:cNvPr id="144" name="Rectangle 143">
             <a:extLst>
               <a:ext uri="{FF2B5EF4-FFF2-40B4-BE49-F238E27FC236}">
-                <a16:creationId xmlns:a16="http://schemas.microsoft.com/office/drawing/2014/main" xmlns="" id="{322FE3A6-CBCB-FD46-A2F2-B3FD45610C75}"/>
+                <a16:creationId xmlns:a16="http://schemas.microsoft.com/office/drawing/2014/main" id="{322FE3A6-CBCB-FD46-A2F2-B3FD45610C75}"/>
               </a:ext>
             </a:extLst>
           </p:cNvPr>
@@ -28410,7 +28322,7 @@
           <p:cNvPr id="145" name="Rectangle 144">
             <a:extLst>
               <a:ext uri="{FF2B5EF4-FFF2-40B4-BE49-F238E27FC236}">
-                <a16:creationId xmlns:a16="http://schemas.microsoft.com/office/drawing/2014/main" xmlns="" id="{CCE8A42B-044D-9B4C-80D8-8514ED46601D}"/>
+                <a16:creationId xmlns:a16="http://schemas.microsoft.com/office/drawing/2014/main" id="{CCE8A42B-044D-9B4C-80D8-8514ED46601D}"/>
               </a:ext>
             </a:extLst>
           </p:cNvPr>
@@ -28464,7 +28376,7 @@
           <p:cNvPr id="146" name="Picture Placeholder 15">
             <a:extLst>
               <a:ext uri="{FF2B5EF4-FFF2-40B4-BE49-F238E27FC236}">
-                <a16:creationId xmlns:a16="http://schemas.microsoft.com/office/drawing/2014/main" xmlns="" id="{928BF688-53D9-F24E-94AA-45587254B181}"/>
+                <a16:creationId xmlns:a16="http://schemas.microsoft.com/office/drawing/2014/main" id="{928BF688-53D9-F24E-94AA-45587254B181}"/>
               </a:ext>
             </a:extLst>
           </p:cNvPr>
@@ -28542,7 +28454,7 @@
           <p:cNvPr id="147" name="Text Placeholder 17">
             <a:extLst>
               <a:ext uri="{FF2B5EF4-FFF2-40B4-BE49-F238E27FC236}">
-                <a16:creationId xmlns:a16="http://schemas.microsoft.com/office/drawing/2014/main" xmlns="" id="{7D5C2D69-8440-1D45-AD60-4604AFE569C8}"/>
+                <a16:creationId xmlns:a16="http://schemas.microsoft.com/office/drawing/2014/main" id="{7D5C2D69-8440-1D45-AD60-4604AFE569C8}"/>
               </a:ext>
             </a:extLst>
           </p:cNvPr>
@@ -28651,7 +28563,7 @@
           <p:cNvPr id="148" name="Content Placeholder 19">
             <a:extLst>
               <a:ext uri="{FF2B5EF4-FFF2-40B4-BE49-F238E27FC236}">
-                <a16:creationId xmlns:a16="http://schemas.microsoft.com/office/drawing/2014/main" xmlns="" id="{0C94B147-24BC-DF4B-957E-89C0BEF11D91}"/>
+                <a16:creationId xmlns:a16="http://schemas.microsoft.com/office/drawing/2014/main" id="{0C94B147-24BC-DF4B-957E-89C0BEF11D91}"/>
               </a:ext>
             </a:extLst>
           </p:cNvPr>
@@ -28737,7 +28649,7 @@
           <p:cNvPr id="149" name="Straight Connector 148">
             <a:extLst>
               <a:ext uri="{FF2B5EF4-FFF2-40B4-BE49-F238E27FC236}">
-                <a16:creationId xmlns:a16="http://schemas.microsoft.com/office/drawing/2014/main" xmlns="" id="{60D7F3F1-1A67-6243-A48A-89DD1EDA958F}"/>
+                <a16:creationId xmlns:a16="http://schemas.microsoft.com/office/drawing/2014/main" id="{60D7F3F1-1A67-6243-A48A-89DD1EDA958F}"/>
               </a:ext>
             </a:extLst>
           </p:cNvPr>
@@ -28777,9 +28689,7 @@
       </p:cxnSp>
       <p:sp>
         <p:nvSpPr>
-          <p:cNvPr id="21" name="Date Placeholder 14">
-            <a:extLst/>
-          </p:cNvPr>
+          <p:cNvPr id="21" name="Date Placeholder 14"/>
           <p:cNvSpPr>
             <a:spLocks noGrp="1"/>
           </p:cNvSpPr>
@@ -28810,7 +28720,7 @@
           <a:p>
             <a:fld id="{F0C99D87-AFAD-4B11-8D22-9469FA50E3E6}" type="datetime1">
               <a:rPr lang="en-US" smtClean="0"/>
-              <a:t>8/15/2019</a:t>
+              <a:t>2/13/2023</a:t>
             </a:fld>
             <a:endParaRPr lang="en-US" dirty="0"/>
           </a:p>
@@ -28818,9 +28728,7 @@
       </p:sp>
       <p:sp>
         <p:nvSpPr>
-          <p:cNvPr id="22" name="Slide Number Placeholder 6">
-            <a:extLst/>
-          </p:cNvPr>
+          <p:cNvPr id="22" name="Slide Number Placeholder 6"/>
           <p:cNvSpPr>
             <a:spLocks noGrp="1"/>
           </p:cNvSpPr>
@@ -28905,7 +28813,7 @@
           <p:cNvPr id="7" name="Rectangle 6">
             <a:extLst>
               <a:ext uri="{FF2B5EF4-FFF2-40B4-BE49-F238E27FC236}">
-                <a16:creationId xmlns:a16="http://schemas.microsoft.com/office/drawing/2014/main" xmlns="" id="{899BBD82-F2F3-1842-9AB0-CC221A9C48C6}"/>
+                <a16:creationId xmlns:a16="http://schemas.microsoft.com/office/drawing/2014/main" id="{899BBD82-F2F3-1842-9AB0-CC221A9C48C6}"/>
               </a:ext>
             </a:extLst>
           </p:cNvPr>
@@ -28964,7 +28872,7 @@
           <p:cNvPr id="18" name="Text Placeholder 17">
             <a:extLst>
               <a:ext uri="{FF2B5EF4-FFF2-40B4-BE49-F238E27FC236}">
-                <a16:creationId xmlns:a16="http://schemas.microsoft.com/office/drawing/2014/main" xmlns="" id="{069D40B6-6B9C-3F46-A7AA-9DAEC04FD677}"/>
+                <a16:creationId xmlns:a16="http://schemas.microsoft.com/office/drawing/2014/main" id="{069D40B6-6B9C-3F46-A7AA-9DAEC04FD677}"/>
               </a:ext>
             </a:extLst>
           </p:cNvPr>
@@ -29031,7 +28939,7 @@
           <p:cNvPr id="3" name="Picture 2">
             <a:extLst>
               <a:ext uri="{FF2B5EF4-FFF2-40B4-BE49-F238E27FC236}">
-                <a16:creationId xmlns:a16="http://schemas.microsoft.com/office/drawing/2014/main" xmlns="" id="{B3DF0AD6-0B2E-544C-B992-3D2F7D60DECD}"/>
+                <a16:creationId xmlns:a16="http://schemas.microsoft.com/office/drawing/2014/main" id="{B3DF0AD6-0B2E-544C-B992-3D2F7D60DECD}"/>
               </a:ext>
             </a:extLst>
           </p:cNvPr>
@@ -29066,7 +28974,7 @@
           <p:cNvPr id="2" name="TextBox 1">
             <a:extLst>
               <a:ext uri="{FF2B5EF4-FFF2-40B4-BE49-F238E27FC236}">
-                <a16:creationId xmlns:a16="http://schemas.microsoft.com/office/drawing/2014/main" xmlns="" id="{895B60B6-703F-5A41-91C4-7AAA65F8E721}"/>
+                <a16:creationId xmlns:a16="http://schemas.microsoft.com/office/drawing/2014/main" id="{895B60B6-703F-5A41-91C4-7AAA65F8E721}"/>
               </a:ext>
             </a:extLst>
           </p:cNvPr>
@@ -29250,7 +29158,7 @@
           <p:cNvPr id="8" name="TextBox 7">
             <a:extLst>
               <a:ext uri="{FF2B5EF4-FFF2-40B4-BE49-F238E27FC236}">
-                <a16:creationId xmlns:a16="http://schemas.microsoft.com/office/drawing/2014/main" xmlns="" id="{1347B09E-7834-DA4F-8069-D23F00934E41}"/>
+                <a16:creationId xmlns:a16="http://schemas.microsoft.com/office/drawing/2014/main" id="{1347B09E-7834-DA4F-8069-D23F00934E41}"/>
               </a:ext>
             </a:extLst>
           </p:cNvPr>
@@ -29368,7 +29276,7 @@
           <p:cNvPr id="6" name="Picture Placeholder 6" descr="2.jpg">
             <a:extLst>
               <a:ext uri="{FF2B5EF4-FFF2-40B4-BE49-F238E27FC236}">
-                <a16:creationId xmlns:a16="http://schemas.microsoft.com/office/drawing/2014/main" xmlns="" id="{814860D1-BA3F-8249-9014-FA50AC5991FC}"/>
+                <a16:creationId xmlns:a16="http://schemas.microsoft.com/office/drawing/2014/main" id="{814860D1-BA3F-8249-9014-FA50AC5991FC}"/>
               </a:ext>
             </a:extLst>
           </p:cNvPr>
@@ -29405,7 +29313,7 @@
           <p:cNvPr id="7" name="Rounded Rectangle 6">
             <a:extLst>
               <a:ext uri="{FF2B5EF4-FFF2-40B4-BE49-F238E27FC236}">
-                <a16:creationId xmlns:a16="http://schemas.microsoft.com/office/drawing/2014/main" xmlns="" id="{972D545C-E698-A945-847B-35CFA1D61EB3}"/>
+                <a16:creationId xmlns:a16="http://schemas.microsoft.com/office/drawing/2014/main" id="{972D545C-E698-A945-847B-35CFA1D61EB3}"/>
               </a:ext>
             </a:extLst>
           </p:cNvPr>
@@ -29460,7 +29368,7 @@
           <p:cNvPr id="8" name="Rounded Rectangle 7">
             <a:extLst>
               <a:ext uri="{FF2B5EF4-FFF2-40B4-BE49-F238E27FC236}">
-                <a16:creationId xmlns:a16="http://schemas.microsoft.com/office/drawing/2014/main" xmlns="" id="{F6592730-9082-0D48-B742-1A4991DFD08B}"/>
+                <a16:creationId xmlns:a16="http://schemas.microsoft.com/office/drawing/2014/main" id="{F6592730-9082-0D48-B742-1A4991DFD08B}"/>
               </a:ext>
             </a:extLst>
           </p:cNvPr>
@@ -29524,7 +29432,7 @@
           <p:cNvPr id="9" name="Rounded Rectangle 8">
             <a:extLst>
               <a:ext uri="{FF2B5EF4-FFF2-40B4-BE49-F238E27FC236}">
-                <a16:creationId xmlns:a16="http://schemas.microsoft.com/office/drawing/2014/main" xmlns="" id="{E5460C34-646D-E545-A724-7D37328FCD8B}"/>
+                <a16:creationId xmlns:a16="http://schemas.microsoft.com/office/drawing/2014/main" id="{E5460C34-646D-E545-A724-7D37328FCD8B}"/>
               </a:ext>
             </a:extLst>
           </p:cNvPr>
@@ -29585,7 +29493,7 @@
           <p:cNvPr id="19" name="Text Placeholder 5">
             <a:extLst>
               <a:ext uri="{FF2B5EF4-FFF2-40B4-BE49-F238E27FC236}">
-                <a16:creationId xmlns:a16="http://schemas.microsoft.com/office/drawing/2014/main" xmlns="" id="{264AE598-F519-EC48-B46B-53072B7D7840}"/>
+                <a16:creationId xmlns:a16="http://schemas.microsoft.com/office/drawing/2014/main" id="{264AE598-F519-EC48-B46B-53072B7D7840}"/>
               </a:ext>
             </a:extLst>
           </p:cNvPr>
@@ -29794,7 +29702,7 @@
           <p:cNvPr id="20" name="Text Placeholder 5">
             <a:extLst>
               <a:ext uri="{FF2B5EF4-FFF2-40B4-BE49-F238E27FC236}">
-                <a16:creationId xmlns:a16="http://schemas.microsoft.com/office/drawing/2014/main" xmlns="" id="{A3F209CD-3E6C-DB45-8E51-E1C8DE39EBBA}"/>
+                <a16:creationId xmlns:a16="http://schemas.microsoft.com/office/drawing/2014/main" id="{A3F209CD-3E6C-DB45-8E51-E1C8DE39EBBA}"/>
               </a:ext>
             </a:extLst>
           </p:cNvPr>
@@ -30002,7 +29910,7 @@
           <p:cNvPr id="21" name="Picture 20">
             <a:extLst>
               <a:ext uri="{FF2B5EF4-FFF2-40B4-BE49-F238E27FC236}">
-                <a16:creationId xmlns:a16="http://schemas.microsoft.com/office/drawing/2014/main" xmlns="" id="{0E1FD598-B273-A749-8E53-C3679F79E367}"/>
+                <a16:creationId xmlns:a16="http://schemas.microsoft.com/office/drawing/2014/main" id="{0E1FD598-B273-A749-8E53-C3679F79E367}"/>
               </a:ext>
             </a:extLst>
           </p:cNvPr>
@@ -30031,7 +29939,7 @@
           <p:cNvPr id="22" name="Content Placeholder 21">
             <a:extLst>
               <a:ext uri="{FF2B5EF4-FFF2-40B4-BE49-F238E27FC236}">
-                <a16:creationId xmlns:a16="http://schemas.microsoft.com/office/drawing/2014/main" xmlns="" id="{66CA826B-6C53-F94A-8E50-3D5B53C75395}"/>
+                <a16:creationId xmlns:a16="http://schemas.microsoft.com/office/drawing/2014/main" id="{66CA826B-6C53-F94A-8E50-3D5B53C75395}"/>
               </a:ext>
             </a:extLst>
           </p:cNvPr>
@@ -30095,7 +30003,7 @@
           <p:cNvPr id="24" name="Content Placeholder 21">
             <a:extLst>
               <a:ext uri="{FF2B5EF4-FFF2-40B4-BE49-F238E27FC236}">
-                <a16:creationId xmlns:a16="http://schemas.microsoft.com/office/drawing/2014/main" xmlns="" id="{3DE5018B-D1CC-5447-85EA-EC7D47CAA95B}"/>
+                <a16:creationId xmlns:a16="http://schemas.microsoft.com/office/drawing/2014/main" id="{3DE5018B-D1CC-5447-85EA-EC7D47CAA95B}"/>
               </a:ext>
             </a:extLst>
           </p:cNvPr>
@@ -30160,7 +30068,7 @@
           <p:cNvPr id="10" name="Straight Connector 9">
             <a:extLst>
               <a:ext uri="{FF2B5EF4-FFF2-40B4-BE49-F238E27FC236}">
-                <a16:creationId xmlns:a16="http://schemas.microsoft.com/office/drawing/2014/main" xmlns="" id="{0D31820A-DD73-7E4D-B283-9AB9C85B3AB6}"/>
+                <a16:creationId xmlns:a16="http://schemas.microsoft.com/office/drawing/2014/main" id="{0D31820A-DD73-7E4D-B283-9AB9C85B3AB6}"/>
               </a:ext>
             </a:extLst>
           </p:cNvPr>
@@ -30205,7 +30113,7 @@
           <p:cNvPr id="11" name="Straight Connector 10">
             <a:extLst>
               <a:ext uri="{FF2B5EF4-FFF2-40B4-BE49-F238E27FC236}">
-                <a16:creationId xmlns:a16="http://schemas.microsoft.com/office/drawing/2014/main" xmlns="" id="{573A9758-1889-534B-A91C-E1CF96566C0E}"/>
+                <a16:creationId xmlns:a16="http://schemas.microsoft.com/office/drawing/2014/main" id="{573A9758-1889-534B-A91C-E1CF96566C0E}"/>
               </a:ext>
             </a:extLst>
           </p:cNvPr>
@@ -30251,7 +30159,7 @@
             <a:hlinkClick r:id="rId4"/>
             <a:extLst>
               <a:ext uri="{FF2B5EF4-FFF2-40B4-BE49-F238E27FC236}">
-                <a16:creationId xmlns:a16="http://schemas.microsoft.com/office/drawing/2014/main" xmlns="" id="{8831CF71-0BF3-8D4D-99EA-11A06B5F5294}"/>
+                <a16:creationId xmlns:a16="http://schemas.microsoft.com/office/drawing/2014/main" id="{8831CF71-0BF3-8D4D-99EA-11A06B5F5294}"/>
               </a:ext>
             </a:extLst>
           </p:cNvPr>
@@ -30264,7 +30172,7 @@
           <a:blip r:embed="rId5">
             <a:extLst>
               <a:ext uri="{96DAC541-7B7A-43D3-8B79-37D633B846F1}">
-                <asvg:svgBlip xmlns:asvg="http://schemas.microsoft.com/office/drawing/2016/SVG/main" xmlns="" r:embed="rId6"/>
+                <asvg:svgBlip xmlns:asvg="http://schemas.microsoft.com/office/drawing/2016/SVG/main" r:embed="rId6"/>
               </a:ext>
             </a:extLst>
           </a:blip>
@@ -30287,7 +30195,7 @@
           <p:cNvPr id="3" name="Text Placeholder 2">
             <a:extLst>
               <a:ext uri="{FF2B5EF4-FFF2-40B4-BE49-F238E27FC236}">
-                <a16:creationId xmlns:a16="http://schemas.microsoft.com/office/drawing/2014/main" xmlns="" id="{D3256AB7-BF80-7048-815F-A1D51B0A27FC}"/>
+                <a16:creationId xmlns:a16="http://schemas.microsoft.com/office/drawing/2014/main" id="{D3256AB7-BF80-7048-815F-A1D51B0A27FC}"/>
               </a:ext>
             </a:extLst>
           </p:cNvPr>
@@ -30365,7 +30273,7 @@
           <p:cNvPr id="5" name="Picture Placeholder 4">
             <a:extLst>
               <a:ext uri="{FF2B5EF4-FFF2-40B4-BE49-F238E27FC236}">
-                <a16:creationId xmlns:a16="http://schemas.microsoft.com/office/drawing/2014/main" xmlns="" id="{E26FFB31-183E-1A45-A793-BF684D65704D}"/>
+                <a16:creationId xmlns:a16="http://schemas.microsoft.com/office/drawing/2014/main" id="{E26FFB31-183E-1A45-A793-BF684D65704D}"/>
               </a:ext>
             </a:extLst>
           </p:cNvPr>
@@ -30407,7 +30315,7 @@
             <a:hlinkClick r:id="rId7"/>
             <a:extLst>
               <a:ext uri="{FF2B5EF4-FFF2-40B4-BE49-F238E27FC236}">
-                <a16:creationId xmlns:a16="http://schemas.microsoft.com/office/drawing/2014/main" xmlns="" id="{EC6F4EF2-E475-B144-86D2-DF5D92BF755C}"/>
+                <a16:creationId xmlns:a16="http://schemas.microsoft.com/office/drawing/2014/main" id="{EC6F4EF2-E475-B144-86D2-DF5D92BF755C}"/>
               </a:ext>
             </a:extLst>
           </p:cNvPr>
@@ -30420,7 +30328,7 @@
           <a:blip r:embed="rId8">
             <a:extLst>
               <a:ext uri="{96DAC541-7B7A-43D3-8B79-37D633B846F1}">
-                <asvg:svgBlip xmlns:asvg="http://schemas.microsoft.com/office/drawing/2016/SVG/main" xmlns="" r:embed="rId9"/>
+                <asvg:svgBlip xmlns:asvg="http://schemas.microsoft.com/office/drawing/2016/SVG/main" r:embed="rId9"/>
               </a:ext>
             </a:extLst>
           </a:blip>
@@ -30444,7 +30352,7 @@
             <a:hlinkClick r:id="rId10"/>
             <a:extLst>
               <a:ext uri="{FF2B5EF4-FFF2-40B4-BE49-F238E27FC236}">
-                <a16:creationId xmlns:a16="http://schemas.microsoft.com/office/drawing/2014/main" xmlns="" id="{B987D016-0AA5-1647-B182-B3E47A11AE3E}"/>
+                <a16:creationId xmlns:a16="http://schemas.microsoft.com/office/drawing/2014/main" id="{B987D016-0AA5-1647-B182-B3E47A11AE3E}"/>
               </a:ext>
             </a:extLst>
           </p:cNvPr>
@@ -30457,7 +30365,7 @@
           <a:blip r:embed="rId11">
             <a:extLst>
               <a:ext uri="{96DAC541-7B7A-43D3-8B79-37D633B846F1}">
-                <asvg:svgBlip xmlns:asvg="http://schemas.microsoft.com/office/drawing/2016/SVG/main" xmlns="" r:embed="rId12"/>
+                <asvg:svgBlip xmlns:asvg="http://schemas.microsoft.com/office/drawing/2016/SVG/main" r:embed="rId12"/>
               </a:ext>
             </a:extLst>
           </a:blip>
@@ -31051,7 +30959,7 @@
           <p:cNvPr id="4" name="Title 3">
             <a:extLst>
               <a:ext uri="{FF2B5EF4-FFF2-40B4-BE49-F238E27FC236}">
-                <a16:creationId xmlns:a16="http://schemas.microsoft.com/office/drawing/2014/main" xmlns="" id="{6301F199-8DFA-4B32-A155-C165D2E1EE92}"/>
+                <a16:creationId xmlns:a16="http://schemas.microsoft.com/office/drawing/2014/main" id="{6301F199-8DFA-4B32-A155-C165D2E1EE92}"/>
               </a:ext>
             </a:extLst>
           </p:cNvPr>
@@ -31098,7 +31006,7 @@
           <p:cNvPr id="5" name="TextBox 4">
             <a:extLst>
               <a:ext uri="{FF2B5EF4-FFF2-40B4-BE49-F238E27FC236}">
-                <a16:creationId xmlns:a16="http://schemas.microsoft.com/office/drawing/2014/main" xmlns="" id="{3A4359F7-4D65-4302-8E17-A9CEBAE0878B}"/>
+                <a16:creationId xmlns:a16="http://schemas.microsoft.com/office/drawing/2014/main" id="{3A4359F7-4D65-4302-8E17-A9CEBAE0878B}"/>
               </a:ext>
             </a:extLst>
           </p:cNvPr>
@@ -31137,7 +31045,7 @@
           <p:cNvPr id="17" name="TextBox 16">
             <a:extLst>
               <a:ext uri="{FF2B5EF4-FFF2-40B4-BE49-F238E27FC236}">
-                <a16:creationId xmlns:a16="http://schemas.microsoft.com/office/drawing/2014/main" xmlns="" id="{E117062F-0EF4-4017-AEE4-696F5CCBAD82}"/>
+                <a16:creationId xmlns:a16="http://schemas.microsoft.com/office/drawing/2014/main" id="{E117062F-0EF4-4017-AEE4-696F5CCBAD82}"/>
               </a:ext>
             </a:extLst>
           </p:cNvPr>
@@ -31182,7 +31090,7 @@
           <p:cNvPr id="7" name="Straight Connector 6">
             <a:extLst>
               <a:ext uri="{FF2B5EF4-FFF2-40B4-BE49-F238E27FC236}">
-                <a16:creationId xmlns:a16="http://schemas.microsoft.com/office/drawing/2014/main" xmlns="" id="{D6C4363B-EC02-4871-9C9B-6E6736588C89}"/>
+                <a16:creationId xmlns:a16="http://schemas.microsoft.com/office/drawing/2014/main" id="{D6C4363B-EC02-4871-9C9B-6E6736588C89}"/>
               </a:ext>
             </a:extLst>
           </p:cNvPr>
@@ -31223,7 +31131,7 @@
           <p:cNvPr id="9" name="TextBox 8">
             <a:extLst>
               <a:ext uri="{FF2B5EF4-FFF2-40B4-BE49-F238E27FC236}">
-                <a16:creationId xmlns:a16="http://schemas.microsoft.com/office/drawing/2014/main" xmlns="" id="{865C9440-CB5B-4827-BE55-C89C95E08BD3}"/>
+                <a16:creationId xmlns:a16="http://schemas.microsoft.com/office/drawing/2014/main" id="{865C9440-CB5B-4827-BE55-C89C95E08BD3}"/>
               </a:ext>
             </a:extLst>
           </p:cNvPr>
@@ -31253,7 +31161,7 @@
                   <a:schemeClr val="bg1"/>
                 </a:solidFill>
               </a:rPr>
-              <a:t>August 15, 2019</a:t>
+              <a:t>February 13, 2023</a:t>
             </a:fld>
             <a:endParaRPr lang="en-US" sz="1000" dirty="0">
               <a:solidFill>
@@ -31315,7 +31223,7 @@
           <p:cNvPr id="8" name="Straight Connector 7">
             <a:extLst>
               <a:ext uri="{FF2B5EF4-FFF2-40B4-BE49-F238E27FC236}">
-                <a16:creationId xmlns:a16="http://schemas.microsoft.com/office/drawing/2014/main" xmlns="" id="{9DC31F21-9582-8245-8ECF-B1ABC72454E1}"/>
+                <a16:creationId xmlns:a16="http://schemas.microsoft.com/office/drawing/2014/main" id="{9DC31F21-9582-8245-8ECF-B1ABC72454E1}"/>
               </a:ext>
             </a:extLst>
           </p:cNvPr>
@@ -31362,7 +31270,7 @@
           <p:cNvPr id="9" name="Content Placeholder 4">
             <a:extLst>
               <a:ext uri="{FF2B5EF4-FFF2-40B4-BE49-F238E27FC236}">
-                <a16:creationId xmlns:a16="http://schemas.microsoft.com/office/drawing/2014/main" xmlns="" id="{187164F7-465F-064F-85B7-9F6D010F4EE2}"/>
+                <a16:creationId xmlns:a16="http://schemas.microsoft.com/office/drawing/2014/main" id="{187164F7-465F-064F-85B7-9F6D010F4EE2}"/>
               </a:ext>
             </a:extLst>
           </p:cNvPr>
@@ -31492,7 +31400,7 @@
           <p:cNvPr id="14" name="Straight Connector 13">
             <a:extLst>
               <a:ext uri="{FF2B5EF4-FFF2-40B4-BE49-F238E27FC236}">
-                <a16:creationId xmlns:a16="http://schemas.microsoft.com/office/drawing/2014/main" xmlns="" id="{21D4628A-B1AC-4841-9E66-F6821160679E}"/>
+                <a16:creationId xmlns:a16="http://schemas.microsoft.com/office/drawing/2014/main" id="{21D4628A-B1AC-4841-9E66-F6821160679E}"/>
               </a:ext>
             </a:extLst>
           </p:cNvPr>
@@ -31539,7 +31447,7 @@
           <p:cNvPr id="15" name="Content Placeholder 4">
             <a:extLst>
               <a:ext uri="{FF2B5EF4-FFF2-40B4-BE49-F238E27FC236}">
-                <a16:creationId xmlns:a16="http://schemas.microsoft.com/office/drawing/2014/main" xmlns="" id="{5EBD051B-9568-44C4-9FCB-BE19E68BD254}"/>
+                <a16:creationId xmlns:a16="http://schemas.microsoft.com/office/drawing/2014/main" id="{5EBD051B-9568-44C4-9FCB-BE19E68BD254}"/>
               </a:ext>
             </a:extLst>
           </p:cNvPr>
@@ -31662,7 +31570,7 @@
           <p:cNvPr id="7" name="Straight Connector 6">
             <a:extLst>
               <a:ext uri="{FF2B5EF4-FFF2-40B4-BE49-F238E27FC236}">
-                <a16:creationId xmlns:a16="http://schemas.microsoft.com/office/drawing/2014/main" xmlns="" id="{8ECA65AC-DD40-481A-BFE2-65329FDE3E86}"/>
+                <a16:creationId xmlns:a16="http://schemas.microsoft.com/office/drawing/2014/main" id="{8ECA65AC-DD40-481A-BFE2-65329FDE3E86}"/>
               </a:ext>
             </a:extLst>
           </p:cNvPr>
@@ -31709,7 +31617,7 @@
           <p:cNvPr id="10" name="Content Placeholder 4">
             <a:extLst>
               <a:ext uri="{FF2B5EF4-FFF2-40B4-BE49-F238E27FC236}">
-                <a16:creationId xmlns:a16="http://schemas.microsoft.com/office/drawing/2014/main" xmlns="" id="{D9C63D07-EA1D-403D-9409-0860A3F4875E}"/>
+                <a16:creationId xmlns:a16="http://schemas.microsoft.com/office/drawing/2014/main" id="{D9C63D07-EA1D-403D-9409-0860A3F4875E}"/>
               </a:ext>
             </a:extLst>
           </p:cNvPr>
@@ -31835,7 +31743,7 @@
           <p:cNvPr id="8" name="Straight Connector 7">
             <a:extLst>
               <a:ext uri="{FF2B5EF4-FFF2-40B4-BE49-F238E27FC236}">
-                <a16:creationId xmlns:a16="http://schemas.microsoft.com/office/drawing/2014/main" xmlns="" id="{71AC6746-0DDB-4F8F-ACBB-1CF4059EAF95}"/>
+                <a16:creationId xmlns:a16="http://schemas.microsoft.com/office/drawing/2014/main" id="{71AC6746-0DDB-4F8F-ACBB-1CF4059EAF95}"/>
               </a:ext>
             </a:extLst>
           </p:cNvPr>
@@ -31882,7 +31790,7 @@
           <p:cNvPr id="9" name="Content Placeholder 4">
             <a:extLst>
               <a:ext uri="{FF2B5EF4-FFF2-40B4-BE49-F238E27FC236}">
-                <a16:creationId xmlns:a16="http://schemas.microsoft.com/office/drawing/2014/main" xmlns="" id="{3F49BA89-69A3-4D64-A8DD-249173941AC6}"/>
+                <a16:creationId xmlns:a16="http://schemas.microsoft.com/office/drawing/2014/main" id="{3F49BA89-69A3-4D64-A8DD-249173941AC6}"/>
               </a:ext>
             </a:extLst>
           </p:cNvPr>
@@ -31999,7 +31907,7 @@
           <p:cNvPr id="11" name="Content Placeholder 4">
             <a:extLst>
               <a:ext uri="{FF2B5EF4-FFF2-40B4-BE49-F238E27FC236}">
-                <a16:creationId xmlns:a16="http://schemas.microsoft.com/office/drawing/2014/main" xmlns="" id="{7553F1C2-709E-4A37-B651-8FD25501CBAB}"/>
+                <a16:creationId xmlns:a16="http://schemas.microsoft.com/office/drawing/2014/main" id="{7553F1C2-709E-4A37-B651-8FD25501CBAB}"/>
               </a:ext>
             </a:extLst>
           </p:cNvPr>
@@ -32079,7 +31987,7 @@
           <p:cNvPr id="12" name="Straight Connector 11">
             <a:extLst>
               <a:ext uri="{FF2B5EF4-FFF2-40B4-BE49-F238E27FC236}">
-                <a16:creationId xmlns:a16="http://schemas.microsoft.com/office/drawing/2014/main" xmlns="" id="{37666132-2057-4532-97BF-EA752EEA5129}"/>
+                <a16:creationId xmlns:a16="http://schemas.microsoft.com/office/drawing/2014/main" id="{37666132-2057-4532-97BF-EA752EEA5129}"/>
               </a:ext>
             </a:extLst>
           </p:cNvPr>
@@ -32156,7 +32064,7 @@
           <p:cNvPr id="7" name="Rectangle 6">
             <a:extLst>
               <a:ext uri="{FF2B5EF4-FFF2-40B4-BE49-F238E27FC236}">
-                <a16:creationId xmlns:a16="http://schemas.microsoft.com/office/drawing/2014/main" xmlns="" id="{899BBD82-F2F3-1842-9AB0-CC221A9C48C6}"/>
+                <a16:creationId xmlns:a16="http://schemas.microsoft.com/office/drawing/2014/main" id="{899BBD82-F2F3-1842-9AB0-CC221A9C48C6}"/>
               </a:ext>
             </a:extLst>
           </p:cNvPr>
@@ -32215,7 +32123,7 @@
           <p:cNvPr id="18" name="Text Placeholder 17">
             <a:extLst>
               <a:ext uri="{FF2B5EF4-FFF2-40B4-BE49-F238E27FC236}">
-                <a16:creationId xmlns:a16="http://schemas.microsoft.com/office/drawing/2014/main" xmlns="" id="{069D40B6-6B9C-3F46-A7AA-9DAEC04FD677}"/>
+                <a16:creationId xmlns:a16="http://schemas.microsoft.com/office/drawing/2014/main" id="{069D40B6-6B9C-3F46-A7AA-9DAEC04FD677}"/>
               </a:ext>
             </a:extLst>
           </p:cNvPr>
@@ -32282,7 +32190,7 @@
           <p:cNvPr id="3" name="Picture 2">
             <a:extLst>
               <a:ext uri="{FF2B5EF4-FFF2-40B4-BE49-F238E27FC236}">
-                <a16:creationId xmlns:a16="http://schemas.microsoft.com/office/drawing/2014/main" xmlns="" id="{B3DF0AD6-0B2E-544C-B992-3D2F7D60DECD}"/>
+                <a16:creationId xmlns:a16="http://schemas.microsoft.com/office/drawing/2014/main" id="{B3DF0AD6-0B2E-544C-B992-3D2F7D60DECD}"/>
               </a:ext>
             </a:extLst>
           </p:cNvPr>
@@ -32317,7 +32225,7 @@
           <p:cNvPr id="2" name="TextBox 1">
             <a:extLst>
               <a:ext uri="{FF2B5EF4-FFF2-40B4-BE49-F238E27FC236}">
-                <a16:creationId xmlns:a16="http://schemas.microsoft.com/office/drawing/2014/main" xmlns="" id="{895B60B6-703F-5A41-91C4-7AAA65F8E721}"/>
+                <a16:creationId xmlns:a16="http://schemas.microsoft.com/office/drawing/2014/main" id="{895B60B6-703F-5A41-91C4-7AAA65F8E721}"/>
               </a:ext>
             </a:extLst>
           </p:cNvPr>
@@ -32501,7 +32409,7 @@
           <p:cNvPr id="8" name="TextBox 7">
             <a:extLst>
               <a:ext uri="{FF2B5EF4-FFF2-40B4-BE49-F238E27FC236}">
-                <a16:creationId xmlns:a16="http://schemas.microsoft.com/office/drawing/2014/main" xmlns="" id="{1347B09E-7834-DA4F-8069-D23F00934E41}"/>
+                <a16:creationId xmlns:a16="http://schemas.microsoft.com/office/drawing/2014/main" id="{1347B09E-7834-DA4F-8069-D23F00934E41}"/>
               </a:ext>
             </a:extLst>
           </p:cNvPr>
@@ -32624,7 +32532,7 @@
           <p:cNvPr id="2" name="Title Placeholder 1">
             <a:extLst>
               <a:ext uri="{FF2B5EF4-FFF2-40B4-BE49-F238E27FC236}">
-                <a16:creationId xmlns:a16="http://schemas.microsoft.com/office/drawing/2014/main" xmlns="" id="{EA88CB77-1E72-824D-B3D4-56F1E9E4F43C}"/>
+                <a16:creationId xmlns:a16="http://schemas.microsoft.com/office/drawing/2014/main" id="{EA88CB77-1E72-824D-B3D4-56F1E9E4F43C}"/>
               </a:ext>
             </a:extLst>
           </p:cNvPr>
@@ -32662,7 +32570,7 @@
           <p:cNvPr id="3" name="Text Placeholder 2">
             <a:extLst>
               <a:ext uri="{FF2B5EF4-FFF2-40B4-BE49-F238E27FC236}">
-                <a16:creationId xmlns:a16="http://schemas.microsoft.com/office/drawing/2014/main" xmlns="" id="{468EC10F-208E-0147-97A6-B8FBD50313BF}"/>
+                <a16:creationId xmlns:a16="http://schemas.microsoft.com/office/drawing/2014/main" id="{468EC10F-208E-0147-97A6-B8FBD50313BF}"/>
               </a:ext>
             </a:extLst>
           </p:cNvPr>
@@ -32729,7 +32637,7 @@
           <p:cNvPr id="4" name="Date Placeholder 3">
             <a:extLst>
               <a:ext uri="{FF2B5EF4-FFF2-40B4-BE49-F238E27FC236}">
-                <a16:creationId xmlns:a16="http://schemas.microsoft.com/office/drawing/2014/main" xmlns="" id="{6F7F3240-3BC2-2D40-AB4A-C4FF968573D7}"/>
+                <a16:creationId xmlns:a16="http://schemas.microsoft.com/office/drawing/2014/main" id="{6F7F3240-3BC2-2D40-AB4A-C4FF968573D7}"/>
               </a:ext>
             </a:extLst>
           </p:cNvPr>
@@ -32765,7 +32673,7 @@
           <a:p>
             <a:fld id="{87B830A7-0C15-4F6E-81FE-DDB0DAA966ED}" type="datetime1">
               <a:rPr lang="en-US" smtClean="0"/>
-              <a:t>8/15/2019</a:t>
+              <a:t>2/13/2023</a:t>
             </a:fld>
             <a:endParaRPr lang="en-US" dirty="0"/>
           </a:p>
@@ -32776,7 +32684,7 @@
           <p:cNvPr id="5" name="Footer Placeholder 4">
             <a:extLst>
               <a:ext uri="{FF2B5EF4-FFF2-40B4-BE49-F238E27FC236}">
-                <a16:creationId xmlns:a16="http://schemas.microsoft.com/office/drawing/2014/main" xmlns="" id="{FA4FCE7A-5A6C-E449-85F9-C7D6F8357022}"/>
+                <a16:creationId xmlns:a16="http://schemas.microsoft.com/office/drawing/2014/main" id="{FA4FCE7A-5A6C-E449-85F9-C7D6F8357022}"/>
               </a:ext>
             </a:extLst>
           </p:cNvPr>
@@ -32819,7 +32727,7 @@
           <p:cNvPr id="6" name="Slide Number Placeholder 5">
             <a:extLst>
               <a:ext uri="{FF2B5EF4-FFF2-40B4-BE49-F238E27FC236}">
-                <a16:creationId xmlns:a16="http://schemas.microsoft.com/office/drawing/2014/main" xmlns="" id="{E557A773-AC90-5044-90E9-B1CF0D0BE80D}"/>
+                <a16:creationId xmlns:a16="http://schemas.microsoft.com/office/drawing/2014/main" id="{E557A773-AC90-5044-90E9-B1CF0D0BE80D}"/>
               </a:ext>
             </a:extLst>
           </p:cNvPr>
@@ -33193,7 +33101,7 @@
           <p:cNvPr id="2" name="Title Placeholder 1">
             <a:extLst>
               <a:ext uri="{FF2B5EF4-FFF2-40B4-BE49-F238E27FC236}">
-                <a16:creationId xmlns:a16="http://schemas.microsoft.com/office/drawing/2014/main" xmlns="" id="{210F24C7-54C1-2E4E-9E15-603AEC5BB8A7}"/>
+                <a16:creationId xmlns:a16="http://schemas.microsoft.com/office/drawing/2014/main" id="{210F24C7-54C1-2E4E-9E15-603AEC5BB8A7}"/>
               </a:ext>
             </a:extLst>
           </p:cNvPr>
@@ -33231,7 +33139,7 @@
           <p:cNvPr id="16" name="Rectangle 15">
             <a:extLst>
               <a:ext uri="{FF2B5EF4-FFF2-40B4-BE49-F238E27FC236}">
-                <a16:creationId xmlns:a16="http://schemas.microsoft.com/office/drawing/2014/main" xmlns="" id="{704A8B77-1367-B04D-9027-A0FE3FB9A295}"/>
+                <a16:creationId xmlns:a16="http://schemas.microsoft.com/office/drawing/2014/main" id="{704A8B77-1367-B04D-9027-A0FE3FB9A295}"/>
               </a:ext>
             </a:extLst>
           </p:cNvPr>
@@ -33293,7 +33201,7 @@
           <p:cNvPr id="17" name="Picture 16">
             <a:extLst>
               <a:ext uri="{FF2B5EF4-FFF2-40B4-BE49-F238E27FC236}">
-                <a16:creationId xmlns:a16="http://schemas.microsoft.com/office/drawing/2014/main" xmlns="" id="{3F8EAD30-43C4-3247-B11A-C4F72EB11537}"/>
+                <a16:creationId xmlns:a16="http://schemas.microsoft.com/office/drawing/2014/main" id="{3F8EAD30-43C4-3247-B11A-C4F72EB11537}"/>
               </a:ext>
             </a:extLst>
           </p:cNvPr>
@@ -33322,7 +33230,7 @@
           <p:cNvPr id="18" name="TextBox 17">
             <a:extLst>
               <a:ext uri="{FF2B5EF4-FFF2-40B4-BE49-F238E27FC236}">
-                <a16:creationId xmlns:a16="http://schemas.microsoft.com/office/drawing/2014/main" xmlns="" id="{4B6228ED-838E-704B-ADD5-DCDA5F148705}"/>
+                <a16:creationId xmlns:a16="http://schemas.microsoft.com/office/drawing/2014/main" id="{4B6228ED-838E-704B-ADD5-DCDA5F148705}"/>
               </a:ext>
             </a:extLst>
           </p:cNvPr>
@@ -33383,7 +33291,7 @@
           <p:cNvPr id="19" name="Date Placeholder 14">
             <a:extLst>
               <a:ext uri="{FF2B5EF4-FFF2-40B4-BE49-F238E27FC236}">
-                <a16:creationId xmlns:a16="http://schemas.microsoft.com/office/drawing/2014/main" xmlns="" id="{5E9891BD-8B5B-3743-8E54-7E6AED7A954C}"/>
+                <a16:creationId xmlns:a16="http://schemas.microsoft.com/office/drawing/2014/main" id="{5E9891BD-8B5B-3743-8E54-7E6AED7A954C}"/>
               </a:ext>
             </a:extLst>
           </p:cNvPr>
@@ -33417,7 +33325,7 @@
           <a:p>
             <a:fld id="{F0C99D87-AFAD-4B11-8D22-9469FA50E3E6}" type="datetime1">
               <a:rPr lang="en-US" smtClean="0"/>
-              <a:t>8/15/2019</a:t>
+              <a:t>2/13/2023</a:t>
             </a:fld>
             <a:endParaRPr lang="en-US" dirty="0"/>
           </a:p>
@@ -33428,7 +33336,7 @@
           <p:cNvPr id="20" name="Slide Number Placeholder 6">
             <a:extLst>
               <a:ext uri="{FF2B5EF4-FFF2-40B4-BE49-F238E27FC236}">
-                <a16:creationId xmlns:a16="http://schemas.microsoft.com/office/drawing/2014/main" xmlns="" id="{4210031E-7CCB-FE4D-BBF1-261BBED1588D}"/>
+                <a16:creationId xmlns:a16="http://schemas.microsoft.com/office/drawing/2014/main" id="{4210031E-7CCB-FE4D-BBF1-261BBED1588D}"/>
               </a:ext>
             </a:extLst>
           </p:cNvPr>
@@ -33810,7 +33718,7 @@
           <p:cNvPr id="8" name="Text Placeholder 7">
             <a:extLst>
               <a:ext uri="{FF2B5EF4-FFF2-40B4-BE49-F238E27FC236}">
-                <a16:creationId xmlns:a16="http://schemas.microsoft.com/office/drawing/2014/main" xmlns="" id="{D1ACAD02-4527-BB4B-B170-AD2241F08FEA}"/>
+                <a16:creationId xmlns:a16="http://schemas.microsoft.com/office/drawing/2014/main" id="{D1ACAD02-4527-BB4B-B170-AD2241F08FEA}"/>
               </a:ext>
             </a:extLst>
           </p:cNvPr>
@@ -33829,7 +33737,7 @@
           <a:lstStyle/>
           <a:p>
             <a:r>
-              <a:rPr lang="en-IN" altLang="en-US" dirty="0" smtClean="0">
+              <a:rPr lang="en-IN" altLang="en-US" dirty="0">
                 <a:solidFill>
                   <a:srgbClr val="FFFF00"/>
                 </a:solidFill>
@@ -33837,11 +33745,11 @@
               <a:t>GZipFilter</a:t>
             </a:r>
             <a:r>
-              <a:rPr lang="en-IN" altLang="en-US" dirty="0" smtClean="0"/>
+              <a:rPr lang="en-IN" altLang="en-US" dirty="0"/>
               <a:t> for Web Application </a:t>
             </a:r>
             <a:r>
-              <a:rPr lang="en-IN" altLang="en-US" dirty="0" smtClean="0">
+              <a:rPr lang="en-IN" altLang="en-US" dirty="0">
                 <a:solidFill>
                   <a:srgbClr val="92D050"/>
                 </a:solidFill>
@@ -33849,11 +33757,11 @@
               <a:t>Performance</a:t>
             </a:r>
             <a:r>
-              <a:rPr lang="en-IN" altLang="en-US" dirty="0" smtClean="0"/>
+              <a:rPr lang="en-IN" altLang="en-US" dirty="0"/>
               <a:t> &amp; </a:t>
             </a:r>
             <a:r>
-              <a:rPr lang="en-IN" altLang="en-US" dirty="0" smtClean="0">
+              <a:rPr lang="en-IN" altLang="en-US" dirty="0">
                 <a:solidFill>
                   <a:srgbClr val="92D050"/>
                 </a:solidFill>
@@ -33861,45 +33769,8 @@
               <a:t>Load</a:t>
             </a:r>
             <a:r>
-              <a:rPr lang="en-IN" altLang="en-US" dirty="0" smtClean="0"/>
+              <a:rPr lang="en-IN" altLang="en-US" dirty="0"/>
               <a:t> Optimization</a:t>
-            </a:r>
-            <a:endParaRPr lang="en-US" dirty="0"/>
-          </a:p>
-        </p:txBody>
-      </p:sp>
-      <p:sp>
-        <p:nvSpPr>
-          <p:cNvPr id="9" name="Text Placeholder 8">
-            <a:extLst>
-              <a:ext uri="{FF2B5EF4-FFF2-40B4-BE49-F238E27FC236}">
-                <a16:creationId xmlns:a16="http://schemas.microsoft.com/office/drawing/2014/main" xmlns="" id="{8F0BEED6-0AEA-0341-B51D-8AA5473C9D43}"/>
-              </a:ext>
-            </a:extLst>
-          </p:cNvPr>
-          <p:cNvSpPr>
-            <a:spLocks noGrp="1"/>
-          </p:cNvSpPr>
-          <p:nvPr>
-            <p:ph type="body" sz="quarter" idx="11"/>
-          </p:nvPr>
-        </p:nvSpPr>
-        <p:spPr/>
-        <p:txBody>
-          <a:bodyPr/>
-          <a:lstStyle/>
-          <a:p>
-            <a:r>
-              <a:rPr lang="en-US" dirty="0" smtClean="0"/>
-              <a:t>Aug</a:t>
-            </a:r>
-            <a:r>
-              <a:rPr lang="en-US" dirty="0" smtClean="0"/>
-              <a:t> </a:t>
-            </a:r>
-            <a:r>
-              <a:rPr lang="en-US" dirty="0" smtClean="0"/>
-              <a:t>2019</a:t>
             </a:r>
             <a:endParaRPr lang="en-US" dirty="0"/>
           </a:p>
@@ -33915,13 +33786,6 @@
   <p:clrMapOvr>
     <a:masterClrMapping/>
   </p:clrMapOvr>
-  <p:timing>
-    <p:tnLst>
-      <p:par>
-        <p:cTn id="1" dur="indefinite" restart="never" nodeType="tmRoot"/>
-      </p:par>
-    </p:tnLst>
-  </p:timing>
 </p:sld>
 </file>
 
@@ -33958,10 +33822,9 @@
           <a:lstStyle/>
           <a:p>
             <a:r>
-              <a:rPr lang="en-US" dirty="0" smtClean="0"/>
+              <a:rPr lang="en-US" dirty="0"/>
               <a:t>GZipFilter</a:t>
             </a:r>
-            <a:endParaRPr lang="en-US" dirty="0"/>
           </a:p>
         </p:txBody>
       </p:sp>
@@ -33996,35 +33859,23 @@
             </a:r>
             <a:r>
               <a:rPr lang="en-US" dirty="0"/>
-              <a:t> application performance improvisation </a:t>
-            </a:r>
-            <a:r>
-              <a:rPr lang="en-US" dirty="0" smtClean="0"/>
-              <a:t>we have tested </a:t>
-            </a:r>
-            <a:r>
-              <a:rPr lang="en-US" b="1" dirty="0" smtClean="0"/>
+              <a:t> application performance improvisation we have tested </a:t>
+            </a:r>
+            <a:r>
+              <a:rPr lang="en-US" b="1" dirty="0"/>
               <a:t>GZip</a:t>
             </a:r>
             <a:r>
-              <a:rPr lang="en-US" dirty="0" smtClean="0"/>
+              <a:rPr lang="en-US" dirty="0"/>
               <a:t> </a:t>
             </a:r>
             <a:r>
               <a:rPr lang="en-US" b="1" dirty="0"/>
-              <a:t>Filter </a:t>
-            </a:r>
-            <a:r>
-              <a:rPr lang="en-US" b="1" dirty="0" smtClean="0"/>
-              <a:t>l</a:t>
-            </a:r>
-            <a:r>
-              <a:rPr lang="en-US" dirty="0" smtClean="0"/>
-              <a:t>ocal </a:t>
+              <a:t>Filter l</a:t>
             </a:r>
             <a:r>
               <a:rPr lang="en-US" dirty="0"/>
-              <a:t>which gives a huge &amp; +</a:t>
+              <a:t>ocal which gives a huge &amp; +</a:t>
             </a:r>
             <a:r>
               <a:rPr lang="en-US" dirty="0" err="1"/>
@@ -34052,15 +33903,14 @@
               <a:rPr lang="en-US" dirty="0"/>
               <a:t>improvisation in performance on an average. </a:t>
             </a:r>
-            <a:endParaRPr lang="en-US" dirty="0" smtClean="0"/>
-          </a:p>
-          <a:p>
-            <a:r>
-              <a:rPr lang="en-US" dirty="0" smtClean="0"/>
+          </a:p>
+          <a:p>
+            <a:r>
+              <a:rPr lang="en-US" dirty="0"/>
               <a:t>Implementation Plan is </a:t>
             </a:r>
             <a:r>
-              <a:rPr lang="en-US" dirty="0" smtClean="0">
+              <a:rPr lang="en-US" dirty="0">
                 <a:solidFill>
                   <a:srgbClr val="B51E6A"/>
                 </a:solidFill>
@@ -34068,11 +33918,11 @@
               <a:t>W</a:t>
             </a:r>
             <a:r>
-              <a:rPr lang="en-US" dirty="0" smtClean="0"/>
+              <a:rPr lang="en-US" dirty="0"/>
               <a:t>ork </a:t>
             </a:r>
             <a:r>
-              <a:rPr lang="en-US" dirty="0" smtClean="0">
+              <a:rPr lang="en-US" dirty="0">
                 <a:solidFill>
                   <a:srgbClr val="B51E6A"/>
                 </a:solidFill>
@@ -34080,11 +33930,11 @@
               <a:t>I</a:t>
             </a:r>
             <a:r>
-              <a:rPr lang="en-US" dirty="0" smtClean="0"/>
+              <a:rPr lang="en-US" dirty="0"/>
               <a:t>n </a:t>
             </a:r>
             <a:r>
-              <a:rPr lang="en-US" b="1" dirty="0" smtClean="0">
+              <a:rPr lang="en-US" b="1" dirty="0">
                 <a:solidFill>
                   <a:srgbClr val="B51E6A"/>
                 </a:solidFill>
@@ -34092,10 +33942,9 @@
               <a:t>P</a:t>
             </a:r>
             <a:r>
-              <a:rPr lang="en-US" dirty="0" smtClean="0"/>
+              <a:rPr lang="en-US" dirty="0"/>
               <a:t>rogress</a:t>
             </a:r>
-            <a:endParaRPr lang="en-US" dirty="0"/>
           </a:p>
         </p:txBody>
       </p:sp>
@@ -34122,15 +33971,7 @@
           <a:p>
             <a:r>
               <a:rPr lang="en-US" b="1" dirty="0"/>
-              <a:t>About </a:t>
-            </a:r>
-            <a:r>
-              <a:rPr lang="en-US" b="1" dirty="0"/>
-              <a:t>GZip Filter </a:t>
-            </a:r>
-            <a:r>
-              <a:rPr lang="en-US" b="1" dirty="0" smtClean="0"/>
-              <a:t>:</a:t>
+              <a:t>About GZip Filter :</a:t>
             </a:r>
             <a:endParaRPr lang="en-US" dirty="0"/>
           </a:p>
@@ -34151,15 +33992,7 @@
             </a:pPr>
             <a:r>
               <a:rPr lang="en-US" dirty="0"/>
-              <a:t>Can be implemented in </a:t>
-            </a:r>
-            <a:r>
-              <a:rPr lang="en-US" dirty="0" smtClean="0"/>
-              <a:t>Web Application Framework </a:t>
-            </a:r>
-            <a:r>
-              <a:rPr lang="en-US" dirty="0"/>
-              <a:t>Level</a:t>
+              <a:t>Can be implemented in Web Application Framework Level</a:t>
             </a:r>
           </a:p>
           <a:p>
@@ -34169,15 +34002,7 @@
             </a:pPr>
             <a:r>
               <a:rPr lang="en-US" dirty="0"/>
-              <a:t>It Compress the </a:t>
-            </a:r>
-            <a:r>
-              <a:rPr lang="en-US" dirty="0" smtClean="0"/>
-              <a:t>HttpRequests </a:t>
-            </a:r>
-            <a:r>
-              <a:rPr lang="en-US" dirty="0"/>
-              <a:t>&amp; HttpResponses in perspective of reducing Web Page Load time.</a:t>
+              <a:t>It Compress the HttpRequests &amp; HttpResponses in perspective of reducing Web Page Load time.</a:t>
             </a:r>
           </a:p>
           <a:p>
@@ -34197,21 +34022,8 @@
                   <a:srgbClr val="C00000"/>
                 </a:solidFill>
               </a:rPr>
-              <a:t>This Compression is nothing but minification measure to increase </a:t>
-            </a:r>
-            <a:r>
-              <a:rPr lang="en-US" sz="1600" i="1" dirty="0" smtClean="0">
-                <a:solidFill>
-                  <a:srgbClr val="C00000"/>
-                </a:solidFill>
-              </a:rPr>
-              <a:t> Page Speed</a:t>
-            </a:r>
-            <a:endParaRPr lang="en-US" sz="1600" i="1" dirty="0">
-              <a:solidFill>
-                <a:srgbClr val="C00000"/>
-              </a:solidFill>
-            </a:endParaRPr>
+              <a:t>This Compression is nothing but minification measure to increase  Page Speed</a:t>
+            </a:r>
           </a:p>
         </p:txBody>
       </p:sp>
@@ -34345,7 +34157,7 @@
           <a:lstStyle/>
           <a:p>
             <a:r>
-              <a:rPr lang="en-US" b="1" dirty="0" smtClean="0">
+              <a:rPr lang="en-US" b="1" dirty="0">
                 <a:solidFill>
                   <a:srgbClr val="00B050"/>
                 </a:solidFill>
@@ -34382,7 +34194,7 @@
           <a:lstStyle/>
           <a:p>
             <a:r>
-              <a:rPr lang="en-US" b="1" dirty="0" smtClean="0">
+              <a:rPr lang="en-US" b="1" dirty="0">
                 <a:solidFill>
                   <a:srgbClr val="FFC000"/>
                 </a:solidFill>
@@ -34419,13 +34231,6 @@
       </p:transition>
     </mc:Fallback>
   </mc:AlternateContent>
-  <p:timing>
-    <p:tnLst>
-      <p:par>
-        <p:cTn id="1" dur="indefinite" restart="never" nodeType="tmRoot"/>
-      </p:par>
-    </p:tnLst>
-  </p:timing>
 </p:sld>
 </file>
 
@@ -34462,10 +34267,9 @@
           <a:lstStyle/>
           <a:p>
             <a:r>
-              <a:rPr lang="en-US" dirty="0" smtClean="0"/>
+              <a:rPr lang="en-US" dirty="0"/>
               <a:t>GzipFilter</a:t>
             </a:r>
-            <a:endParaRPr lang="en-US" dirty="0"/>
           </a:p>
         </p:txBody>
       </p:sp>
@@ -34547,15 +34351,7 @@
             </a:pPr>
             <a:r>
               <a:rPr lang="en-US" dirty="0"/>
-              <a:t>Servlet Filter Mapping has to be added for .JSP, </a:t>
-            </a:r>
-            <a:r>
-              <a:rPr lang="en-US" dirty="0" smtClean="0"/>
-              <a:t>.JS</a:t>
-            </a:r>
-            <a:r>
-              <a:rPr lang="en-US" dirty="0"/>
-              <a:t>, .CSS &amp; .HTML</a:t>
+              <a:t>Servlet Filter Mapping has to be added for .JSP, .JS, .CSS &amp; .HTML</a:t>
             </a:r>
           </a:p>
           <a:p>
@@ -34643,13 +34439,6 @@
       </p:transition>
     </mc:Fallback>
   </mc:AlternateContent>
-  <p:timing>
-    <p:tnLst>
-      <p:par>
-        <p:cTn id="1" dur="indefinite" restart="never" nodeType="tmRoot"/>
-      </p:par>
-    </p:tnLst>
-  </p:timing>
 </p:sld>
 </file>
 
@@ -34675,7 +34464,7 @@
           <p:cNvPr id="6" name="Text Placeholder 5">
             <a:extLst>
               <a:ext uri="{FF2B5EF4-FFF2-40B4-BE49-F238E27FC236}">
-                <a16:creationId xmlns:a16="http://schemas.microsoft.com/office/drawing/2014/main" xmlns="" id="{93AABD03-5BAA-1B4C-97DE-B92E4A699F7E}"/>
+                <a16:creationId xmlns:a16="http://schemas.microsoft.com/office/drawing/2014/main" id="{93AABD03-5BAA-1B4C-97DE-B92E4A699F7E}"/>
               </a:ext>
             </a:extLst>
           </p:cNvPr>
@@ -34708,13 +34497,6 @@
   <p:clrMapOvr>
     <a:masterClrMapping/>
   </p:clrMapOvr>
-  <p:timing>
-    <p:tnLst>
-      <p:par>
-        <p:cTn id="1" dur="indefinite" restart="never" nodeType="tmRoot"/>
-      </p:par>
-    </p:tnLst>
-  </p:timing>
 </p:sld>
 </file>
 
@@ -35007,7 +34789,7 @@
   <a:extraClrSchemeLst/>
   <a:extLst>
     <a:ext uri="{05A4C25C-085E-4340-85A3-A5531E510DB2}">
-      <thm15:themeFamily xmlns:thm15="http://schemas.microsoft.com/office/thememl/2012/main" xmlns="" name="5041_Mphasis template_US date_Vas_v1_6Dec18" id="{1659C8C1-4956-4861-B6F2-872426D8B2AD}" vid="{BFF7CD5E-53F8-4E7E-9C9C-D744FA90F880}"/>
+      <thm15:themeFamily xmlns:thm15="http://schemas.microsoft.com/office/thememl/2012/main" name="5041_Mphasis template_US date_Vas_v1_6Dec18" id="{1659C8C1-4956-4861-B6F2-872426D8B2AD}" vid="{BFF7CD5E-53F8-4E7E-9C9C-D744FA90F880}"/>
     </a:ext>
   </a:extLst>
 </a:theme>
@@ -35302,7 +35084,7 @@
   <a:extraClrSchemeLst/>
   <a:extLst>
     <a:ext uri="{05A4C25C-085E-4340-85A3-A5531E510DB2}">
-      <thm15:themeFamily xmlns:thm15="http://schemas.microsoft.com/office/thememl/2012/main" xmlns="" name="5041_Mphasis template_US date_Vas_v1_6Dec18" id="{1659C8C1-4956-4861-B6F2-872426D8B2AD}" vid="{915890CC-9E06-4303-9996-032667F2622E}"/>
+      <thm15:themeFamily xmlns:thm15="http://schemas.microsoft.com/office/thememl/2012/main" name="5041_Mphasis template_US date_Vas_v1_6Dec18" id="{1659C8C1-4956-4861-B6F2-872426D8B2AD}" vid="{915890CC-9E06-4303-9996-032667F2622E}"/>
     </a:ext>
   </a:extLst>
 </a:theme>
@@ -35597,7 +35379,7 @@
   <a:extraClrSchemeLst/>
   <a:extLst>
     <a:ext uri="{05A4C25C-085E-4340-85A3-A5531E510DB2}">
-      <thm15:themeFamily xmlns:thm15="http://schemas.microsoft.com/office/thememl/2012/main" xmlns="" name="Office Theme" id="{62F939B6-93AF-4DB8-9C6B-D6C7DFDC589F}" vid="{4A3C46E8-61CC-4603-A589-7422A47A8E4A}"/>
+      <thm15:themeFamily xmlns:thm15="http://schemas.microsoft.com/office/thememl/2012/main" name="Office Theme" id="{62F939B6-93AF-4DB8-9C6B-D6C7DFDC589F}" vid="{4A3C46E8-61CC-4603-A589-7422A47A8E4A}"/>
     </a:ext>
   </a:extLst>
 </a:theme>
@@ -35892,7 +35674,7 @@
   <a:extraClrSchemeLst/>
   <a:extLst>
     <a:ext uri="{05A4C25C-085E-4340-85A3-A5531E510DB2}">
-      <thm15:themeFamily xmlns:thm15="http://schemas.microsoft.com/office/thememl/2012/main" xmlns="" name="Office Theme" id="{62F939B6-93AF-4DB8-9C6B-D6C7DFDC589F}" vid="{4A3C46E8-61CC-4603-A589-7422A47A8E4A}"/>
+      <thm15:themeFamily xmlns:thm15="http://schemas.microsoft.com/office/thememl/2012/main" name="Office Theme" id="{62F939B6-93AF-4DB8-9C6B-D6C7DFDC589F}" vid="{4A3C46E8-61CC-4603-A589-7422A47A8E4A}"/>
     </a:ext>
   </a:extLst>
 </a:theme>
